--- a/slides/intro.pptx
+++ b/slides/intro.pptx
@@ -6,7 +6,7 @@
     <p:sldMasterId id="2147483650" r:id="rId2"/>
   </p:sldMasterIdLst>
   <p:notesMasterIdLst>
-    <p:notesMasterId r:id="rId13"/>
+    <p:notesMasterId r:id="rId21"/>
   </p:notesMasterIdLst>
   <p:sldIdLst>
     <p:sldId id="262" r:id="rId3"/>
@@ -19,6 +19,14 @@
     <p:sldId id="318" r:id="rId10"/>
     <p:sldId id="319" r:id="rId11"/>
     <p:sldId id="310" r:id="rId12"/>
+    <p:sldId id="324" r:id="rId13"/>
+    <p:sldId id="326" r:id="rId14"/>
+    <p:sldId id="320" r:id="rId15"/>
+    <p:sldId id="321" r:id="rId16"/>
+    <p:sldId id="322" r:id="rId17"/>
+    <p:sldId id="323" r:id="rId18"/>
+    <p:sldId id="325" r:id="rId19"/>
+    <p:sldId id="327" r:id="rId20"/>
   </p:sldIdLst>
   <p:sldSz cx="14630400" cy="8229600"/>
   <p:notesSz cx="6858000" cy="9144000"/>
@@ -132,6 +140,14 @@
             <p14:sldId id="318"/>
             <p14:sldId id="319"/>
             <p14:sldId id="310"/>
+            <p14:sldId id="324"/>
+            <p14:sldId id="326"/>
+            <p14:sldId id="320"/>
+            <p14:sldId id="321"/>
+            <p14:sldId id="322"/>
+            <p14:sldId id="323"/>
+            <p14:sldId id="325"/>
+            <p14:sldId id="327"/>
           </p14:sldIdLst>
         </p14:section>
       </p14:sectionLst>
@@ -222,7 +238,7 @@
           <a:p>
             <a:fld id="{9C247A12-7B99-F147-B048-833836355128}" type="datetimeFigureOut">
               <a:rPr lang="en-US" smtClean="0"/>
-              <a:t>8/10/15</a:t>
+              <a:t>8/19/15</a:t>
             </a:fld>
             <a:endParaRPr lang="en-US"/>
           </a:p>
@@ -3569,6 +3585,1010 @@
 </p:sld>
 </file>
 
+<file path=ppt/slides/slide11.xml><?xml version="1.0" encoding="utf-8"?>
+<p:sld xmlns:a="http://schemas.openxmlformats.org/drawingml/2006/main" xmlns:r="http://schemas.openxmlformats.org/officeDocument/2006/relationships" xmlns:p="http://schemas.openxmlformats.org/presentationml/2006/main">
+  <p:cSld>
+    <p:spTree>
+      <p:nvGrpSpPr>
+        <p:cNvPr id="1" name=""/>
+        <p:cNvGrpSpPr/>
+        <p:nvPr/>
+      </p:nvGrpSpPr>
+      <p:grpSpPr>
+        <a:xfrm>
+          <a:off x="0" y="0"/>
+          <a:ext cx="0" cy="0"/>
+          <a:chOff x="0" y="0"/>
+          <a:chExt cx="0" cy="0"/>
+        </a:xfrm>
+      </p:grpSpPr>
+      <p:sp>
+        <p:nvSpPr>
+          <p:cNvPr id="2" name="Title 1"/>
+          <p:cNvSpPr>
+            <a:spLocks noGrp="1"/>
+          </p:cNvSpPr>
+          <p:nvPr>
+            <p:ph type="title"/>
+          </p:nvPr>
+        </p:nvSpPr>
+        <p:spPr/>
+        <p:txBody>
+          <a:bodyPr/>
+          <a:lstStyle/>
+          <a:p>
+            <a:r>
+              <a:rPr lang="en-US" dirty="0" smtClean="0"/>
+              <a:t>Twitter – Service Oriented Architecture (SOA)</a:t>
+            </a:r>
+            <a:endParaRPr lang="en-US" dirty="0"/>
+          </a:p>
+        </p:txBody>
+      </p:sp>
+      <p:pic>
+        <p:nvPicPr>
+          <p:cNvPr id="4" name="Picture 3" descr="twitter.png"/>
+          <p:cNvPicPr>
+            <a:picLocks noChangeAspect="1"/>
+          </p:cNvPicPr>
+          <p:nvPr/>
+        </p:nvPicPr>
+        <p:blipFill>
+          <a:blip r:embed="rId2">
+            <a:extLst>
+              <a:ext uri="{28A0092B-C50C-407E-A947-70E740481C1C}">
+                <a14:useLocalDpi xmlns:a14="http://schemas.microsoft.com/office/drawing/2010/main" val="0"/>
+              </a:ext>
+            </a:extLst>
+          </a:blip>
+          <a:stretch>
+            <a:fillRect/>
+          </a:stretch>
+        </p:blipFill>
+        <p:spPr>
+          <a:xfrm>
+            <a:off x="3615566" y="1232650"/>
+            <a:ext cx="7399268" cy="6161848"/>
+          </a:xfrm>
+          <a:prstGeom prst="rect">
+            <a:avLst/>
+          </a:prstGeom>
+        </p:spPr>
+      </p:pic>
+    </p:spTree>
+    <p:extLst>
+      <p:ext uri="{BB962C8B-B14F-4D97-AF65-F5344CB8AC3E}">
+        <p14:creationId xmlns:p14="http://schemas.microsoft.com/office/powerpoint/2010/main" val="41582812"/>
+      </p:ext>
+    </p:extLst>
+  </p:cSld>
+  <p:clrMapOvr>
+    <a:masterClrMapping/>
+  </p:clrMapOvr>
+</p:sld>
+</file>
+
+<file path=ppt/slides/slide12.xml><?xml version="1.0" encoding="utf-8"?>
+<p:sld xmlns:a="http://schemas.openxmlformats.org/drawingml/2006/main" xmlns:r="http://schemas.openxmlformats.org/officeDocument/2006/relationships" xmlns:p="http://schemas.openxmlformats.org/presentationml/2006/main">
+  <p:cSld>
+    <p:spTree>
+      <p:nvGrpSpPr>
+        <p:cNvPr id="1" name=""/>
+        <p:cNvGrpSpPr/>
+        <p:nvPr/>
+      </p:nvGrpSpPr>
+      <p:grpSpPr>
+        <a:xfrm>
+          <a:off x="0" y="0"/>
+          <a:ext cx="0" cy="0"/>
+          <a:chOff x="0" y="0"/>
+          <a:chExt cx="0" cy="0"/>
+        </a:xfrm>
+      </p:grpSpPr>
+      <p:sp>
+        <p:nvSpPr>
+          <p:cNvPr id="2" name="Title 1"/>
+          <p:cNvSpPr>
+            <a:spLocks noGrp="1"/>
+          </p:cNvSpPr>
+          <p:nvPr>
+            <p:ph type="title"/>
+          </p:nvPr>
+        </p:nvSpPr>
+        <p:spPr/>
+        <p:txBody>
+          <a:bodyPr/>
+          <a:lstStyle/>
+          <a:p>
+            <a:r>
+              <a:rPr lang="en-US" dirty="0" smtClean="0"/>
+              <a:t>Amazon – Original SOA</a:t>
+            </a:r>
+            <a:endParaRPr lang="en-US" dirty="0"/>
+          </a:p>
+        </p:txBody>
+      </p:sp>
+      <p:pic>
+        <p:nvPicPr>
+          <p:cNvPr id="4" name="Picture 3" descr="Screen Shot 2015-08-19 at 6.15.12 PM.png"/>
+          <p:cNvPicPr>
+            <a:picLocks noChangeAspect="1"/>
+          </p:cNvPicPr>
+          <p:nvPr/>
+        </p:nvPicPr>
+        <p:blipFill>
+          <a:blip r:embed="rId2">
+            <a:extLst>
+              <a:ext uri="{28A0092B-C50C-407E-A947-70E740481C1C}">
+                <a14:useLocalDpi xmlns:a14="http://schemas.microsoft.com/office/drawing/2010/main" val="0"/>
+              </a:ext>
+            </a:extLst>
+          </a:blip>
+          <a:stretch>
+            <a:fillRect/>
+          </a:stretch>
+        </p:blipFill>
+        <p:spPr>
+          <a:xfrm>
+            <a:off x="4152169" y="1190921"/>
+            <a:ext cx="6326062" cy="6200506"/>
+          </a:xfrm>
+          <a:prstGeom prst="rect">
+            <a:avLst/>
+          </a:prstGeom>
+        </p:spPr>
+      </p:pic>
+    </p:spTree>
+    <p:extLst>
+      <p:ext uri="{BB962C8B-B14F-4D97-AF65-F5344CB8AC3E}">
+        <p14:creationId xmlns:p14="http://schemas.microsoft.com/office/powerpoint/2010/main" val="1645058582"/>
+      </p:ext>
+    </p:extLst>
+  </p:cSld>
+  <p:clrMapOvr>
+    <a:masterClrMapping/>
+  </p:clrMapOvr>
+</p:sld>
+</file>
+
+<file path=ppt/slides/slide13.xml><?xml version="1.0" encoding="utf-8"?>
+<p:sld xmlns:a="http://schemas.openxmlformats.org/drawingml/2006/main" xmlns:r="http://schemas.openxmlformats.org/officeDocument/2006/relationships" xmlns:p="http://schemas.openxmlformats.org/presentationml/2006/main">
+  <p:cSld>
+    <p:spTree>
+      <p:nvGrpSpPr>
+        <p:cNvPr id="1" name=""/>
+        <p:cNvGrpSpPr/>
+        <p:nvPr/>
+      </p:nvGrpSpPr>
+      <p:grpSpPr>
+        <a:xfrm>
+          <a:off x="0" y="0"/>
+          <a:ext cx="0" cy="0"/>
+          <a:chOff x="0" y="0"/>
+          <a:chExt cx="0" cy="0"/>
+        </a:xfrm>
+      </p:grpSpPr>
+      <p:sp>
+        <p:nvSpPr>
+          <p:cNvPr id="2" name="Title 1"/>
+          <p:cNvSpPr>
+            <a:spLocks noGrp="1"/>
+          </p:cNvSpPr>
+          <p:nvPr>
+            <p:ph type="title"/>
+          </p:nvPr>
+        </p:nvSpPr>
+        <p:spPr/>
+        <p:txBody>
+          <a:bodyPr/>
+          <a:lstStyle/>
+          <a:p>
+            <a:r>
+              <a:rPr lang="en-US" dirty="0" smtClean="0"/>
+              <a:t>Software Engineering</a:t>
+            </a:r>
+            <a:endParaRPr lang="en-US" dirty="0"/>
+          </a:p>
+        </p:txBody>
+      </p:sp>
+      <p:sp>
+        <p:nvSpPr>
+          <p:cNvPr id="4" name="Text Placeholder 3"/>
+          <p:cNvSpPr>
+            <a:spLocks noGrp="1"/>
+          </p:cNvSpPr>
+          <p:nvPr>
+            <p:ph type="body" sz="quarter" idx="10"/>
+          </p:nvPr>
+        </p:nvSpPr>
+        <p:spPr/>
+        <p:txBody>
+          <a:bodyPr/>
+          <a:lstStyle/>
+          <a:p>
+            <a:pPr marL="342900" indent="-342900">
+              <a:buFont typeface="Arial"/>
+              <a:buChar char="•"/>
+            </a:pPr>
+            <a:r>
+              <a:rPr lang="en-US" dirty="0" smtClean="0"/>
+              <a:t>There are many examples of failed software projects</a:t>
+            </a:r>
+          </a:p>
+          <a:p>
+            <a:pPr marL="852488" lvl="3" indent="-342900"/>
+            <a:r>
+              <a:rPr lang="en-US" dirty="0" smtClean="0"/>
+              <a:t>Affordable care act website</a:t>
+            </a:r>
+          </a:p>
+          <a:p>
+            <a:pPr marL="852488" lvl="3" indent="-342900"/>
+            <a:r>
+              <a:rPr lang="en-US" dirty="0" smtClean="0"/>
+              <a:t>Therac-25 radiation therapy machine killed patients because of a bug</a:t>
+            </a:r>
+          </a:p>
+          <a:p>
+            <a:pPr marL="852488" lvl="3" indent="-342900"/>
+            <a:endParaRPr lang="en-US" dirty="0"/>
+          </a:p>
+          <a:p>
+            <a:pPr marL="342900" lvl="2" indent="-342900"/>
+            <a:r>
+              <a:rPr lang="en-US" dirty="0" smtClean="0"/>
+              <a:t>Software Engineering</a:t>
+            </a:r>
+          </a:p>
+          <a:p>
+            <a:pPr marL="852488" lvl="3" indent="-342900"/>
+            <a:r>
+              <a:rPr lang="en-US" dirty="0" smtClean="0"/>
+              <a:t>Term coined in 1969. Discover more structured methods for building software.</a:t>
+            </a:r>
+          </a:p>
+          <a:p>
+            <a:pPr marL="852488" lvl="3" indent="-342900"/>
+            <a:endParaRPr lang="en-US" dirty="0" smtClean="0"/>
+          </a:p>
+          <a:p>
+            <a:pPr marL="852488" lvl="3" indent="-342900"/>
+            <a:endParaRPr lang="en-US" dirty="0"/>
+          </a:p>
+          <a:p>
+            <a:pPr marL="342900" lvl="2" indent="-342900"/>
+            <a:r>
+              <a:rPr lang="en-US" dirty="0" smtClean="0"/>
+              <a:t>Also see “Engineering Software as a Service: An Agile Approach Using Cloud Computing” by Fox and Patterson</a:t>
+            </a:r>
+            <a:endParaRPr lang="en-US" dirty="0"/>
+          </a:p>
+          <a:p>
+            <a:pPr marL="342900" lvl="2" indent="-342900"/>
+            <a:endParaRPr lang="en-US" dirty="0" smtClean="0"/>
+          </a:p>
+          <a:p>
+            <a:pPr marL="852488" lvl="3" indent="-342900"/>
+            <a:endParaRPr lang="en-US" dirty="0"/>
+          </a:p>
+        </p:txBody>
+      </p:sp>
+    </p:spTree>
+    <p:extLst>
+      <p:ext uri="{BB962C8B-B14F-4D97-AF65-F5344CB8AC3E}">
+        <p14:creationId xmlns:p14="http://schemas.microsoft.com/office/powerpoint/2010/main" val="3641403198"/>
+      </p:ext>
+    </p:extLst>
+  </p:cSld>
+  <p:clrMapOvr>
+    <a:masterClrMapping/>
+  </p:clrMapOvr>
+</p:sld>
+</file>
+
+<file path=ppt/slides/slide14.xml><?xml version="1.0" encoding="utf-8"?>
+<p:sld xmlns:a="http://schemas.openxmlformats.org/drawingml/2006/main" xmlns:r="http://schemas.openxmlformats.org/officeDocument/2006/relationships" xmlns:p="http://schemas.openxmlformats.org/presentationml/2006/main">
+  <p:cSld>
+    <p:spTree>
+      <p:nvGrpSpPr>
+        <p:cNvPr id="1" name=""/>
+        <p:cNvGrpSpPr/>
+        <p:nvPr/>
+      </p:nvGrpSpPr>
+      <p:grpSpPr>
+        <a:xfrm>
+          <a:off x="0" y="0"/>
+          <a:ext cx="0" cy="0"/>
+          <a:chOff x="0" y="0"/>
+          <a:chExt cx="0" cy="0"/>
+        </a:xfrm>
+      </p:grpSpPr>
+      <p:sp>
+        <p:nvSpPr>
+          <p:cNvPr id="2" name="Title 1"/>
+          <p:cNvSpPr>
+            <a:spLocks noGrp="1"/>
+          </p:cNvSpPr>
+          <p:nvPr>
+            <p:ph type="title"/>
+          </p:nvPr>
+        </p:nvSpPr>
+        <p:spPr/>
+        <p:txBody>
+          <a:bodyPr/>
+          <a:lstStyle/>
+          <a:p>
+            <a:r>
+              <a:rPr lang="en-US" dirty="0" smtClean="0"/>
+              <a:t>Waterfall – 1970s</a:t>
+            </a:r>
+            <a:endParaRPr lang="en-US" dirty="0"/>
+          </a:p>
+        </p:txBody>
+      </p:sp>
+      <p:sp>
+        <p:nvSpPr>
+          <p:cNvPr id="5" name="Text Placeholder 4"/>
+          <p:cNvSpPr>
+            <a:spLocks noGrp="1"/>
+          </p:cNvSpPr>
+          <p:nvPr>
+            <p:ph type="body" sz="quarter" idx="10"/>
+          </p:nvPr>
+        </p:nvSpPr>
+        <p:spPr/>
+        <p:txBody>
+          <a:bodyPr/>
+          <a:lstStyle/>
+          <a:p>
+            <a:pPr marL="342900" indent="-342900">
+              <a:buFont typeface="Arial"/>
+              <a:buChar char="•"/>
+            </a:pPr>
+            <a:r>
+              <a:rPr lang="en-US" dirty="0" smtClean="0"/>
+              <a:t>Each phase happens once</a:t>
+            </a:r>
+          </a:p>
+          <a:p>
+            <a:pPr marL="342900" indent="-342900">
+              <a:buFont typeface="Arial"/>
+              <a:buChar char="•"/>
+            </a:pPr>
+            <a:endParaRPr lang="en-US" dirty="0"/>
+          </a:p>
+          <a:p>
+            <a:pPr marL="342900" indent="-342900">
+              <a:buFont typeface="Arial"/>
+              <a:buChar char="•"/>
+            </a:pPr>
+            <a:r>
+              <a:rPr lang="en-US" dirty="0" smtClean="0"/>
+              <a:t>Good for projects that require a lot of planning</a:t>
+            </a:r>
+          </a:p>
+          <a:p>
+            <a:pPr marL="852488" lvl="3" indent="-342900"/>
+            <a:r>
+              <a:rPr lang="en-US" dirty="0"/>
+              <a:t>NASA </a:t>
+            </a:r>
+            <a:r>
+              <a:rPr lang="en-US" dirty="0" smtClean="0"/>
+              <a:t>applications</a:t>
+            </a:r>
+          </a:p>
+          <a:p>
+            <a:pPr marL="852488" lvl="3" indent="-342900"/>
+            <a:endParaRPr lang="en-US" dirty="0"/>
+          </a:p>
+          <a:p>
+            <a:pPr marL="342900" lvl="2" indent="-342900"/>
+            <a:r>
+              <a:rPr lang="en-US" dirty="0"/>
+              <a:t>“</a:t>
+            </a:r>
+            <a:r>
+              <a:rPr lang="en-US" i="1" dirty="0"/>
+              <a:t>Plan to throw one [implementation] away; you will, anyhow.”</a:t>
+            </a:r>
+            <a:r>
+              <a:rPr lang="en-US" dirty="0"/>
+              <a:t>  -Fred Brooks, Jr.</a:t>
+            </a:r>
+          </a:p>
+          <a:p>
+            <a:pPr marL="342900" lvl="1" indent="-342900">
+              <a:buFont typeface="Arial"/>
+              <a:buChar char="•"/>
+            </a:pPr>
+            <a:endParaRPr lang="en-US" dirty="0" smtClean="0"/>
+          </a:p>
+          <a:p>
+            <a:pPr marL="342900" indent="-342900">
+              <a:buFont typeface="Arial"/>
+              <a:buChar char="•"/>
+            </a:pPr>
+            <a:r>
+              <a:rPr lang="en-US" dirty="0" smtClean="0"/>
+              <a:t>Need user/client in the loop</a:t>
+            </a:r>
+          </a:p>
+          <a:p>
+            <a:pPr marL="852488" lvl="3" indent="-342900"/>
+            <a:r>
+              <a:rPr lang="en-US" dirty="0" smtClean="0"/>
+              <a:t>Early prototypes</a:t>
+            </a:r>
+          </a:p>
+        </p:txBody>
+      </p:sp>
+      <p:pic>
+        <p:nvPicPr>
+          <p:cNvPr id="4" name="Picture 3" descr="350px-Waterfall_model.svg.png"/>
+          <p:cNvPicPr>
+            <a:picLocks noChangeAspect="1"/>
+          </p:cNvPicPr>
+          <p:nvPr/>
+        </p:nvPicPr>
+        <p:blipFill>
+          <a:blip r:embed="rId2">
+            <a:extLst>
+              <a:ext uri="{28A0092B-C50C-407E-A947-70E740481C1C}">
+                <a14:useLocalDpi xmlns:a14="http://schemas.microsoft.com/office/drawing/2010/main" val="0"/>
+              </a:ext>
+            </a:extLst>
+          </a:blip>
+          <a:stretch>
+            <a:fillRect/>
+          </a:stretch>
+        </p:blipFill>
+        <p:spPr>
+          <a:xfrm>
+            <a:off x="8505263" y="2007734"/>
+            <a:ext cx="4445000" cy="3340100"/>
+          </a:xfrm>
+          <a:prstGeom prst="rect">
+            <a:avLst/>
+          </a:prstGeom>
+        </p:spPr>
+      </p:pic>
+    </p:spTree>
+    <p:extLst>
+      <p:ext uri="{BB962C8B-B14F-4D97-AF65-F5344CB8AC3E}">
+        <p14:creationId xmlns:p14="http://schemas.microsoft.com/office/powerpoint/2010/main" val="568789549"/>
+      </p:ext>
+    </p:extLst>
+  </p:cSld>
+  <p:clrMapOvr>
+    <a:masterClrMapping/>
+  </p:clrMapOvr>
+</p:sld>
+</file>
+
+<file path=ppt/slides/slide15.xml><?xml version="1.0" encoding="utf-8"?>
+<p:sld xmlns:a="http://schemas.openxmlformats.org/drawingml/2006/main" xmlns:r="http://schemas.openxmlformats.org/officeDocument/2006/relationships" xmlns:p="http://schemas.openxmlformats.org/presentationml/2006/main">
+  <p:cSld>
+    <p:spTree>
+      <p:nvGrpSpPr>
+        <p:cNvPr id="1" name=""/>
+        <p:cNvGrpSpPr/>
+        <p:nvPr/>
+      </p:nvGrpSpPr>
+      <p:grpSpPr>
+        <a:xfrm>
+          <a:off x="0" y="0"/>
+          <a:ext cx="0" cy="0"/>
+          <a:chOff x="0" y="0"/>
+          <a:chExt cx="0" cy="0"/>
+        </a:xfrm>
+      </p:grpSpPr>
+      <p:sp>
+        <p:nvSpPr>
+          <p:cNvPr id="2" name="Title 1"/>
+          <p:cNvSpPr>
+            <a:spLocks noGrp="1"/>
+          </p:cNvSpPr>
+          <p:nvPr>
+            <p:ph type="title"/>
+          </p:nvPr>
+        </p:nvSpPr>
+        <p:spPr/>
+        <p:txBody>
+          <a:bodyPr/>
+          <a:lstStyle/>
+          <a:p>
+            <a:r>
+              <a:rPr lang="en-US" dirty="0" smtClean="0"/>
+              <a:t>Spiral – 1980s</a:t>
+            </a:r>
+            <a:endParaRPr lang="en-US" dirty="0"/>
+          </a:p>
+        </p:txBody>
+      </p:sp>
+      <p:sp>
+        <p:nvSpPr>
+          <p:cNvPr id="5" name="Text Placeholder 4"/>
+          <p:cNvSpPr>
+            <a:spLocks noGrp="1"/>
+          </p:cNvSpPr>
+          <p:nvPr>
+            <p:ph type="body" sz="quarter" idx="10"/>
+          </p:nvPr>
+        </p:nvSpPr>
+        <p:spPr/>
+        <p:txBody>
+          <a:bodyPr/>
+          <a:lstStyle/>
+          <a:p>
+            <a:pPr marL="342900" indent="-342900">
+              <a:buFont typeface="Arial"/>
+              <a:buChar char="•"/>
+            </a:pPr>
+            <a:r>
+              <a:rPr lang="en-US" dirty="0" smtClean="0"/>
+              <a:t>Develop prototypes</a:t>
+            </a:r>
+          </a:p>
+          <a:p>
+            <a:pPr marL="342900" indent="-342900">
+              <a:buFont typeface="Arial"/>
+              <a:buChar char="•"/>
+            </a:pPr>
+            <a:endParaRPr lang="en-US" dirty="0"/>
+          </a:p>
+          <a:p>
+            <a:pPr marL="342900" indent="-342900">
+              <a:buFont typeface="Arial"/>
+              <a:buChar char="•"/>
+            </a:pPr>
+            <a:r>
+              <a:rPr lang="en-US" dirty="0" smtClean="0"/>
+              <a:t>Consult client</a:t>
+            </a:r>
+          </a:p>
+          <a:p>
+            <a:pPr marL="342900" indent="-342900">
+              <a:buFont typeface="Arial"/>
+              <a:buChar char="•"/>
+            </a:pPr>
+            <a:endParaRPr lang="en-US" dirty="0"/>
+          </a:p>
+          <a:p>
+            <a:pPr marL="342900" indent="-342900">
+              <a:buFont typeface="Arial"/>
+              <a:buChar char="•"/>
+            </a:pPr>
+            <a:r>
+              <a:rPr lang="en-US" dirty="0" smtClean="0"/>
+              <a:t>Iterate</a:t>
+            </a:r>
+          </a:p>
+          <a:p>
+            <a:pPr marL="342900" indent="-342900">
+              <a:buFont typeface="Arial"/>
+              <a:buChar char="•"/>
+            </a:pPr>
+            <a:endParaRPr lang="en-US" dirty="0"/>
+          </a:p>
+          <a:p>
+            <a:pPr marL="342900" indent="-342900">
+              <a:buFont typeface="Arial"/>
+              <a:buChar char="•"/>
+            </a:pPr>
+            <a:r>
+              <a:rPr lang="en-US" dirty="0" smtClean="0"/>
+              <a:t>Iterations 6-24 months long</a:t>
+            </a:r>
+            <a:endParaRPr lang="en-US" dirty="0"/>
+          </a:p>
+        </p:txBody>
+      </p:sp>
+      <p:pic>
+        <p:nvPicPr>
+          <p:cNvPr id="6" name="Picture 5" descr="600px-Spiral_model_(Boehm,_1988).svg.png"/>
+          <p:cNvPicPr>
+            <a:picLocks noChangeAspect="1"/>
+          </p:cNvPicPr>
+          <p:nvPr/>
+        </p:nvPicPr>
+        <p:blipFill>
+          <a:blip r:embed="rId2">
+            <a:extLst>
+              <a:ext uri="{28A0092B-C50C-407E-A947-70E740481C1C}">
+                <a14:useLocalDpi xmlns:a14="http://schemas.microsoft.com/office/drawing/2010/main" val="0"/>
+              </a:ext>
+            </a:extLst>
+          </a:blip>
+          <a:stretch>
+            <a:fillRect/>
+          </a:stretch>
+        </p:blipFill>
+        <p:spPr>
+          <a:xfrm>
+            <a:off x="6718974" y="1345902"/>
+            <a:ext cx="6770005" cy="5641671"/>
+          </a:xfrm>
+          <a:prstGeom prst="rect">
+            <a:avLst/>
+          </a:prstGeom>
+        </p:spPr>
+      </p:pic>
+    </p:spTree>
+    <p:extLst>
+      <p:ext uri="{BB962C8B-B14F-4D97-AF65-F5344CB8AC3E}">
+        <p14:creationId xmlns:p14="http://schemas.microsoft.com/office/powerpoint/2010/main" val="1450698089"/>
+      </p:ext>
+    </p:extLst>
+  </p:cSld>
+  <p:clrMapOvr>
+    <a:masterClrMapping/>
+  </p:clrMapOvr>
+</p:sld>
+</file>
+
+<file path=ppt/slides/slide16.xml><?xml version="1.0" encoding="utf-8"?>
+<p:sld xmlns:a="http://schemas.openxmlformats.org/drawingml/2006/main" xmlns:r="http://schemas.openxmlformats.org/officeDocument/2006/relationships" xmlns:p="http://schemas.openxmlformats.org/presentationml/2006/main">
+  <p:cSld>
+    <p:spTree>
+      <p:nvGrpSpPr>
+        <p:cNvPr id="1" name=""/>
+        <p:cNvGrpSpPr/>
+        <p:nvPr/>
+      </p:nvGrpSpPr>
+      <p:grpSpPr>
+        <a:xfrm>
+          <a:off x="0" y="0"/>
+          <a:ext cx="0" cy="0"/>
+          <a:chOff x="0" y="0"/>
+          <a:chExt cx="0" cy="0"/>
+        </a:xfrm>
+      </p:grpSpPr>
+      <p:sp>
+        <p:nvSpPr>
+          <p:cNvPr id="2" name="Title 1"/>
+          <p:cNvSpPr>
+            <a:spLocks noGrp="1"/>
+          </p:cNvSpPr>
+          <p:nvPr>
+            <p:ph type="title"/>
+          </p:nvPr>
+        </p:nvSpPr>
+        <p:spPr/>
+        <p:txBody>
+          <a:bodyPr/>
+          <a:lstStyle/>
+          <a:p>
+            <a:r>
+              <a:rPr lang="en-US" dirty="0" smtClean="0"/>
+              <a:t>Rational Unified Process – 2003 </a:t>
+            </a:r>
+            <a:endParaRPr lang="en-US" dirty="0"/>
+          </a:p>
+        </p:txBody>
+      </p:sp>
+      <p:sp>
+        <p:nvSpPr>
+          <p:cNvPr id="4" name="Text Placeholder 3"/>
+          <p:cNvSpPr>
+            <a:spLocks noGrp="1"/>
+          </p:cNvSpPr>
+          <p:nvPr>
+            <p:ph type="body" sz="quarter" idx="10"/>
+          </p:nvPr>
+        </p:nvSpPr>
+        <p:spPr/>
+        <p:txBody>
+          <a:bodyPr/>
+          <a:lstStyle/>
+          <a:p>
+            <a:pPr marL="342900" indent="-342900">
+              <a:buFont typeface="Arial"/>
+              <a:buChar char="•"/>
+            </a:pPr>
+            <a:r>
+              <a:rPr lang="en-US" dirty="0" smtClean="0"/>
+              <a:t>Four phases</a:t>
+            </a:r>
+          </a:p>
+          <a:p>
+            <a:pPr marL="852488" lvl="3" indent="-342900"/>
+            <a:r>
+              <a:rPr lang="en-US" dirty="0" smtClean="0"/>
+              <a:t>Inception</a:t>
+            </a:r>
+          </a:p>
+          <a:p>
+            <a:pPr marL="852488" lvl="3" indent="-342900"/>
+            <a:r>
+              <a:rPr lang="en-US" dirty="0" smtClean="0"/>
+              <a:t>Elaboration</a:t>
+            </a:r>
+          </a:p>
+          <a:p>
+            <a:pPr marL="852488" lvl="3" indent="-342900"/>
+            <a:r>
+              <a:rPr lang="en-US" dirty="0" smtClean="0"/>
+              <a:t>Construction</a:t>
+            </a:r>
+          </a:p>
+          <a:p>
+            <a:pPr marL="852488" lvl="3" indent="-342900"/>
+            <a:r>
+              <a:rPr lang="en-US" dirty="0" smtClean="0"/>
+              <a:t>Transition</a:t>
+            </a:r>
+          </a:p>
+          <a:p>
+            <a:pPr lvl="3" indent="0">
+              <a:buNone/>
+            </a:pPr>
+            <a:endParaRPr lang="en-US" dirty="0" smtClean="0"/>
+          </a:p>
+          <a:p>
+            <a:pPr marL="342900" lvl="2" indent="-342900"/>
+            <a:r>
+              <a:rPr lang="en-US" dirty="0" smtClean="0"/>
+              <a:t>Each phase may have multiple iterations</a:t>
+            </a:r>
+            <a:endParaRPr lang="en-US" dirty="0"/>
+          </a:p>
+        </p:txBody>
+      </p:sp>
+    </p:spTree>
+    <p:extLst>
+      <p:ext uri="{BB962C8B-B14F-4D97-AF65-F5344CB8AC3E}">
+        <p14:creationId xmlns:p14="http://schemas.microsoft.com/office/powerpoint/2010/main" val="3949172482"/>
+      </p:ext>
+    </p:extLst>
+  </p:cSld>
+  <p:clrMapOvr>
+    <a:masterClrMapping/>
+  </p:clrMapOvr>
+</p:sld>
+</file>
+
+<file path=ppt/slides/slide17.xml><?xml version="1.0" encoding="utf-8"?>
+<p:sld xmlns:a="http://schemas.openxmlformats.org/drawingml/2006/main" xmlns:r="http://schemas.openxmlformats.org/officeDocument/2006/relationships" xmlns:p="http://schemas.openxmlformats.org/presentationml/2006/main">
+  <p:cSld>
+    <p:spTree>
+      <p:nvGrpSpPr>
+        <p:cNvPr id="1" name=""/>
+        <p:cNvGrpSpPr/>
+        <p:nvPr/>
+      </p:nvGrpSpPr>
+      <p:grpSpPr>
+        <a:xfrm>
+          <a:off x="0" y="0"/>
+          <a:ext cx="0" cy="0"/>
+          <a:chOff x="0" y="0"/>
+          <a:chExt cx="0" cy="0"/>
+        </a:xfrm>
+      </p:grpSpPr>
+      <p:sp>
+        <p:nvSpPr>
+          <p:cNvPr id="2" name="Title 1"/>
+          <p:cNvSpPr>
+            <a:spLocks noGrp="1"/>
+          </p:cNvSpPr>
+          <p:nvPr>
+            <p:ph type="title"/>
+          </p:nvPr>
+        </p:nvSpPr>
+        <p:spPr/>
+        <p:txBody>
+          <a:bodyPr/>
+          <a:lstStyle/>
+          <a:p>
+            <a:r>
+              <a:rPr lang="en-US" dirty="0" smtClean="0"/>
+              <a:t>The Agile Manifesto – 2001 </a:t>
+            </a:r>
+            <a:endParaRPr lang="en-US" dirty="0"/>
+          </a:p>
+        </p:txBody>
+      </p:sp>
+      <p:sp>
+        <p:nvSpPr>
+          <p:cNvPr id="3" name="Text Placeholder 2"/>
+          <p:cNvSpPr>
+            <a:spLocks noGrp="1"/>
+          </p:cNvSpPr>
+          <p:nvPr>
+            <p:ph type="body" sz="quarter" idx="10"/>
+          </p:nvPr>
+        </p:nvSpPr>
+        <p:spPr/>
+        <p:txBody>
+          <a:bodyPr/>
+          <a:lstStyle/>
+          <a:p>
+            <a:pPr marL="342900" indent="-342900">
+              <a:buFont typeface="Arial"/>
+              <a:buChar char="•"/>
+            </a:pPr>
+            <a:r>
+              <a:rPr lang="en-US" dirty="0" smtClean="0"/>
+              <a:t>Individuals and interactions over processes and tools</a:t>
+            </a:r>
+          </a:p>
+          <a:p>
+            <a:pPr marL="342900" indent="-342900">
+              <a:buFont typeface="Arial"/>
+              <a:buChar char="•"/>
+            </a:pPr>
+            <a:r>
+              <a:rPr lang="en-US" dirty="0" smtClean="0"/>
+              <a:t>Working software over comprehensive documentation</a:t>
+            </a:r>
+          </a:p>
+          <a:p>
+            <a:pPr marL="342900" indent="-342900">
+              <a:buFont typeface="Arial"/>
+              <a:buChar char="•"/>
+            </a:pPr>
+            <a:r>
+              <a:rPr lang="en-US" dirty="0" smtClean="0"/>
+              <a:t>Customer collaboration over contract negotiation</a:t>
+            </a:r>
+          </a:p>
+          <a:p>
+            <a:pPr marL="342900" indent="-342900">
+              <a:buFont typeface="Arial"/>
+              <a:buChar char="•"/>
+            </a:pPr>
+            <a:r>
+              <a:rPr lang="en-US" dirty="0" smtClean="0"/>
+              <a:t>Responding to change over following a plan</a:t>
+            </a:r>
+            <a:endParaRPr lang="en-US" dirty="0"/>
+          </a:p>
+        </p:txBody>
+      </p:sp>
+      <p:pic>
+        <p:nvPicPr>
+          <p:cNvPr id="4" name="Picture 3" descr="dilbertagile.gif"/>
+          <p:cNvPicPr>
+            <a:picLocks noChangeAspect="1"/>
+          </p:cNvPicPr>
+          <p:nvPr/>
+        </p:nvPicPr>
+        <p:blipFill>
+          <a:blip r:embed="rId2">
+            <a:extLst>
+              <a:ext uri="{28A0092B-C50C-407E-A947-70E740481C1C}">
+                <a14:useLocalDpi xmlns:a14="http://schemas.microsoft.com/office/drawing/2010/main" val="0"/>
+              </a:ext>
+            </a:extLst>
+          </a:blip>
+          <a:stretch>
+            <a:fillRect/>
+          </a:stretch>
+        </p:blipFill>
+        <p:spPr>
+          <a:xfrm>
+            <a:off x="3251200" y="4225142"/>
+            <a:ext cx="8128000" cy="2527300"/>
+          </a:xfrm>
+          <a:prstGeom prst="rect">
+            <a:avLst/>
+          </a:prstGeom>
+        </p:spPr>
+      </p:pic>
+    </p:spTree>
+    <p:extLst>
+      <p:ext uri="{BB962C8B-B14F-4D97-AF65-F5344CB8AC3E}">
+        <p14:creationId xmlns:p14="http://schemas.microsoft.com/office/powerpoint/2010/main" val="2539549973"/>
+      </p:ext>
+    </p:extLst>
+  </p:cSld>
+  <p:clrMapOvr>
+    <a:masterClrMapping/>
+  </p:clrMapOvr>
+</p:sld>
+</file>
+
+<file path=ppt/slides/slide18.xml><?xml version="1.0" encoding="utf-8"?>
+<p:sld xmlns:a="http://schemas.openxmlformats.org/drawingml/2006/main" xmlns:r="http://schemas.openxmlformats.org/officeDocument/2006/relationships" xmlns:p="http://schemas.openxmlformats.org/presentationml/2006/main">
+  <p:cSld>
+    <p:spTree>
+      <p:nvGrpSpPr>
+        <p:cNvPr id="1" name=""/>
+        <p:cNvGrpSpPr/>
+        <p:nvPr/>
+      </p:nvGrpSpPr>
+      <p:grpSpPr>
+        <a:xfrm>
+          <a:off x="0" y="0"/>
+          <a:ext cx="0" cy="0"/>
+          <a:chOff x="0" y="0"/>
+          <a:chExt cx="0" cy="0"/>
+        </a:xfrm>
+      </p:grpSpPr>
+      <p:sp>
+        <p:nvSpPr>
+          <p:cNvPr id="2" name="Title 1"/>
+          <p:cNvSpPr>
+            <a:spLocks noGrp="1"/>
+          </p:cNvSpPr>
+          <p:nvPr>
+            <p:ph type="title"/>
+          </p:nvPr>
+        </p:nvSpPr>
+        <p:spPr/>
+        <p:txBody>
+          <a:bodyPr/>
+          <a:lstStyle/>
+          <a:p>
+            <a:r>
+              <a:rPr lang="en-US" dirty="0" smtClean="0"/>
+              <a:t>Exercise</a:t>
+            </a:r>
+            <a:endParaRPr lang="en-US" dirty="0"/>
+          </a:p>
+        </p:txBody>
+      </p:sp>
+      <p:sp>
+        <p:nvSpPr>
+          <p:cNvPr id="3" name="Text Placeholder 2"/>
+          <p:cNvSpPr>
+            <a:spLocks noGrp="1"/>
+          </p:cNvSpPr>
+          <p:nvPr>
+            <p:ph type="body" sz="quarter" idx="10"/>
+          </p:nvPr>
+        </p:nvSpPr>
+        <p:spPr/>
+        <p:txBody>
+          <a:bodyPr/>
+          <a:lstStyle/>
+          <a:p>
+            <a:pPr marL="342900" indent="-342900">
+              <a:buFont typeface="Arial"/>
+              <a:buChar char="•"/>
+            </a:pPr>
+            <a:r>
+              <a:rPr lang="en-US" dirty="0" smtClean="0"/>
+              <a:t>Identify the ten applications you think are most important.</a:t>
+            </a:r>
+          </a:p>
+          <a:p>
+            <a:pPr marL="342900" indent="-342900">
+              <a:buFont typeface="Arial"/>
+              <a:buChar char="•"/>
+            </a:pPr>
+            <a:endParaRPr lang="en-US" dirty="0"/>
+          </a:p>
+          <a:p>
+            <a:pPr marL="342900" indent="-342900">
+              <a:buFont typeface="Arial"/>
+              <a:buChar char="•"/>
+            </a:pPr>
+            <a:r>
+              <a:rPr lang="en-US" dirty="0" smtClean="0"/>
+              <a:t>For each, do you think agile would be an appropriate software </a:t>
+            </a:r>
+            <a:r>
+              <a:rPr lang="en-US" smtClean="0"/>
+              <a:t>development methodology?</a:t>
+            </a:r>
+            <a:endParaRPr lang="en-US" dirty="0"/>
+          </a:p>
+        </p:txBody>
+      </p:sp>
+    </p:spTree>
+    <p:extLst>
+      <p:ext uri="{BB962C8B-B14F-4D97-AF65-F5344CB8AC3E}">
+        <p14:creationId xmlns:p14="http://schemas.microsoft.com/office/powerpoint/2010/main" val="2041610929"/>
+      </p:ext>
+    </p:extLst>
+  </p:cSld>
+  <p:clrMapOvr>
+    <a:masterClrMapping/>
+  </p:clrMapOvr>
+</p:sld>
+</file>
+
 <file path=ppt/slides/slide2.xml><?xml version="1.0" encoding="utf-8"?>
 <p:sld xmlns:a="http://schemas.openxmlformats.org/drawingml/2006/main" xmlns:r="http://schemas.openxmlformats.org/officeDocument/2006/relationships" xmlns:p="http://schemas.openxmlformats.org/presentationml/2006/main">
   <p:cSld>
@@ -3707,7 +4727,6 @@
               <a:rPr lang="en-US" dirty="0"/>
               <a:t>	</a:t>
             </a:r>
-            <a:endParaRPr lang="en-US" dirty="0"/>
           </a:p>
         </p:txBody>
       </p:sp>
@@ -3850,7 +4869,6 @@
               <a:rPr lang="en-US" dirty="0"/>
               <a:t>	</a:t>
             </a:r>
-            <a:endParaRPr lang="en-US" dirty="0"/>
           </a:p>
         </p:txBody>
       </p:sp>

--- a/slides/intro.pptx
+++ b/slides/intro.pptx
@@ -6,27 +6,28 @@
     <p:sldMasterId id="2147483650" r:id="rId2"/>
   </p:sldMasterIdLst>
   <p:notesMasterIdLst>
-    <p:notesMasterId r:id="rId21"/>
+    <p:notesMasterId r:id="rId22"/>
   </p:notesMasterIdLst>
   <p:sldIdLst>
     <p:sldId id="262" r:id="rId3"/>
     <p:sldId id="298" r:id="rId4"/>
     <p:sldId id="314" r:id="rId5"/>
-    <p:sldId id="313" r:id="rId6"/>
-    <p:sldId id="315" r:id="rId7"/>
-    <p:sldId id="316" r:id="rId8"/>
-    <p:sldId id="317" r:id="rId9"/>
-    <p:sldId id="318" r:id="rId10"/>
-    <p:sldId id="319" r:id="rId11"/>
-    <p:sldId id="310" r:id="rId12"/>
-    <p:sldId id="324" r:id="rId13"/>
+    <p:sldId id="328" r:id="rId6"/>
+    <p:sldId id="313" r:id="rId7"/>
+    <p:sldId id="315" r:id="rId8"/>
+    <p:sldId id="316" r:id="rId9"/>
+    <p:sldId id="317" r:id="rId10"/>
+    <p:sldId id="318" r:id="rId11"/>
+    <p:sldId id="319" r:id="rId12"/>
+    <p:sldId id="310" r:id="rId13"/>
     <p:sldId id="326" r:id="rId14"/>
-    <p:sldId id="320" r:id="rId15"/>
-    <p:sldId id="321" r:id="rId16"/>
-    <p:sldId id="322" r:id="rId17"/>
-    <p:sldId id="323" r:id="rId18"/>
-    <p:sldId id="325" r:id="rId19"/>
-    <p:sldId id="327" r:id="rId20"/>
+    <p:sldId id="324" r:id="rId15"/>
+    <p:sldId id="320" r:id="rId16"/>
+    <p:sldId id="321" r:id="rId17"/>
+    <p:sldId id="322" r:id="rId18"/>
+    <p:sldId id="323" r:id="rId19"/>
+    <p:sldId id="325" r:id="rId20"/>
+    <p:sldId id="327" r:id="rId21"/>
   </p:sldIdLst>
   <p:sldSz cx="14630400" cy="8229600"/>
   <p:notesSz cx="6858000" cy="9144000"/>
@@ -133,6 +134,7 @@
             <p14:sldId id="262"/>
             <p14:sldId id="298"/>
             <p14:sldId id="314"/>
+            <p14:sldId id="328"/>
             <p14:sldId id="313"/>
             <p14:sldId id="315"/>
             <p14:sldId id="316"/>
@@ -140,8 +142,8 @@
             <p14:sldId id="318"/>
             <p14:sldId id="319"/>
             <p14:sldId id="310"/>
+            <p14:sldId id="326"/>
             <p14:sldId id="324"/>
-            <p14:sldId id="326"/>
             <p14:sldId id="320"/>
             <p14:sldId id="321"/>
             <p14:sldId id="322"/>
@@ -238,7 +240,7 @@
           <a:p>
             <a:fld id="{9C247A12-7B99-F147-B048-833836355128}" type="datetimeFigureOut">
               <a:rPr lang="en-US" smtClean="0"/>
-              <a:t>8/19/15</a:t>
+              <a:t>8/24/15</a:t>
             </a:fld>
             <a:endParaRPr lang="en-US"/>
           </a:p>
@@ -1970,7 +1972,7 @@
           <a:p>
             <a:r>
               <a:rPr lang="en-US" dirty="0" smtClean="0"/>
-              <a:t>Scaling</a:t>
+              <a:t>Project</a:t>
             </a:r>
             <a:endParaRPr lang="en-US" dirty="0"/>
           </a:p>
@@ -1978,1604 +1980,101 @@
       </p:sp>
       <p:sp>
         <p:nvSpPr>
-          <p:cNvPr id="4" name="Rectangle 3"/>
-          <p:cNvSpPr/>
+          <p:cNvPr id="4" name="Text Placeholder 3"/>
+          <p:cNvSpPr>
+            <a:spLocks noGrp="1"/>
+          </p:cNvSpPr>
+          <p:nvPr>
+            <p:ph type="body" sz="quarter" idx="10"/>
+          </p:nvPr>
+        </p:nvSpPr>
+        <p:spPr/>
+        <p:txBody>
+          <a:bodyPr/>
+          <a:lstStyle/>
+          <a:p>
+            <a:pPr marL="342900" indent="-342900">
+              <a:buFont typeface="Arial"/>
+              <a:buChar char="•"/>
+            </a:pPr>
+            <a:r>
+              <a:rPr lang="en-US" dirty="0" smtClean="0"/>
+              <a:t>Fully functional website</a:t>
+            </a:r>
+          </a:p>
+          <a:p>
+            <a:pPr marL="342900" indent="-342900">
+              <a:buFont typeface="Arial"/>
+              <a:buChar char="•"/>
+            </a:pPr>
+            <a:endParaRPr lang="en-US" dirty="0" smtClean="0"/>
+          </a:p>
+        </p:txBody>
+      </p:sp>
+      <p:pic>
+        <p:nvPicPr>
+          <p:cNvPr id="6" name="Picture 5" descr="Screen Shot 2015-08-10 at 5.46.22 PM.png"/>
+          <p:cNvPicPr>
+            <a:picLocks noChangeAspect="1"/>
+          </p:cNvPicPr>
           <p:nvPr/>
-        </p:nvSpPr>
+        </p:nvPicPr>
+        <p:blipFill>
+          <a:blip r:embed="rId2">
+            <a:extLst>
+              <a:ext uri="{28A0092B-C50C-407E-A947-70E740481C1C}">
+                <a14:useLocalDpi xmlns:a14="http://schemas.microsoft.com/office/drawing/2010/main" val="0"/>
+              </a:ext>
+            </a:extLst>
+          </a:blip>
+          <a:stretch>
+            <a:fillRect/>
+          </a:stretch>
+        </p:blipFill>
         <p:spPr>
           <a:xfrm>
-            <a:off x="437913" y="2200765"/>
-            <a:ext cx="1291843" cy="448912"/>
+            <a:off x="6541279" y="311182"/>
+            <a:ext cx="7651450" cy="5318920"/>
           </a:xfrm>
           <a:prstGeom prst="rect">
             <a:avLst/>
           </a:prstGeom>
-          <a:solidFill>
-            <a:schemeClr val="tx2"/>
-          </a:solidFill>
-          <a:ln>
-            <a:noFill/>
-          </a:ln>
-          <a:effectLst/>
-        </p:spPr>
-        <p:style>
-          <a:lnRef idx="1">
-            <a:schemeClr val="accent1"/>
-          </a:lnRef>
-          <a:fillRef idx="3">
-            <a:schemeClr val="accent1"/>
-          </a:fillRef>
-          <a:effectRef idx="2">
-            <a:schemeClr val="accent1"/>
-          </a:effectRef>
-          <a:fontRef idx="minor">
-            <a:schemeClr val="lt1"/>
-          </a:fontRef>
-        </p:style>
-        <p:txBody>
-          <a:bodyPr rtlCol="0" anchor="ctr"/>
-          <a:lstStyle/>
-          <a:p>
-            <a:pPr algn="ctr"/>
-            <a:r>
-              <a:rPr lang="en-US" dirty="0" smtClean="0"/>
-              <a:t>Client</a:t>
-            </a:r>
-            <a:endParaRPr lang="en-US" dirty="0"/>
-          </a:p>
-        </p:txBody>
-      </p:sp>
-      <p:sp>
-        <p:nvSpPr>
-          <p:cNvPr id="5" name="Rectangle 4"/>
-          <p:cNvSpPr/>
+        </p:spPr>
+      </p:pic>
+      <p:pic>
+        <p:nvPicPr>
+          <p:cNvPr id="5" name="Picture 4" descr="n-tier-architecture-2.png"/>
+          <p:cNvPicPr>
+            <a:picLocks noChangeAspect="1"/>
+          </p:cNvPicPr>
           <p:nvPr/>
-        </p:nvSpPr>
+        </p:nvPicPr>
+        <p:blipFill>
+          <a:blip r:embed="rId3">
+            <a:extLst>
+              <a:ext uri="{28A0092B-C50C-407E-A947-70E740481C1C}">
+                <a14:useLocalDpi xmlns:a14="http://schemas.microsoft.com/office/drawing/2010/main" val="0"/>
+              </a:ext>
+            </a:extLst>
+          </a:blip>
+          <a:stretch>
+            <a:fillRect/>
+          </a:stretch>
+        </p:blipFill>
         <p:spPr>
           <a:xfrm>
-            <a:off x="437913" y="2551136"/>
-            <a:ext cx="1291843" cy="448912"/>
+            <a:off x="1568021" y="2705617"/>
+            <a:ext cx="6327843" cy="3817843"/>
           </a:xfrm>
           <a:prstGeom prst="rect">
             <a:avLst/>
           </a:prstGeom>
-          <a:solidFill>
-            <a:schemeClr val="tx2"/>
-          </a:solidFill>
-          <a:ln>
-            <a:noFill/>
-          </a:ln>
-          <a:effectLst/>
-        </p:spPr>
-        <p:style>
-          <a:lnRef idx="1">
-            <a:schemeClr val="accent1"/>
-          </a:lnRef>
-          <a:fillRef idx="3">
-            <a:schemeClr val="accent1"/>
-          </a:fillRef>
-          <a:effectRef idx="2">
-            <a:schemeClr val="accent1"/>
-          </a:effectRef>
-          <a:fontRef idx="minor">
-            <a:schemeClr val="lt1"/>
-          </a:fontRef>
-        </p:style>
-        <p:txBody>
-          <a:bodyPr rtlCol="0" anchor="ctr"/>
-          <a:lstStyle/>
-          <a:p>
-            <a:pPr algn="ctr"/>
-            <a:r>
-              <a:rPr lang="en-US" dirty="0" smtClean="0"/>
-              <a:t>Client</a:t>
-            </a:r>
-            <a:endParaRPr lang="en-US" dirty="0"/>
-          </a:p>
-        </p:txBody>
-      </p:sp>
-      <p:sp>
-        <p:nvSpPr>
-          <p:cNvPr id="6" name="Rectangle 5"/>
-          <p:cNvSpPr/>
-          <p:nvPr/>
-        </p:nvSpPr>
-        <p:spPr>
-          <a:xfrm>
-            <a:off x="437913" y="2874133"/>
-            <a:ext cx="1291843" cy="448912"/>
-          </a:xfrm>
-          <a:prstGeom prst="rect">
-            <a:avLst/>
-          </a:prstGeom>
-          <a:solidFill>
-            <a:schemeClr val="tx2"/>
-          </a:solidFill>
-          <a:ln>
-            <a:noFill/>
-          </a:ln>
-          <a:effectLst/>
-        </p:spPr>
-        <p:style>
-          <a:lnRef idx="1">
-            <a:schemeClr val="accent1"/>
-          </a:lnRef>
-          <a:fillRef idx="3">
-            <a:schemeClr val="accent1"/>
-          </a:fillRef>
-          <a:effectRef idx="2">
-            <a:schemeClr val="accent1"/>
-          </a:effectRef>
-          <a:fontRef idx="minor">
-            <a:schemeClr val="lt1"/>
-          </a:fontRef>
-        </p:style>
-        <p:txBody>
-          <a:bodyPr rtlCol="0" anchor="ctr"/>
-          <a:lstStyle/>
-          <a:p>
-            <a:pPr algn="ctr"/>
-            <a:r>
-              <a:rPr lang="en-US" dirty="0" smtClean="0"/>
-              <a:t>Client</a:t>
-            </a:r>
-            <a:endParaRPr lang="en-US" dirty="0"/>
-          </a:p>
-        </p:txBody>
-      </p:sp>
-      <p:sp>
-        <p:nvSpPr>
-          <p:cNvPr id="7" name="Rectangle 6"/>
-          <p:cNvSpPr/>
-          <p:nvPr/>
-        </p:nvSpPr>
-        <p:spPr>
-          <a:xfrm>
-            <a:off x="437913" y="3728160"/>
-            <a:ext cx="1291843" cy="448912"/>
-          </a:xfrm>
-          <a:prstGeom prst="rect">
-            <a:avLst/>
-          </a:prstGeom>
-          <a:solidFill>
-            <a:schemeClr val="tx2"/>
-          </a:solidFill>
-          <a:ln>
-            <a:noFill/>
-          </a:ln>
-          <a:effectLst/>
-        </p:spPr>
-        <p:style>
-          <a:lnRef idx="1">
-            <a:schemeClr val="accent1"/>
-          </a:lnRef>
-          <a:fillRef idx="3">
-            <a:schemeClr val="accent1"/>
-          </a:fillRef>
-          <a:effectRef idx="2">
-            <a:schemeClr val="accent1"/>
-          </a:effectRef>
-          <a:fontRef idx="minor">
-            <a:schemeClr val="lt1"/>
-          </a:fontRef>
-        </p:style>
-        <p:txBody>
-          <a:bodyPr rtlCol="0" anchor="ctr"/>
-          <a:lstStyle/>
-          <a:p>
-            <a:pPr algn="ctr"/>
-            <a:r>
-              <a:rPr lang="en-US" dirty="0" smtClean="0"/>
-              <a:t>Client</a:t>
-            </a:r>
-            <a:endParaRPr lang="en-US" dirty="0"/>
-          </a:p>
-        </p:txBody>
-      </p:sp>
-      <p:sp>
-        <p:nvSpPr>
-          <p:cNvPr id="8" name="Rectangle 7"/>
-          <p:cNvSpPr/>
-          <p:nvPr/>
-        </p:nvSpPr>
-        <p:spPr>
-          <a:xfrm>
-            <a:off x="437913" y="3279248"/>
-            <a:ext cx="1291843" cy="448912"/>
-          </a:xfrm>
-          <a:prstGeom prst="rect">
-            <a:avLst/>
-          </a:prstGeom>
-          <a:solidFill>
-            <a:schemeClr val="tx2"/>
-          </a:solidFill>
-          <a:ln>
-            <a:noFill/>
-          </a:ln>
-          <a:effectLst/>
-        </p:spPr>
-        <p:style>
-          <a:lnRef idx="1">
-            <a:schemeClr val="accent1"/>
-          </a:lnRef>
-          <a:fillRef idx="3">
-            <a:schemeClr val="accent1"/>
-          </a:fillRef>
-          <a:effectRef idx="2">
-            <a:schemeClr val="accent1"/>
-          </a:effectRef>
-          <a:fontRef idx="minor">
-            <a:schemeClr val="lt1"/>
-          </a:fontRef>
-        </p:style>
-        <p:txBody>
-          <a:bodyPr rtlCol="0" anchor="ctr"/>
-          <a:lstStyle/>
-          <a:p>
-            <a:pPr algn="ctr"/>
-            <a:r>
-              <a:rPr lang="en-US" dirty="0" smtClean="0"/>
-              <a:t>Client</a:t>
-            </a:r>
-            <a:endParaRPr lang="en-US" dirty="0"/>
-          </a:p>
-        </p:txBody>
-      </p:sp>
-      <p:sp>
-        <p:nvSpPr>
-          <p:cNvPr id="9" name="Rectangle 8"/>
-          <p:cNvSpPr/>
-          <p:nvPr/>
-        </p:nvSpPr>
-        <p:spPr>
-          <a:xfrm>
-            <a:off x="2364729" y="2797489"/>
-            <a:ext cx="1839235" cy="854027"/>
-          </a:xfrm>
-          <a:prstGeom prst="rect">
-            <a:avLst/>
-          </a:prstGeom>
-          <a:solidFill>
-            <a:schemeClr val="tx2"/>
-          </a:solidFill>
-          <a:ln>
-            <a:noFill/>
-          </a:ln>
-          <a:effectLst/>
-        </p:spPr>
-        <p:style>
-          <a:lnRef idx="1">
-            <a:schemeClr val="accent1"/>
-          </a:lnRef>
-          <a:fillRef idx="3">
-            <a:schemeClr val="accent1"/>
-          </a:fillRef>
-          <a:effectRef idx="2">
-            <a:schemeClr val="accent1"/>
-          </a:effectRef>
-          <a:fontRef idx="minor">
-            <a:schemeClr val="lt1"/>
-          </a:fontRef>
-        </p:style>
-        <p:txBody>
-          <a:bodyPr rtlCol="0" anchor="ctr"/>
-          <a:lstStyle/>
-          <a:p>
-            <a:pPr algn="ctr"/>
-            <a:r>
-              <a:rPr lang="en-US" dirty="0" smtClean="0"/>
-              <a:t>Load balancing</a:t>
-            </a:r>
-            <a:endParaRPr lang="en-US" dirty="0"/>
-          </a:p>
-        </p:txBody>
-      </p:sp>
-      <p:sp>
-        <p:nvSpPr>
-          <p:cNvPr id="11" name="Rectangle 10"/>
-          <p:cNvSpPr/>
-          <p:nvPr/>
-        </p:nvSpPr>
-        <p:spPr>
-          <a:xfrm>
-            <a:off x="5111763" y="1795650"/>
-            <a:ext cx="1839235" cy="854027"/>
-          </a:xfrm>
-          <a:prstGeom prst="rect">
-            <a:avLst/>
-          </a:prstGeom>
-          <a:solidFill>
-            <a:schemeClr val="tx2"/>
-          </a:solidFill>
-          <a:ln>
-            <a:noFill/>
-          </a:ln>
-          <a:effectLst/>
-        </p:spPr>
-        <p:style>
-          <a:lnRef idx="1">
-            <a:schemeClr val="accent1"/>
-          </a:lnRef>
-          <a:fillRef idx="3">
-            <a:schemeClr val="accent1"/>
-          </a:fillRef>
-          <a:effectRef idx="2">
-            <a:schemeClr val="accent1"/>
-          </a:effectRef>
-          <a:fontRef idx="minor">
-            <a:schemeClr val="lt1"/>
-          </a:fontRef>
-        </p:style>
-        <p:txBody>
-          <a:bodyPr rtlCol="0" anchor="ctr"/>
-          <a:lstStyle/>
-          <a:p>
-            <a:pPr algn="ctr"/>
-            <a:r>
-              <a:rPr lang="en-US" dirty="0" smtClean="0"/>
-              <a:t>App</a:t>
-            </a:r>
-            <a:endParaRPr lang="en-US" dirty="0"/>
-          </a:p>
-          <a:p>
-            <a:pPr algn="ctr"/>
-            <a:r>
-              <a:rPr lang="en-US" dirty="0" smtClean="0"/>
-              <a:t>Server</a:t>
-            </a:r>
-          </a:p>
-        </p:txBody>
-      </p:sp>
-      <p:sp>
-        <p:nvSpPr>
-          <p:cNvPr id="12" name="Rectangle 11"/>
-          <p:cNvSpPr/>
-          <p:nvPr/>
-        </p:nvSpPr>
-        <p:spPr>
-          <a:xfrm>
-            <a:off x="5111763" y="2999162"/>
-            <a:ext cx="1839235" cy="854027"/>
-          </a:xfrm>
-          <a:prstGeom prst="rect">
-            <a:avLst/>
-          </a:prstGeom>
-          <a:solidFill>
-            <a:schemeClr val="tx2"/>
-          </a:solidFill>
-          <a:ln>
-            <a:noFill/>
-          </a:ln>
-          <a:effectLst/>
-        </p:spPr>
-        <p:style>
-          <a:lnRef idx="1">
-            <a:schemeClr val="accent1"/>
-          </a:lnRef>
-          <a:fillRef idx="3">
-            <a:schemeClr val="accent1"/>
-          </a:fillRef>
-          <a:effectRef idx="2">
-            <a:schemeClr val="accent1"/>
-          </a:effectRef>
-          <a:fontRef idx="minor">
-            <a:schemeClr val="lt1"/>
-          </a:fontRef>
-        </p:style>
-        <p:txBody>
-          <a:bodyPr rtlCol="0" anchor="ctr"/>
-          <a:lstStyle/>
-          <a:p>
-            <a:pPr algn="ctr"/>
-            <a:r>
-              <a:rPr lang="en-US" dirty="0" smtClean="0"/>
-              <a:t>App</a:t>
-            </a:r>
-            <a:endParaRPr lang="en-US" dirty="0"/>
-          </a:p>
-          <a:p>
-            <a:pPr algn="ctr"/>
-            <a:r>
-              <a:rPr lang="en-US" dirty="0" smtClean="0"/>
-              <a:t>Server</a:t>
-            </a:r>
-          </a:p>
-        </p:txBody>
-      </p:sp>
-      <p:sp>
-        <p:nvSpPr>
-          <p:cNvPr id="13" name="Rectangle 12"/>
-          <p:cNvSpPr/>
-          <p:nvPr/>
-        </p:nvSpPr>
-        <p:spPr>
-          <a:xfrm>
-            <a:off x="4673851" y="4251945"/>
-            <a:ext cx="2660321" cy="1266392"/>
-          </a:xfrm>
-          <a:prstGeom prst="rect">
-            <a:avLst/>
-          </a:prstGeom>
-          <a:solidFill>
-            <a:schemeClr val="tx2"/>
-          </a:solidFill>
-          <a:ln>
-            <a:noFill/>
-          </a:ln>
-          <a:effectLst/>
-        </p:spPr>
-        <p:style>
-          <a:lnRef idx="1">
-            <a:schemeClr val="accent1"/>
-          </a:lnRef>
-          <a:fillRef idx="3">
-            <a:schemeClr val="accent1"/>
-          </a:fillRef>
-          <a:effectRef idx="2">
-            <a:schemeClr val="accent1"/>
-          </a:effectRef>
-          <a:fontRef idx="minor">
-            <a:schemeClr val="lt1"/>
-          </a:fontRef>
-        </p:style>
-        <p:txBody>
-          <a:bodyPr rtlCol="0" anchor="ctr"/>
-          <a:lstStyle/>
-          <a:p>
-            <a:pPr algn="ctr"/>
-            <a:r>
-              <a:rPr lang="en-US" dirty="0" smtClean="0"/>
-              <a:t>App</a:t>
-            </a:r>
-            <a:endParaRPr lang="en-US" dirty="0"/>
-          </a:p>
-          <a:p>
-            <a:pPr algn="ctr"/>
-            <a:r>
-              <a:rPr lang="en-US" dirty="0" smtClean="0"/>
-              <a:t>Server</a:t>
-            </a:r>
-          </a:p>
-        </p:txBody>
-      </p:sp>
-      <p:sp>
-        <p:nvSpPr>
-          <p:cNvPr id="14" name="Rectangle 13"/>
-          <p:cNvSpPr/>
-          <p:nvPr/>
-        </p:nvSpPr>
-        <p:spPr>
-          <a:xfrm>
-            <a:off x="6118964" y="4251945"/>
-            <a:ext cx="1215208" cy="361319"/>
-          </a:xfrm>
-          <a:prstGeom prst="rect">
-            <a:avLst/>
-          </a:prstGeom>
-          <a:solidFill>
-            <a:schemeClr val="accent1"/>
-          </a:solidFill>
-          <a:ln>
-            <a:noFill/>
-          </a:ln>
-          <a:effectLst/>
-        </p:spPr>
-        <p:style>
-          <a:lnRef idx="1">
-            <a:schemeClr val="accent1"/>
-          </a:lnRef>
-          <a:fillRef idx="3">
-            <a:schemeClr val="accent1"/>
-          </a:fillRef>
-          <a:effectRef idx="2">
-            <a:schemeClr val="accent1"/>
-          </a:effectRef>
-          <a:fontRef idx="minor">
-            <a:schemeClr val="lt1"/>
-          </a:fontRef>
-        </p:style>
-        <p:txBody>
-          <a:bodyPr rtlCol="0" anchor="ctr"/>
-          <a:lstStyle/>
-          <a:p>
-            <a:pPr algn="ctr"/>
-            <a:r>
-              <a:rPr lang="en-US" dirty="0" smtClean="0"/>
-              <a:t>Cache</a:t>
-            </a:r>
-          </a:p>
-        </p:txBody>
-      </p:sp>
-      <p:sp>
-        <p:nvSpPr>
-          <p:cNvPr id="15" name="Magnetic Disk 14"/>
-          <p:cNvSpPr/>
-          <p:nvPr/>
-        </p:nvSpPr>
-        <p:spPr>
-          <a:xfrm>
-            <a:off x="12239668" y="1650574"/>
-            <a:ext cx="1116678" cy="1100382"/>
-          </a:xfrm>
-          <a:prstGeom prst="flowChartMagneticDisk">
-            <a:avLst/>
-          </a:prstGeom>
-          <a:solidFill>
-            <a:schemeClr val="tx2"/>
-          </a:solidFill>
-          <a:ln>
-            <a:noFill/>
-          </a:ln>
-          <a:effectLst/>
-        </p:spPr>
-        <p:style>
-          <a:lnRef idx="1">
-            <a:schemeClr val="accent1"/>
-          </a:lnRef>
-          <a:fillRef idx="3">
-            <a:schemeClr val="accent1"/>
-          </a:fillRef>
-          <a:effectRef idx="2">
-            <a:schemeClr val="accent1"/>
-          </a:effectRef>
-          <a:fontRef idx="minor">
-            <a:schemeClr val="lt1"/>
-          </a:fontRef>
-        </p:style>
-        <p:txBody>
-          <a:bodyPr rtlCol="0" anchor="ctr"/>
-          <a:lstStyle/>
-          <a:p>
-            <a:pPr algn="ctr"/>
-            <a:r>
-              <a:rPr lang="en-US" dirty="0" smtClean="0"/>
-              <a:t>Data</a:t>
-            </a:r>
-          </a:p>
-        </p:txBody>
-      </p:sp>
-      <p:sp>
-        <p:nvSpPr>
-          <p:cNvPr id="16" name="Magnetic Disk 15"/>
-          <p:cNvSpPr/>
-          <p:nvPr/>
-        </p:nvSpPr>
-        <p:spPr>
-          <a:xfrm>
-            <a:off x="12239668" y="2627777"/>
-            <a:ext cx="1116678" cy="1100382"/>
-          </a:xfrm>
-          <a:prstGeom prst="flowChartMagneticDisk">
-            <a:avLst/>
-          </a:prstGeom>
-          <a:solidFill>
-            <a:schemeClr val="tx2"/>
-          </a:solidFill>
-          <a:ln>
-            <a:noFill/>
-          </a:ln>
-          <a:effectLst/>
-        </p:spPr>
-        <p:style>
-          <a:lnRef idx="1">
-            <a:schemeClr val="accent1"/>
-          </a:lnRef>
-          <a:fillRef idx="3">
-            <a:schemeClr val="accent1"/>
-          </a:fillRef>
-          <a:effectRef idx="2">
-            <a:schemeClr val="accent1"/>
-          </a:effectRef>
-          <a:fontRef idx="minor">
-            <a:schemeClr val="lt1"/>
-          </a:fontRef>
-        </p:style>
-        <p:txBody>
-          <a:bodyPr rtlCol="0" anchor="ctr"/>
-          <a:lstStyle/>
-          <a:p>
-            <a:pPr algn="ctr"/>
-            <a:r>
-              <a:rPr lang="en-US" dirty="0" smtClean="0"/>
-              <a:t>Data</a:t>
-            </a:r>
-          </a:p>
-        </p:txBody>
-      </p:sp>
-      <p:sp>
-        <p:nvSpPr>
-          <p:cNvPr id="17" name="Magnetic Disk 16"/>
-          <p:cNvSpPr/>
-          <p:nvPr/>
-        </p:nvSpPr>
-        <p:spPr>
-          <a:xfrm>
-            <a:off x="12271641" y="4560292"/>
-            <a:ext cx="1116678" cy="1100382"/>
-          </a:xfrm>
-          <a:prstGeom prst="flowChartMagneticDisk">
-            <a:avLst/>
-          </a:prstGeom>
-          <a:solidFill>
-            <a:schemeClr val="tx2"/>
-          </a:solidFill>
-          <a:ln>
-            <a:noFill/>
-          </a:ln>
-          <a:effectLst/>
-        </p:spPr>
-        <p:style>
-          <a:lnRef idx="1">
-            <a:schemeClr val="accent1"/>
-          </a:lnRef>
-          <a:fillRef idx="3">
-            <a:schemeClr val="accent1"/>
-          </a:fillRef>
-          <a:effectRef idx="2">
-            <a:schemeClr val="accent1"/>
-          </a:effectRef>
-          <a:fontRef idx="minor">
-            <a:schemeClr val="lt1"/>
-          </a:fontRef>
-        </p:style>
-        <p:txBody>
-          <a:bodyPr rtlCol="0" anchor="ctr"/>
-          <a:lstStyle/>
-          <a:p>
-            <a:pPr algn="ctr"/>
-            <a:r>
-              <a:rPr lang="en-US" dirty="0" smtClean="0"/>
-              <a:t>Data</a:t>
-            </a:r>
-          </a:p>
-        </p:txBody>
-      </p:sp>
-      <p:sp>
-        <p:nvSpPr>
-          <p:cNvPr id="18" name="Magnetic Disk 17"/>
-          <p:cNvSpPr/>
-          <p:nvPr/>
-        </p:nvSpPr>
-        <p:spPr>
-          <a:xfrm>
-            <a:off x="12271641" y="3606833"/>
-            <a:ext cx="1116678" cy="1100382"/>
-          </a:xfrm>
-          <a:prstGeom prst="flowChartMagneticDisk">
-            <a:avLst/>
-          </a:prstGeom>
-          <a:solidFill>
-            <a:schemeClr val="tx2"/>
-          </a:solidFill>
-          <a:ln>
-            <a:noFill/>
-          </a:ln>
-          <a:effectLst/>
-        </p:spPr>
-        <p:style>
-          <a:lnRef idx="1">
-            <a:schemeClr val="accent1"/>
-          </a:lnRef>
-          <a:fillRef idx="3">
-            <a:schemeClr val="accent1"/>
-          </a:fillRef>
-          <a:effectRef idx="2">
-            <a:schemeClr val="accent1"/>
-          </a:effectRef>
-          <a:fontRef idx="minor">
-            <a:schemeClr val="lt1"/>
-          </a:fontRef>
-        </p:style>
-        <p:txBody>
-          <a:bodyPr rtlCol="0" anchor="ctr"/>
-          <a:lstStyle/>
-          <a:p>
-            <a:pPr algn="ctr"/>
-            <a:r>
-              <a:rPr lang="en-US" dirty="0" smtClean="0"/>
-              <a:t>Data</a:t>
-            </a:r>
-          </a:p>
-        </p:txBody>
-      </p:sp>
-      <p:sp>
-        <p:nvSpPr>
-          <p:cNvPr id="20" name="Rectangle 19"/>
-          <p:cNvSpPr/>
-          <p:nvPr/>
-        </p:nvSpPr>
-        <p:spPr>
-          <a:xfrm>
-            <a:off x="8459188" y="1223560"/>
-            <a:ext cx="1839235" cy="854027"/>
-          </a:xfrm>
-          <a:prstGeom prst="rect">
-            <a:avLst/>
-          </a:prstGeom>
-          <a:solidFill>
-            <a:schemeClr val="tx2"/>
-          </a:solidFill>
-          <a:ln>
-            <a:noFill/>
-          </a:ln>
-          <a:effectLst/>
-        </p:spPr>
-        <p:style>
-          <a:lnRef idx="1">
-            <a:schemeClr val="accent1"/>
-          </a:lnRef>
-          <a:fillRef idx="3">
-            <a:schemeClr val="accent1"/>
-          </a:fillRef>
-          <a:effectRef idx="2">
-            <a:schemeClr val="accent1"/>
-          </a:effectRef>
-          <a:fontRef idx="minor">
-            <a:schemeClr val="lt1"/>
-          </a:fontRef>
-        </p:style>
-        <p:txBody>
-          <a:bodyPr rtlCol="0" anchor="ctr"/>
-          <a:lstStyle/>
-          <a:p>
-            <a:pPr algn="ctr"/>
-            <a:r>
-              <a:rPr lang="en-US" dirty="0" smtClean="0"/>
-              <a:t>Services</a:t>
-            </a:r>
-          </a:p>
-        </p:txBody>
-      </p:sp>
-      <p:sp>
-        <p:nvSpPr>
-          <p:cNvPr id="21" name="Rectangle 20"/>
-          <p:cNvSpPr/>
-          <p:nvPr/>
-        </p:nvSpPr>
-        <p:spPr>
-          <a:xfrm>
-            <a:off x="8444760" y="2627777"/>
-            <a:ext cx="1839235" cy="854027"/>
-          </a:xfrm>
-          <a:prstGeom prst="rect">
-            <a:avLst/>
-          </a:prstGeom>
-          <a:solidFill>
-            <a:schemeClr val="tx2"/>
-          </a:solidFill>
-          <a:ln>
-            <a:noFill/>
-          </a:ln>
-          <a:effectLst/>
-        </p:spPr>
-        <p:style>
-          <a:lnRef idx="1">
-            <a:schemeClr val="accent1"/>
-          </a:lnRef>
-          <a:fillRef idx="3">
-            <a:schemeClr val="accent1"/>
-          </a:fillRef>
-          <a:effectRef idx="2">
-            <a:schemeClr val="accent1"/>
-          </a:effectRef>
-          <a:fontRef idx="minor">
-            <a:schemeClr val="lt1"/>
-          </a:fontRef>
-        </p:style>
-        <p:txBody>
-          <a:bodyPr rtlCol="0" anchor="ctr"/>
-          <a:lstStyle/>
-          <a:p>
-            <a:pPr algn="ctr"/>
-            <a:r>
-              <a:rPr lang="en-US" dirty="0" smtClean="0"/>
-              <a:t>Services</a:t>
-            </a:r>
-          </a:p>
-        </p:txBody>
-      </p:sp>
-      <p:sp>
-        <p:nvSpPr>
-          <p:cNvPr id="22" name="Rectangle 21"/>
-          <p:cNvSpPr/>
-          <p:nvPr/>
-        </p:nvSpPr>
-        <p:spPr>
-          <a:xfrm>
-            <a:off x="8459188" y="4177072"/>
-            <a:ext cx="1839235" cy="854027"/>
-          </a:xfrm>
-          <a:prstGeom prst="rect">
-            <a:avLst/>
-          </a:prstGeom>
-          <a:solidFill>
-            <a:schemeClr val="tx2"/>
-          </a:solidFill>
-          <a:ln>
-            <a:noFill/>
-          </a:ln>
-          <a:effectLst/>
-        </p:spPr>
-        <p:style>
-          <a:lnRef idx="1">
-            <a:schemeClr val="accent1"/>
-          </a:lnRef>
-          <a:fillRef idx="3">
-            <a:schemeClr val="accent1"/>
-          </a:fillRef>
-          <a:effectRef idx="2">
-            <a:schemeClr val="accent1"/>
-          </a:effectRef>
-          <a:fontRef idx="minor">
-            <a:schemeClr val="lt1"/>
-          </a:fontRef>
-        </p:style>
-        <p:txBody>
-          <a:bodyPr rtlCol="0" anchor="ctr"/>
-          <a:lstStyle/>
-          <a:p>
-            <a:pPr algn="ctr"/>
-            <a:r>
-              <a:rPr lang="en-US" dirty="0" smtClean="0"/>
-              <a:t>Services</a:t>
-            </a:r>
-          </a:p>
-        </p:txBody>
-      </p:sp>
-      <p:cxnSp>
-        <p:nvCxnSpPr>
-          <p:cNvPr id="25" name="Straight Arrow Connector 24"/>
-          <p:cNvCxnSpPr/>
-          <p:nvPr/>
-        </p:nvCxnSpPr>
-        <p:spPr>
-          <a:xfrm>
-            <a:off x="1729756" y="2277409"/>
-            <a:ext cx="634973" cy="596724"/>
-          </a:xfrm>
-          <a:prstGeom prst="straightConnector1">
-            <a:avLst/>
-          </a:prstGeom>
-          <a:ln w="6350">
-            <a:solidFill>
-              <a:schemeClr val="tx1"/>
-            </a:solidFill>
-            <a:tailEnd type="arrow"/>
-          </a:ln>
-          <a:effectLst/>
-        </p:spPr>
-        <p:style>
-          <a:lnRef idx="2">
-            <a:schemeClr val="accent1"/>
-          </a:lnRef>
-          <a:fillRef idx="0">
-            <a:schemeClr val="accent1"/>
-          </a:fillRef>
-          <a:effectRef idx="1">
-            <a:schemeClr val="accent1"/>
-          </a:effectRef>
-          <a:fontRef idx="minor">
-            <a:schemeClr val="tx1"/>
-          </a:fontRef>
-        </p:style>
-      </p:cxnSp>
-      <p:cxnSp>
-        <p:nvCxnSpPr>
-          <p:cNvPr id="27" name="Straight Arrow Connector 26"/>
-          <p:cNvCxnSpPr>
-            <a:stCxn id="5" idx="3"/>
-          </p:cNvCxnSpPr>
-          <p:nvPr/>
-        </p:nvCxnSpPr>
-        <p:spPr>
-          <a:xfrm>
-            <a:off x="1729756" y="2775592"/>
-            <a:ext cx="634973" cy="224456"/>
-          </a:xfrm>
-          <a:prstGeom prst="straightConnector1">
-            <a:avLst/>
-          </a:prstGeom>
-          <a:ln w="6350">
-            <a:solidFill>
-              <a:schemeClr val="tx1"/>
-            </a:solidFill>
-            <a:tailEnd type="arrow"/>
-          </a:ln>
-          <a:effectLst/>
-        </p:spPr>
-        <p:style>
-          <a:lnRef idx="2">
-            <a:schemeClr val="accent1"/>
-          </a:lnRef>
-          <a:fillRef idx="0">
-            <a:schemeClr val="accent1"/>
-          </a:fillRef>
-          <a:effectRef idx="1">
-            <a:schemeClr val="accent1"/>
-          </a:effectRef>
-          <a:fontRef idx="minor">
-            <a:schemeClr val="tx1"/>
-          </a:fontRef>
-        </p:style>
-      </p:cxnSp>
-      <p:cxnSp>
-        <p:nvCxnSpPr>
-          <p:cNvPr id="29" name="Straight Arrow Connector 28"/>
-          <p:cNvCxnSpPr>
-            <a:stCxn id="6" idx="3"/>
-          </p:cNvCxnSpPr>
-          <p:nvPr/>
-        </p:nvCxnSpPr>
-        <p:spPr>
-          <a:xfrm>
-            <a:off x="1729756" y="3098589"/>
-            <a:ext cx="634973" cy="1"/>
-          </a:xfrm>
-          <a:prstGeom prst="straightConnector1">
-            <a:avLst/>
-          </a:prstGeom>
-          <a:ln w="6350">
-            <a:solidFill>
-              <a:schemeClr val="tx1"/>
-            </a:solidFill>
-            <a:tailEnd type="arrow"/>
-          </a:ln>
-          <a:effectLst/>
-        </p:spPr>
-        <p:style>
-          <a:lnRef idx="2">
-            <a:schemeClr val="accent1"/>
-          </a:lnRef>
-          <a:fillRef idx="0">
-            <a:schemeClr val="accent1"/>
-          </a:fillRef>
-          <a:effectRef idx="1">
-            <a:schemeClr val="accent1"/>
-          </a:effectRef>
-          <a:fontRef idx="minor">
-            <a:schemeClr val="tx1"/>
-          </a:fontRef>
-        </p:style>
-      </p:cxnSp>
-      <p:cxnSp>
-        <p:nvCxnSpPr>
-          <p:cNvPr id="31" name="Straight Arrow Connector 30"/>
-          <p:cNvCxnSpPr>
-            <a:stCxn id="8" idx="3"/>
-            <a:endCxn id="9" idx="1"/>
-          </p:cNvCxnSpPr>
-          <p:nvPr/>
-        </p:nvCxnSpPr>
-        <p:spPr>
-          <a:xfrm flipV="1">
-            <a:off x="1729756" y="3224503"/>
-            <a:ext cx="634973" cy="279201"/>
-          </a:xfrm>
-          <a:prstGeom prst="straightConnector1">
-            <a:avLst/>
-          </a:prstGeom>
-          <a:ln w="6350">
-            <a:solidFill>
-              <a:schemeClr val="tx1"/>
-            </a:solidFill>
-            <a:tailEnd type="arrow"/>
-          </a:ln>
-          <a:effectLst/>
-        </p:spPr>
-        <p:style>
-          <a:lnRef idx="2">
-            <a:schemeClr val="accent1"/>
-          </a:lnRef>
-          <a:fillRef idx="0">
-            <a:schemeClr val="accent1"/>
-          </a:fillRef>
-          <a:effectRef idx="1">
-            <a:schemeClr val="accent1"/>
-          </a:effectRef>
-          <a:fontRef idx="minor">
-            <a:schemeClr val="tx1"/>
-          </a:fontRef>
-        </p:style>
-      </p:cxnSp>
-      <p:cxnSp>
-        <p:nvCxnSpPr>
-          <p:cNvPr id="34" name="Straight Arrow Connector 33"/>
-          <p:cNvCxnSpPr>
-            <a:stCxn id="7" idx="3"/>
-          </p:cNvCxnSpPr>
-          <p:nvPr/>
-        </p:nvCxnSpPr>
-        <p:spPr>
-          <a:xfrm flipV="1">
-            <a:off x="1729756" y="3481804"/>
-            <a:ext cx="634973" cy="470812"/>
-          </a:xfrm>
-          <a:prstGeom prst="straightConnector1">
-            <a:avLst/>
-          </a:prstGeom>
-          <a:ln w="6350">
-            <a:solidFill>
-              <a:schemeClr val="tx1"/>
-            </a:solidFill>
-            <a:tailEnd type="arrow"/>
-          </a:ln>
-          <a:effectLst/>
-        </p:spPr>
-        <p:style>
-          <a:lnRef idx="2">
-            <a:schemeClr val="accent1"/>
-          </a:lnRef>
-          <a:fillRef idx="0">
-            <a:schemeClr val="accent1"/>
-          </a:fillRef>
-          <a:effectRef idx="1">
-            <a:schemeClr val="accent1"/>
-          </a:effectRef>
-          <a:fontRef idx="minor">
-            <a:schemeClr val="tx1"/>
-          </a:fontRef>
-        </p:style>
-      </p:cxnSp>
-      <p:cxnSp>
-        <p:nvCxnSpPr>
-          <p:cNvPr id="36" name="Straight Arrow Connector 35"/>
-          <p:cNvCxnSpPr>
-            <a:stCxn id="9" idx="3"/>
-            <a:endCxn id="11" idx="1"/>
-          </p:cNvCxnSpPr>
-          <p:nvPr/>
-        </p:nvCxnSpPr>
-        <p:spPr>
-          <a:xfrm flipV="1">
-            <a:off x="4203964" y="2222664"/>
-            <a:ext cx="907799" cy="1001839"/>
-          </a:xfrm>
-          <a:prstGeom prst="straightConnector1">
-            <a:avLst/>
-          </a:prstGeom>
-          <a:ln w="6350">
-            <a:solidFill>
-              <a:schemeClr val="tx1"/>
-            </a:solidFill>
-            <a:tailEnd type="arrow"/>
-          </a:ln>
-          <a:effectLst/>
-        </p:spPr>
-        <p:style>
-          <a:lnRef idx="2">
-            <a:schemeClr val="accent1"/>
-          </a:lnRef>
-          <a:fillRef idx="0">
-            <a:schemeClr val="accent1"/>
-          </a:fillRef>
-          <a:effectRef idx="1">
-            <a:schemeClr val="accent1"/>
-          </a:effectRef>
-          <a:fontRef idx="minor">
-            <a:schemeClr val="tx1"/>
-          </a:fontRef>
-        </p:style>
-      </p:cxnSp>
-      <p:cxnSp>
-        <p:nvCxnSpPr>
-          <p:cNvPr id="38" name="Straight Arrow Connector 37"/>
-          <p:cNvCxnSpPr>
-            <a:stCxn id="9" idx="3"/>
-          </p:cNvCxnSpPr>
-          <p:nvPr/>
-        </p:nvCxnSpPr>
-        <p:spPr>
-          <a:xfrm>
-            <a:off x="4203964" y="3224503"/>
-            <a:ext cx="907799" cy="0"/>
-          </a:xfrm>
-          <a:prstGeom prst="straightConnector1">
-            <a:avLst/>
-          </a:prstGeom>
-          <a:ln w="6350">
-            <a:solidFill>
-              <a:schemeClr val="tx1"/>
-            </a:solidFill>
-            <a:tailEnd type="arrow"/>
-          </a:ln>
-          <a:effectLst/>
-        </p:spPr>
-        <p:style>
-          <a:lnRef idx="2">
-            <a:schemeClr val="accent1"/>
-          </a:lnRef>
-          <a:fillRef idx="0">
-            <a:schemeClr val="accent1"/>
-          </a:fillRef>
-          <a:effectRef idx="1">
-            <a:schemeClr val="accent1"/>
-          </a:effectRef>
-          <a:fontRef idx="minor">
-            <a:schemeClr val="tx1"/>
-          </a:fontRef>
-        </p:style>
-      </p:cxnSp>
-      <p:cxnSp>
-        <p:nvCxnSpPr>
-          <p:cNvPr id="40" name="Straight Arrow Connector 39"/>
-          <p:cNvCxnSpPr>
-            <a:stCxn id="9" idx="3"/>
-          </p:cNvCxnSpPr>
-          <p:nvPr/>
-        </p:nvCxnSpPr>
-        <p:spPr>
-          <a:xfrm>
-            <a:off x="4203964" y="3224503"/>
-            <a:ext cx="907799" cy="1027442"/>
-          </a:xfrm>
-          <a:prstGeom prst="straightConnector1">
-            <a:avLst/>
-          </a:prstGeom>
-          <a:ln w="6350">
-            <a:solidFill>
-              <a:schemeClr val="tx1"/>
-            </a:solidFill>
-            <a:tailEnd type="arrow"/>
-          </a:ln>
-          <a:effectLst/>
-        </p:spPr>
-        <p:style>
-          <a:lnRef idx="2">
-            <a:schemeClr val="accent1"/>
-          </a:lnRef>
-          <a:fillRef idx="0">
-            <a:schemeClr val="accent1"/>
-          </a:fillRef>
-          <a:effectRef idx="1">
-            <a:schemeClr val="accent1"/>
-          </a:effectRef>
-          <a:fontRef idx="minor">
-            <a:schemeClr val="tx1"/>
-          </a:fontRef>
-        </p:style>
-      </p:cxnSp>
-      <p:cxnSp>
-        <p:nvCxnSpPr>
-          <p:cNvPr id="42" name="Straight Arrow Connector 41"/>
-          <p:cNvCxnSpPr>
-            <a:stCxn id="11" idx="3"/>
-            <a:endCxn id="20" idx="1"/>
-          </p:cNvCxnSpPr>
-          <p:nvPr/>
-        </p:nvCxnSpPr>
-        <p:spPr>
-          <a:xfrm flipV="1">
-            <a:off x="6950998" y="1650574"/>
-            <a:ext cx="1508190" cy="572090"/>
-          </a:xfrm>
-          <a:prstGeom prst="straightConnector1">
-            <a:avLst/>
-          </a:prstGeom>
-          <a:ln w="6350">
-            <a:solidFill>
-              <a:schemeClr val="tx1"/>
-            </a:solidFill>
-            <a:headEnd type="arrow"/>
-            <a:tailEnd type="arrow"/>
-          </a:ln>
-          <a:effectLst/>
-        </p:spPr>
-        <p:style>
-          <a:lnRef idx="2">
-            <a:schemeClr val="accent1"/>
-          </a:lnRef>
-          <a:fillRef idx="0">
-            <a:schemeClr val="accent1"/>
-          </a:fillRef>
-          <a:effectRef idx="1">
-            <a:schemeClr val="accent1"/>
-          </a:effectRef>
-          <a:fontRef idx="minor">
-            <a:schemeClr val="tx1"/>
-          </a:fontRef>
-        </p:style>
-      </p:cxnSp>
-      <p:cxnSp>
-        <p:nvCxnSpPr>
-          <p:cNvPr id="44" name="Straight Arrow Connector 43"/>
-          <p:cNvCxnSpPr/>
-          <p:nvPr/>
-        </p:nvCxnSpPr>
-        <p:spPr>
-          <a:xfrm flipV="1">
-            <a:off x="6936570" y="2887816"/>
-            <a:ext cx="1508190" cy="572090"/>
-          </a:xfrm>
-          <a:prstGeom prst="straightConnector1">
-            <a:avLst/>
-          </a:prstGeom>
-          <a:ln w="6350">
-            <a:solidFill>
-              <a:schemeClr val="tx1"/>
-            </a:solidFill>
-            <a:headEnd type="arrow"/>
-            <a:tailEnd type="arrow"/>
-          </a:ln>
-          <a:effectLst/>
-        </p:spPr>
-        <p:style>
-          <a:lnRef idx="2">
-            <a:schemeClr val="accent1"/>
-          </a:lnRef>
-          <a:fillRef idx="0">
-            <a:schemeClr val="accent1"/>
-          </a:fillRef>
-          <a:effectRef idx="1">
-            <a:schemeClr val="accent1"/>
-          </a:effectRef>
-          <a:fontRef idx="minor">
-            <a:schemeClr val="tx1"/>
-          </a:fontRef>
-        </p:style>
-      </p:cxnSp>
-      <p:cxnSp>
-        <p:nvCxnSpPr>
-          <p:cNvPr id="45" name="Straight Arrow Connector 44"/>
-          <p:cNvCxnSpPr>
-            <a:stCxn id="11" idx="3"/>
-          </p:cNvCxnSpPr>
-          <p:nvPr/>
-        </p:nvCxnSpPr>
-        <p:spPr>
-          <a:xfrm>
-            <a:off x="6950998" y="2222664"/>
-            <a:ext cx="1493762" cy="665152"/>
-          </a:xfrm>
-          <a:prstGeom prst="straightConnector1">
-            <a:avLst/>
-          </a:prstGeom>
-          <a:ln w="6350">
-            <a:solidFill>
-              <a:schemeClr val="tx1"/>
-            </a:solidFill>
-            <a:headEnd type="arrow"/>
-            <a:tailEnd type="arrow"/>
-          </a:ln>
-          <a:effectLst/>
-        </p:spPr>
-        <p:style>
-          <a:lnRef idx="2">
-            <a:schemeClr val="accent1"/>
-          </a:lnRef>
-          <a:fillRef idx="0">
-            <a:schemeClr val="accent1"/>
-          </a:fillRef>
-          <a:effectRef idx="1">
-            <a:schemeClr val="accent1"/>
-          </a:effectRef>
-          <a:fontRef idx="minor">
-            <a:schemeClr val="tx1"/>
-          </a:fontRef>
-        </p:style>
-      </p:cxnSp>
-      <p:cxnSp>
-        <p:nvCxnSpPr>
-          <p:cNvPr id="48" name="Straight Arrow Connector 47"/>
-          <p:cNvCxnSpPr/>
-          <p:nvPr/>
-        </p:nvCxnSpPr>
-        <p:spPr>
-          <a:xfrm>
-            <a:off x="10298423" y="1522378"/>
-            <a:ext cx="1941245" cy="555209"/>
-          </a:xfrm>
-          <a:prstGeom prst="straightConnector1">
-            <a:avLst/>
-          </a:prstGeom>
-          <a:ln w="6350">
-            <a:solidFill>
-              <a:schemeClr val="tx1"/>
-            </a:solidFill>
-            <a:headEnd type="arrow"/>
-            <a:tailEnd type="arrow"/>
-          </a:ln>
-          <a:effectLst/>
-        </p:spPr>
-        <p:style>
-          <a:lnRef idx="2">
-            <a:schemeClr val="accent1"/>
-          </a:lnRef>
-          <a:fillRef idx="0">
-            <a:schemeClr val="accent1"/>
-          </a:fillRef>
-          <a:effectRef idx="1">
-            <a:schemeClr val="accent1"/>
-          </a:effectRef>
-          <a:fontRef idx="minor">
-            <a:schemeClr val="tx1"/>
-          </a:fontRef>
-        </p:style>
-      </p:cxnSp>
-      <p:cxnSp>
-        <p:nvCxnSpPr>
-          <p:cNvPr id="50" name="Straight Arrow Connector 49"/>
-          <p:cNvCxnSpPr>
-            <a:endCxn id="18" idx="2"/>
-          </p:cNvCxnSpPr>
-          <p:nvPr/>
-        </p:nvCxnSpPr>
-        <p:spPr>
-          <a:xfrm flipV="1">
-            <a:off x="10298423" y="4157024"/>
-            <a:ext cx="1973218" cy="523303"/>
-          </a:xfrm>
-          <a:prstGeom prst="straightConnector1">
-            <a:avLst/>
-          </a:prstGeom>
-          <a:ln w="6350">
-            <a:solidFill>
-              <a:schemeClr val="tx1"/>
-            </a:solidFill>
-            <a:headEnd type="arrow"/>
-            <a:tailEnd type="arrow"/>
-          </a:ln>
-          <a:effectLst/>
-        </p:spPr>
-        <p:style>
-          <a:lnRef idx="2">
-            <a:schemeClr val="accent1"/>
-          </a:lnRef>
-          <a:fillRef idx="0">
-            <a:schemeClr val="accent1"/>
-          </a:fillRef>
-          <a:effectRef idx="1">
-            <a:schemeClr val="accent1"/>
-          </a:effectRef>
-          <a:fontRef idx="minor">
-            <a:schemeClr val="tx1"/>
-          </a:fontRef>
-        </p:style>
-      </p:cxnSp>
-      <p:cxnSp>
-        <p:nvCxnSpPr>
-          <p:cNvPr id="52" name="Straight Arrow Connector 51"/>
-          <p:cNvCxnSpPr/>
-          <p:nvPr/>
-        </p:nvCxnSpPr>
-        <p:spPr>
-          <a:xfrm>
-            <a:off x="10283995" y="1518045"/>
-            <a:ext cx="1987646" cy="1761203"/>
-          </a:xfrm>
-          <a:prstGeom prst="straightConnector1">
-            <a:avLst/>
-          </a:prstGeom>
-          <a:ln w="6350">
-            <a:solidFill>
-              <a:schemeClr val="tx1"/>
-            </a:solidFill>
-            <a:headEnd type="arrow"/>
-            <a:tailEnd type="arrow"/>
-          </a:ln>
-          <a:effectLst/>
-        </p:spPr>
-        <p:style>
-          <a:lnRef idx="2">
-            <a:schemeClr val="accent1"/>
-          </a:lnRef>
-          <a:fillRef idx="0">
-            <a:schemeClr val="accent1"/>
-          </a:fillRef>
-          <a:effectRef idx="1">
-            <a:schemeClr val="accent1"/>
-          </a:effectRef>
-          <a:fontRef idx="minor">
-            <a:schemeClr val="tx1"/>
-          </a:fontRef>
-        </p:style>
-      </p:cxnSp>
-      <p:sp>
-        <p:nvSpPr>
-          <p:cNvPr id="55" name="Multidocument 54"/>
-          <p:cNvSpPr/>
-          <p:nvPr/>
-        </p:nvSpPr>
-        <p:spPr>
-          <a:xfrm>
-            <a:off x="8459188" y="5956299"/>
-            <a:ext cx="1503839" cy="875924"/>
-          </a:xfrm>
-          <a:prstGeom prst="flowChartMultidocument">
-            <a:avLst/>
-          </a:prstGeom>
-          <a:solidFill>
-            <a:schemeClr val="tx2"/>
-          </a:solidFill>
-          <a:ln>
-            <a:noFill/>
-          </a:ln>
-          <a:effectLst/>
-        </p:spPr>
-        <p:style>
-          <a:lnRef idx="1">
-            <a:schemeClr val="accent1"/>
-          </a:lnRef>
-          <a:fillRef idx="3">
-            <a:schemeClr val="accent1"/>
-          </a:fillRef>
-          <a:effectRef idx="2">
-            <a:schemeClr val="accent1"/>
-          </a:effectRef>
-          <a:fontRef idx="minor">
-            <a:schemeClr val="lt1"/>
-          </a:fontRef>
-        </p:style>
-        <p:txBody>
-          <a:bodyPr rtlCol="0" anchor="ctr"/>
-          <a:lstStyle/>
-          <a:p>
-            <a:pPr algn="ctr"/>
-            <a:r>
-              <a:rPr lang="en-US" dirty="0" smtClean="0"/>
-              <a:t>Queue</a:t>
-            </a:r>
-          </a:p>
-        </p:txBody>
-      </p:sp>
-      <p:cxnSp>
-        <p:nvCxnSpPr>
-          <p:cNvPr id="57" name="Straight Arrow Connector 56"/>
-          <p:cNvCxnSpPr/>
-          <p:nvPr/>
-        </p:nvCxnSpPr>
-        <p:spPr>
-          <a:xfrm>
-            <a:off x="7334172" y="5031099"/>
-            <a:ext cx="1325558" cy="925200"/>
-          </a:xfrm>
-          <a:prstGeom prst="straightConnector1">
-            <a:avLst/>
-          </a:prstGeom>
-          <a:ln w="6350">
-            <a:solidFill>
-              <a:schemeClr val="tx1"/>
-            </a:solidFill>
-            <a:tailEnd type="arrow"/>
-          </a:ln>
-          <a:effectLst/>
-        </p:spPr>
-        <p:style>
-          <a:lnRef idx="2">
-            <a:schemeClr val="accent1"/>
-          </a:lnRef>
-          <a:fillRef idx="0">
-            <a:schemeClr val="accent1"/>
-          </a:fillRef>
-          <a:effectRef idx="1">
-            <a:schemeClr val="accent1"/>
-          </a:effectRef>
-          <a:fontRef idx="minor">
-            <a:schemeClr val="tx1"/>
-          </a:fontRef>
-        </p:style>
-      </p:cxnSp>
-      <p:cxnSp>
-        <p:nvCxnSpPr>
-          <p:cNvPr id="59" name="Straight Arrow Connector 58"/>
-          <p:cNvCxnSpPr>
-            <a:stCxn id="22" idx="2"/>
-          </p:cNvCxnSpPr>
-          <p:nvPr/>
-        </p:nvCxnSpPr>
-        <p:spPr>
-          <a:xfrm>
-            <a:off x="9378806" y="5031099"/>
-            <a:ext cx="36324" cy="925200"/>
-          </a:xfrm>
-          <a:prstGeom prst="straightConnector1">
-            <a:avLst/>
-          </a:prstGeom>
-          <a:ln w="6350">
-            <a:solidFill>
-              <a:schemeClr val="tx1"/>
-            </a:solidFill>
-            <a:tailEnd type="arrow"/>
-          </a:ln>
-          <a:effectLst/>
-        </p:spPr>
-        <p:style>
-          <a:lnRef idx="2">
-            <a:schemeClr val="accent1"/>
-          </a:lnRef>
-          <a:fillRef idx="0">
-            <a:schemeClr val="accent1"/>
-          </a:fillRef>
-          <a:effectRef idx="1">
-            <a:schemeClr val="accent1"/>
-          </a:effectRef>
-          <a:fontRef idx="minor">
-            <a:schemeClr val="tx1"/>
-          </a:fontRef>
-        </p:style>
-      </p:cxnSp>
-      <p:cxnSp>
-        <p:nvCxnSpPr>
-          <p:cNvPr id="61" name="Straight Arrow Connector 60"/>
-          <p:cNvCxnSpPr>
-            <a:stCxn id="55" idx="3"/>
-          </p:cNvCxnSpPr>
-          <p:nvPr/>
-        </p:nvCxnSpPr>
-        <p:spPr>
-          <a:xfrm flipV="1">
-            <a:off x="9963027" y="4251945"/>
-            <a:ext cx="2308614" cy="2142316"/>
-          </a:xfrm>
-          <a:prstGeom prst="straightConnector1">
-            <a:avLst/>
-          </a:prstGeom>
-          <a:ln w="6350">
-            <a:solidFill>
-              <a:schemeClr val="tx1"/>
-            </a:solidFill>
-            <a:tailEnd type="arrow"/>
-          </a:ln>
-          <a:effectLst/>
-        </p:spPr>
-        <p:style>
-          <a:lnRef idx="2">
-            <a:schemeClr val="accent1"/>
-          </a:lnRef>
-          <a:fillRef idx="0">
-            <a:schemeClr val="accent1"/>
-          </a:fillRef>
-          <a:effectRef idx="1">
-            <a:schemeClr val="accent1"/>
-          </a:effectRef>
-          <a:fontRef idx="minor">
-            <a:schemeClr val="tx1"/>
-          </a:fontRef>
-        </p:style>
-      </p:cxnSp>
-      <p:cxnSp>
-        <p:nvCxnSpPr>
-          <p:cNvPr id="62" name="Straight Arrow Connector 61"/>
-          <p:cNvCxnSpPr>
-            <a:stCxn id="55" idx="3"/>
-            <a:endCxn id="17" idx="2"/>
-          </p:cNvCxnSpPr>
-          <p:nvPr/>
-        </p:nvCxnSpPr>
-        <p:spPr>
-          <a:xfrm flipV="1">
-            <a:off x="9963027" y="5110483"/>
-            <a:ext cx="2308614" cy="1283778"/>
-          </a:xfrm>
-          <a:prstGeom prst="straightConnector1">
-            <a:avLst/>
-          </a:prstGeom>
-          <a:ln w="6350">
-            <a:solidFill>
-              <a:schemeClr val="tx1"/>
-            </a:solidFill>
-            <a:tailEnd type="arrow"/>
-          </a:ln>
-          <a:effectLst/>
-        </p:spPr>
-        <p:style>
-          <a:lnRef idx="2">
-            <a:schemeClr val="accent1"/>
-          </a:lnRef>
-          <a:fillRef idx="0">
-            <a:schemeClr val="accent1"/>
-          </a:fillRef>
-          <a:effectRef idx="1">
-            <a:schemeClr val="accent1"/>
-          </a:effectRef>
-          <a:fontRef idx="minor">
-            <a:schemeClr val="tx1"/>
-          </a:fontRef>
-        </p:style>
-      </p:cxnSp>
+        </p:spPr>
+      </p:pic>
     </p:spTree>
     <p:extLst>
       <p:ext uri="{BB962C8B-B14F-4D97-AF65-F5344CB8AC3E}">
-        <p14:creationId xmlns:p14="http://schemas.microsoft.com/office/powerpoint/2010/main" val="1112827948"/>
+        <p14:creationId xmlns:p14="http://schemas.microsoft.com/office/powerpoint/2010/main" val="3671872903"/>
       </p:ext>
     </p:extLst>
   </p:cSld>
@@ -3619,46 +2118,1612 @@
           <a:p>
             <a:r>
               <a:rPr lang="en-US" dirty="0" smtClean="0"/>
-              <a:t>Twitter – Service Oriented Architecture (SOA)</a:t>
+              <a:t>Scaling</a:t>
             </a:r>
             <a:endParaRPr lang="en-US" dirty="0"/>
           </a:p>
         </p:txBody>
       </p:sp>
-      <p:pic>
-        <p:nvPicPr>
-          <p:cNvPr id="4" name="Picture 3" descr="twitter.png"/>
-          <p:cNvPicPr>
-            <a:picLocks noChangeAspect="1"/>
-          </p:cNvPicPr>
+      <p:sp>
+        <p:nvSpPr>
+          <p:cNvPr id="4" name="Rectangle 3"/>
+          <p:cNvSpPr/>
           <p:nvPr/>
-        </p:nvPicPr>
-        <p:blipFill>
-          <a:blip r:embed="rId2">
-            <a:extLst>
-              <a:ext uri="{28A0092B-C50C-407E-A947-70E740481C1C}">
-                <a14:useLocalDpi xmlns:a14="http://schemas.microsoft.com/office/drawing/2010/main" val="0"/>
-              </a:ext>
-            </a:extLst>
-          </a:blip>
-          <a:stretch>
-            <a:fillRect/>
-          </a:stretch>
-        </p:blipFill>
+        </p:nvSpPr>
         <p:spPr>
           <a:xfrm>
-            <a:off x="3615566" y="1232650"/>
-            <a:ext cx="7399268" cy="6161848"/>
+            <a:off x="437913" y="2200765"/>
+            <a:ext cx="1291843" cy="448912"/>
           </a:xfrm>
           <a:prstGeom prst="rect">
             <a:avLst/>
           </a:prstGeom>
-        </p:spPr>
-      </p:pic>
+          <a:solidFill>
+            <a:schemeClr val="tx2"/>
+          </a:solidFill>
+          <a:ln>
+            <a:noFill/>
+          </a:ln>
+          <a:effectLst/>
+        </p:spPr>
+        <p:style>
+          <a:lnRef idx="1">
+            <a:schemeClr val="accent1"/>
+          </a:lnRef>
+          <a:fillRef idx="3">
+            <a:schemeClr val="accent1"/>
+          </a:fillRef>
+          <a:effectRef idx="2">
+            <a:schemeClr val="accent1"/>
+          </a:effectRef>
+          <a:fontRef idx="minor">
+            <a:schemeClr val="lt1"/>
+          </a:fontRef>
+        </p:style>
+        <p:txBody>
+          <a:bodyPr rtlCol="0" anchor="ctr"/>
+          <a:lstStyle/>
+          <a:p>
+            <a:pPr algn="ctr"/>
+            <a:r>
+              <a:rPr lang="en-US" dirty="0" smtClean="0"/>
+              <a:t>Client</a:t>
+            </a:r>
+            <a:endParaRPr lang="en-US" dirty="0"/>
+          </a:p>
+        </p:txBody>
+      </p:sp>
+      <p:sp>
+        <p:nvSpPr>
+          <p:cNvPr id="5" name="Rectangle 4"/>
+          <p:cNvSpPr/>
+          <p:nvPr/>
+        </p:nvSpPr>
+        <p:spPr>
+          <a:xfrm>
+            <a:off x="437913" y="2551136"/>
+            <a:ext cx="1291843" cy="448912"/>
+          </a:xfrm>
+          <a:prstGeom prst="rect">
+            <a:avLst/>
+          </a:prstGeom>
+          <a:solidFill>
+            <a:schemeClr val="tx2"/>
+          </a:solidFill>
+          <a:ln>
+            <a:noFill/>
+          </a:ln>
+          <a:effectLst/>
+        </p:spPr>
+        <p:style>
+          <a:lnRef idx="1">
+            <a:schemeClr val="accent1"/>
+          </a:lnRef>
+          <a:fillRef idx="3">
+            <a:schemeClr val="accent1"/>
+          </a:fillRef>
+          <a:effectRef idx="2">
+            <a:schemeClr val="accent1"/>
+          </a:effectRef>
+          <a:fontRef idx="minor">
+            <a:schemeClr val="lt1"/>
+          </a:fontRef>
+        </p:style>
+        <p:txBody>
+          <a:bodyPr rtlCol="0" anchor="ctr"/>
+          <a:lstStyle/>
+          <a:p>
+            <a:pPr algn="ctr"/>
+            <a:r>
+              <a:rPr lang="en-US" dirty="0" smtClean="0"/>
+              <a:t>Client</a:t>
+            </a:r>
+            <a:endParaRPr lang="en-US" dirty="0"/>
+          </a:p>
+        </p:txBody>
+      </p:sp>
+      <p:sp>
+        <p:nvSpPr>
+          <p:cNvPr id="6" name="Rectangle 5"/>
+          <p:cNvSpPr/>
+          <p:nvPr/>
+        </p:nvSpPr>
+        <p:spPr>
+          <a:xfrm>
+            <a:off x="437913" y="2874133"/>
+            <a:ext cx="1291843" cy="448912"/>
+          </a:xfrm>
+          <a:prstGeom prst="rect">
+            <a:avLst/>
+          </a:prstGeom>
+          <a:solidFill>
+            <a:schemeClr val="tx2"/>
+          </a:solidFill>
+          <a:ln>
+            <a:noFill/>
+          </a:ln>
+          <a:effectLst/>
+        </p:spPr>
+        <p:style>
+          <a:lnRef idx="1">
+            <a:schemeClr val="accent1"/>
+          </a:lnRef>
+          <a:fillRef idx="3">
+            <a:schemeClr val="accent1"/>
+          </a:fillRef>
+          <a:effectRef idx="2">
+            <a:schemeClr val="accent1"/>
+          </a:effectRef>
+          <a:fontRef idx="minor">
+            <a:schemeClr val="lt1"/>
+          </a:fontRef>
+        </p:style>
+        <p:txBody>
+          <a:bodyPr rtlCol="0" anchor="ctr"/>
+          <a:lstStyle/>
+          <a:p>
+            <a:pPr algn="ctr"/>
+            <a:r>
+              <a:rPr lang="en-US" dirty="0" smtClean="0"/>
+              <a:t>Client</a:t>
+            </a:r>
+            <a:endParaRPr lang="en-US" dirty="0"/>
+          </a:p>
+        </p:txBody>
+      </p:sp>
+      <p:sp>
+        <p:nvSpPr>
+          <p:cNvPr id="7" name="Rectangle 6"/>
+          <p:cNvSpPr/>
+          <p:nvPr/>
+        </p:nvSpPr>
+        <p:spPr>
+          <a:xfrm>
+            <a:off x="437913" y="3728160"/>
+            <a:ext cx="1291843" cy="448912"/>
+          </a:xfrm>
+          <a:prstGeom prst="rect">
+            <a:avLst/>
+          </a:prstGeom>
+          <a:solidFill>
+            <a:schemeClr val="tx2"/>
+          </a:solidFill>
+          <a:ln>
+            <a:noFill/>
+          </a:ln>
+          <a:effectLst/>
+        </p:spPr>
+        <p:style>
+          <a:lnRef idx="1">
+            <a:schemeClr val="accent1"/>
+          </a:lnRef>
+          <a:fillRef idx="3">
+            <a:schemeClr val="accent1"/>
+          </a:fillRef>
+          <a:effectRef idx="2">
+            <a:schemeClr val="accent1"/>
+          </a:effectRef>
+          <a:fontRef idx="minor">
+            <a:schemeClr val="lt1"/>
+          </a:fontRef>
+        </p:style>
+        <p:txBody>
+          <a:bodyPr rtlCol="0" anchor="ctr"/>
+          <a:lstStyle/>
+          <a:p>
+            <a:pPr algn="ctr"/>
+            <a:r>
+              <a:rPr lang="en-US" dirty="0" smtClean="0"/>
+              <a:t>Client</a:t>
+            </a:r>
+            <a:endParaRPr lang="en-US" dirty="0"/>
+          </a:p>
+        </p:txBody>
+      </p:sp>
+      <p:sp>
+        <p:nvSpPr>
+          <p:cNvPr id="8" name="Rectangle 7"/>
+          <p:cNvSpPr/>
+          <p:nvPr/>
+        </p:nvSpPr>
+        <p:spPr>
+          <a:xfrm>
+            <a:off x="437913" y="3279248"/>
+            <a:ext cx="1291843" cy="448912"/>
+          </a:xfrm>
+          <a:prstGeom prst="rect">
+            <a:avLst/>
+          </a:prstGeom>
+          <a:solidFill>
+            <a:schemeClr val="tx2"/>
+          </a:solidFill>
+          <a:ln>
+            <a:noFill/>
+          </a:ln>
+          <a:effectLst/>
+        </p:spPr>
+        <p:style>
+          <a:lnRef idx="1">
+            <a:schemeClr val="accent1"/>
+          </a:lnRef>
+          <a:fillRef idx="3">
+            <a:schemeClr val="accent1"/>
+          </a:fillRef>
+          <a:effectRef idx="2">
+            <a:schemeClr val="accent1"/>
+          </a:effectRef>
+          <a:fontRef idx="minor">
+            <a:schemeClr val="lt1"/>
+          </a:fontRef>
+        </p:style>
+        <p:txBody>
+          <a:bodyPr rtlCol="0" anchor="ctr"/>
+          <a:lstStyle/>
+          <a:p>
+            <a:pPr algn="ctr"/>
+            <a:r>
+              <a:rPr lang="en-US" dirty="0" smtClean="0"/>
+              <a:t>Client</a:t>
+            </a:r>
+            <a:endParaRPr lang="en-US" dirty="0"/>
+          </a:p>
+        </p:txBody>
+      </p:sp>
+      <p:sp>
+        <p:nvSpPr>
+          <p:cNvPr id="9" name="Rectangle 8"/>
+          <p:cNvSpPr/>
+          <p:nvPr/>
+        </p:nvSpPr>
+        <p:spPr>
+          <a:xfrm>
+            <a:off x="2364729" y="2797489"/>
+            <a:ext cx="1839235" cy="854027"/>
+          </a:xfrm>
+          <a:prstGeom prst="rect">
+            <a:avLst/>
+          </a:prstGeom>
+          <a:solidFill>
+            <a:schemeClr val="tx2"/>
+          </a:solidFill>
+          <a:ln>
+            <a:noFill/>
+          </a:ln>
+          <a:effectLst/>
+        </p:spPr>
+        <p:style>
+          <a:lnRef idx="1">
+            <a:schemeClr val="accent1"/>
+          </a:lnRef>
+          <a:fillRef idx="3">
+            <a:schemeClr val="accent1"/>
+          </a:fillRef>
+          <a:effectRef idx="2">
+            <a:schemeClr val="accent1"/>
+          </a:effectRef>
+          <a:fontRef idx="minor">
+            <a:schemeClr val="lt1"/>
+          </a:fontRef>
+        </p:style>
+        <p:txBody>
+          <a:bodyPr rtlCol="0" anchor="ctr"/>
+          <a:lstStyle/>
+          <a:p>
+            <a:pPr algn="ctr"/>
+            <a:r>
+              <a:rPr lang="en-US" dirty="0" smtClean="0"/>
+              <a:t>Load balancing</a:t>
+            </a:r>
+            <a:endParaRPr lang="en-US" dirty="0"/>
+          </a:p>
+        </p:txBody>
+      </p:sp>
+      <p:sp>
+        <p:nvSpPr>
+          <p:cNvPr id="11" name="Rectangle 10"/>
+          <p:cNvSpPr/>
+          <p:nvPr/>
+        </p:nvSpPr>
+        <p:spPr>
+          <a:xfrm>
+            <a:off x="5111763" y="1795650"/>
+            <a:ext cx="1839235" cy="854027"/>
+          </a:xfrm>
+          <a:prstGeom prst="rect">
+            <a:avLst/>
+          </a:prstGeom>
+          <a:solidFill>
+            <a:schemeClr val="tx2"/>
+          </a:solidFill>
+          <a:ln>
+            <a:noFill/>
+          </a:ln>
+          <a:effectLst/>
+        </p:spPr>
+        <p:style>
+          <a:lnRef idx="1">
+            <a:schemeClr val="accent1"/>
+          </a:lnRef>
+          <a:fillRef idx="3">
+            <a:schemeClr val="accent1"/>
+          </a:fillRef>
+          <a:effectRef idx="2">
+            <a:schemeClr val="accent1"/>
+          </a:effectRef>
+          <a:fontRef idx="minor">
+            <a:schemeClr val="lt1"/>
+          </a:fontRef>
+        </p:style>
+        <p:txBody>
+          <a:bodyPr rtlCol="0" anchor="ctr"/>
+          <a:lstStyle/>
+          <a:p>
+            <a:pPr algn="ctr"/>
+            <a:r>
+              <a:rPr lang="en-US" dirty="0" smtClean="0"/>
+              <a:t>App</a:t>
+            </a:r>
+            <a:endParaRPr lang="en-US" dirty="0"/>
+          </a:p>
+          <a:p>
+            <a:pPr algn="ctr"/>
+            <a:r>
+              <a:rPr lang="en-US" dirty="0" smtClean="0"/>
+              <a:t>Server</a:t>
+            </a:r>
+          </a:p>
+        </p:txBody>
+      </p:sp>
+      <p:sp>
+        <p:nvSpPr>
+          <p:cNvPr id="12" name="Rectangle 11"/>
+          <p:cNvSpPr/>
+          <p:nvPr/>
+        </p:nvSpPr>
+        <p:spPr>
+          <a:xfrm>
+            <a:off x="5111763" y="2999162"/>
+            <a:ext cx="1839235" cy="854027"/>
+          </a:xfrm>
+          <a:prstGeom prst="rect">
+            <a:avLst/>
+          </a:prstGeom>
+          <a:solidFill>
+            <a:schemeClr val="tx2"/>
+          </a:solidFill>
+          <a:ln>
+            <a:noFill/>
+          </a:ln>
+          <a:effectLst/>
+        </p:spPr>
+        <p:style>
+          <a:lnRef idx="1">
+            <a:schemeClr val="accent1"/>
+          </a:lnRef>
+          <a:fillRef idx="3">
+            <a:schemeClr val="accent1"/>
+          </a:fillRef>
+          <a:effectRef idx="2">
+            <a:schemeClr val="accent1"/>
+          </a:effectRef>
+          <a:fontRef idx="minor">
+            <a:schemeClr val="lt1"/>
+          </a:fontRef>
+        </p:style>
+        <p:txBody>
+          <a:bodyPr rtlCol="0" anchor="ctr"/>
+          <a:lstStyle/>
+          <a:p>
+            <a:pPr algn="ctr"/>
+            <a:r>
+              <a:rPr lang="en-US" dirty="0" smtClean="0"/>
+              <a:t>App</a:t>
+            </a:r>
+            <a:endParaRPr lang="en-US" dirty="0"/>
+          </a:p>
+          <a:p>
+            <a:pPr algn="ctr"/>
+            <a:r>
+              <a:rPr lang="en-US" dirty="0" smtClean="0"/>
+              <a:t>Server</a:t>
+            </a:r>
+          </a:p>
+        </p:txBody>
+      </p:sp>
+      <p:sp>
+        <p:nvSpPr>
+          <p:cNvPr id="13" name="Rectangle 12"/>
+          <p:cNvSpPr/>
+          <p:nvPr/>
+        </p:nvSpPr>
+        <p:spPr>
+          <a:xfrm>
+            <a:off x="4673851" y="4251945"/>
+            <a:ext cx="2660321" cy="1266392"/>
+          </a:xfrm>
+          <a:prstGeom prst="rect">
+            <a:avLst/>
+          </a:prstGeom>
+          <a:solidFill>
+            <a:schemeClr val="tx2"/>
+          </a:solidFill>
+          <a:ln>
+            <a:noFill/>
+          </a:ln>
+          <a:effectLst/>
+        </p:spPr>
+        <p:style>
+          <a:lnRef idx="1">
+            <a:schemeClr val="accent1"/>
+          </a:lnRef>
+          <a:fillRef idx="3">
+            <a:schemeClr val="accent1"/>
+          </a:fillRef>
+          <a:effectRef idx="2">
+            <a:schemeClr val="accent1"/>
+          </a:effectRef>
+          <a:fontRef idx="minor">
+            <a:schemeClr val="lt1"/>
+          </a:fontRef>
+        </p:style>
+        <p:txBody>
+          <a:bodyPr rtlCol="0" anchor="ctr"/>
+          <a:lstStyle/>
+          <a:p>
+            <a:pPr algn="ctr"/>
+            <a:r>
+              <a:rPr lang="en-US" dirty="0" smtClean="0"/>
+              <a:t>App</a:t>
+            </a:r>
+            <a:endParaRPr lang="en-US" dirty="0"/>
+          </a:p>
+          <a:p>
+            <a:pPr algn="ctr"/>
+            <a:r>
+              <a:rPr lang="en-US" dirty="0" smtClean="0"/>
+              <a:t>Server</a:t>
+            </a:r>
+          </a:p>
+        </p:txBody>
+      </p:sp>
+      <p:sp>
+        <p:nvSpPr>
+          <p:cNvPr id="14" name="Rectangle 13"/>
+          <p:cNvSpPr/>
+          <p:nvPr/>
+        </p:nvSpPr>
+        <p:spPr>
+          <a:xfrm>
+            <a:off x="6118964" y="4251945"/>
+            <a:ext cx="1215208" cy="361319"/>
+          </a:xfrm>
+          <a:prstGeom prst="rect">
+            <a:avLst/>
+          </a:prstGeom>
+          <a:solidFill>
+            <a:schemeClr val="accent1"/>
+          </a:solidFill>
+          <a:ln>
+            <a:noFill/>
+          </a:ln>
+          <a:effectLst/>
+        </p:spPr>
+        <p:style>
+          <a:lnRef idx="1">
+            <a:schemeClr val="accent1"/>
+          </a:lnRef>
+          <a:fillRef idx="3">
+            <a:schemeClr val="accent1"/>
+          </a:fillRef>
+          <a:effectRef idx="2">
+            <a:schemeClr val="accent1"/>
+          </a:effectRef>
+          <a:fontRef idx="minor">
+            <a:schemeClr val="lt1"/>
+          </a:fontRef>
+        </p:style>
+        <p:txBody>
+          <a:bodyPr rtlCol="0" anchor="ctr"/>
+          <a:lstStyle/>
+          <a:p>
+            <a:pPr algn="ctr"/>
+            <a:r>
+              <a:rPr lang="en-US" dirty="0" smtClean="0"/>
+              <a:t>Cache</a:t>
+            </a:r>
+          </a:p>
+        </p:txBody>
+      </p:sp>
+      <p:sp>
+        <p:nvSpPr>
+          <p:cNvPr id="15" name="Magnetic Disk 14"/>
+          <p:cNvSpPr/>
+          <p:nvPr/>
+        </p:nvSpPr>
+        <p:spPr>
+          <a:xfrm>
+            <a:off x="12239668" y="1650574"/>
+            <a:ext cx="1116678" cy="1100382"/>
+          </a:xfrm>
+          <a:prstGeom prst="flowChartMagneticDisk">
+            <a:avLst/>
+          </a:prstGeom>
+          <a:solidFill>
+            <a:schemeClr val="tx2"/>
+          </a:solidFill>
+          <a:ln>
+            <a:noFill/>
+          </a:ln>
+          <a:effectLst/>
+        </p:spPr>
+        <p:style>
+          <a:lnRef idx="1">
+            <a:schemeClr val="accent1"/>
+          </a:lnRef>
+          <a:fillRef idx="3">
+            <a:schemeClr val="accent1"/>
+          </a:fillRef>
+          <a:effectRef idx="2">
+            <a:schemeClr val="accent1"/>
+          </a:effectRef>
+          <a:fontRef idx="minor">
+            <a:schemeClr val="lt1"/>
+          </a:fontRef>
+        </p:style>
+        <p:txBody>
+          <a:bodyPr rtlCol="0" anchor="ctr"/>
+          <a:lstStyle/>
+          <a:p>
+            <a:pPr algn="ctr"/>
+            <a:r>
+              <a:rPr lang="en-US" dirty="0" smtClean="0"/>
+              <a:t>Data</a:t>
+            </a:r>
+          </a:p>
+        </p:txBody>
+      </p:sp>
+      <p:sp>
+        <p:nvSpPr>
+          <p:cNvPr id="16" name="Magnetic Disk 15"/>
+          <p:cNvSpPr/>
+          <p:nvPr/>
+        </p:nvSpPr>
+        <p:spPr>
+          <a:xfrm>
+            <a:off x="12239668" y="2627777"/>
+            <a:ext cx="1116678" cy="1100382"/>
+          </a:xfrm>
+          <a:prstGeom prst="flowChartMagneticDisk">
+            <a:avLst/>
+          </a:prstGeom>
+          <a:solidFill>
+            <a:schemeClr val="tx2"/>
+          </a:solidFill>
+          <a:ln>
+            <a:noFill/>
+          </a:ln>
+          <a:effectLst/>
+        </p:spPr>
+        <p:style>
+          <a:lnRef idx="1">
+            <a:schemeClr val="accent1"/>
+          </a:lnRef>
+          <a:fillRef idx="3">
+            <a:schemeClr val="accent1"/>
+          </a:fillRef>
+          <a:effectRef idx="2">
+            <a:schemeClr val="accent1"/>
+          </a:effectRef>
+          <a:fontRef idx="minor">
+            <a:schemeClr val="lt1"/>
+          </a:fontRef>
+        </p:style>
+        <p:txBody>
+          <a:bodyPr rtlCol="0" anchor="ctr"/>
+          <a:lstStyle/>
+          <a:p>
+            <a:pPr algn="ctr"/>
+            <a:r>
+              <a:rPr lang="en-US" dirty="0" smtClean="0"/>
+              <a:t>Data</a:t>
+            </a:r>
+          </a:p>
+        </p:txBody>
+      </p:sp>
+      <p:sp>
+        <p:nvSpPr>
+          <p:cNvPr id="17" name="Magnetic Disk 16"/>
+          <p:cNvSpPr/>
+          <p:nvPr/>
+        </p:nvSpPr>
+        <p:spPr>
+          <a:xfrm>
+            <a:off x="12271641" y="4560292"/>
+            <a:ext cx="1116678" cy="1100382"/>
+          </a:xfrm>
+          <a:prstGeom prst="flowChartMagneticDisk">
+            <a:avLst/>
+          </a:prstGeom>
+          <a:solidFill>
+            <a:schemeClr val="tx2"/>
+          </a:solidFill>
+          <a:ln>
+            <a:noFill/>
+          </a:ln>
+          <a:effectLst/>
+        </p:spPr>
+        <p:style>
+          <a:lnRef idx="1">
+            <a:schemeClr val="accent1"/>
+          </a:lnRef>
+          <a:fillRef idx="3">
+            <a:schemeClr val="accent1"/>
+          </a:fillRef>
+          <a:effectRef idx="2">
+            <a:schemeClr val="accent1"/>
+          </a:effectRef>
+          <a:fontRef idx="minor">
+            <a:schemeClr val="lt1"/>
+          </a:fontRef>
+        </p:style>
+        <p:txBody>
+          <a:bodyPr rtlCol="0" anchor="ctr"/>
+          <a:lstStyle/>
+          <a:p>
+            <a:pPr algn="ctr"/>
+            <a:r>
+              <a:rPr lang="en-US" dirty="0" smtClean="0"/>
+              <a:t>Data</a:t>
+            </a:r>
+          </a:p>
+        </p:txBody>
+      </p:sp>
+      <p:sp>
+        <p:nvSpPr>
+          <p:cNvPr id="18" name="Magnetic Disk 17"/>
+          <p:cNvSpPr/>
+          <p:nvPr/>
+        </p:nvSpPr>
+        <p:spPr>
+          <a:xfrm>
+            <a:off x="12271641" y="3606833"/>
+            <a:ext cx="1116678" cy="1100382"/>
+          </a:xfrm>
+          <a:prstGeom prst="flowChartMagneticDisk">
+            <a:avLst/>
+          </a:prstGeom>
+          <a:solidFill>
+            <a:schemeClr val="tx2"/>
+          </a:solidFill>
+          <a:ln>
+            <a:noFill/>
+          </a:ln>
+          <a:effectLst/>
+        </p:spPr>
+        <p:style>
+          <a:lnRef idx="1">
+            <a:schemeClr val="accent1"/>
+          </a:lnRef>
+          <a:fillRef idx="3">
+            <a:schemeClr val="accent1"/>
+          </a:fillRef>
+          <a:effectRef idx="2">
+            <a:schemeClr val="accent1"/>
+          </a:effectRef>
+          <a:fontRef idx="minor">
+            <a:schemeClr val="lt1"/>
+          </a:fontRef>
+        </p:style>
+        <p:txBody>
+          <a:bodyPr rtlCol="0" anchor="ctr"/>
+          <a:lstStyle/>
+          <a:p>
+            <a:pPr algn="ctr"/>
+            <a:r>
+              <a:rPr lang="en-US" dirty="0" smtClean="0"/>
+              <a:t>Data</a:t>
+            </a:r>
+          </a:p>
+        </p:txBody>
+      </p:sp>
+      <p:sp>
+        <p:nvSpPr>
+          <p:cNvPr id="20" name="Rectangle 19"/>
+          <p:cNvSpPr/>
+          <p:nvPr/>
+        </p:nvSpPr>
+        <p:spPr>
+          <a:xfrm>
+            <a:off x="8459188" y="1223560"/>
+            <a:ext cx="1839235" cy="854027"/>
+          </a:xfrm>
+          <a:prstGeom prst="rect">
+            <a:avLst/>
+          </a:prstGeom>
+          <a:solidFill>
+            <a:schemeClr val="tx2"/>
+          </a:solidFill>
+          <a:ln>
+            <a:noFill/>
+          </a:ln>
+          <a:effectLst/>
+        </p:spPr>
+        <p:style>
+          <a:lnRef idx="1">
+            <a:schemeClr val="accent1"/>
+          </a:lnRef>
+          <a:fillRef idx="3">
+            <a:schemeClr val="accent1"/>
+          </a:fillRef>
+          <a:effectRef idx="2">
+            <a:schemeClr val="accent1"/>
+          </a:effectRef>
+          <a:fontRef idx="minor">
+            <a:schemeClr val="lt1"/>
+          </a:fontRef>
+        </p:style>
+        <p:txBody>
+          <a:bodyPr rtlCol="0" anchor="ctr"/>
+          <a:lstStyle/>
+          <a:p>
+            <a:pPr algn="ctr"/>
+            <a:r>
+              <a:rPr lang="en-US" dirty="0" smtClean="0"/>
+              <a:t>Services</a:t>
+            </a:r>
+          </a:p>
+        </p:txBody>
+      </p:sp>
+      <p:sp>
+        <p:nvSpPr>
+          <p:cNvPr id="21" name="Rectangle 20"/>
+          <p:cNvSpPr/>
+          <p:nvPr/>
+        </p:nvSpPr>
+        <p:spPr>
+          <a:xfrm>
+            <a:off x="8444760" y="2627777"/>
+            <a:ext cx="1839235" cy="854027"/>
+          </a:xfrm>
+          <a:prstGeom prst="rect">
+            <a:avLst/>
+          </a:prstGeom>
+          <a:solidFill>
+            <a:schemeClr val="tx2"/>
+          </a:solidFill>
+          <a:ln>
+            <a:noFill/>
+          </a:ln>
+          <a:effectLst/>
+        </p:spPr>
+        <p:style>
+          <a:lnRef idx="1">
+            <a:schemeClr val="accent1"/>
+          </a:lnRef>
+          <a:fillRef idx="3">
+            <a:schemeClr val="accent1"/>
+          </a:fillRef>
+          <a:effectRef idx="2">
+            <a:schemeClr val="accent1"/>
+          </a:effectRef>
+          <a:fontRef idx="minor">
+            <a:schemeClr val="lt1"/>
+          </a:fontRef>
+        </p:style>
+        <p:txBody>
+          <a:bodyPr rtlCol="0" anchor="ctr"/>
+          <a:lstStyle/>
+          <a:p>
+            <a:pPr algn="ctr"/>
+            <a:r>
+              <a:rPr lang="en-US" dirty="0" smtClean="0"/>
+              <a:t>Services</a:t>
+            </a:r>
+          </a:p>
+        </p:txBody>
+      </p:sp>
+      <p:sp>
+        <p:nvSpPr>
+          <p:cNvPr id="22" name="Rectangle 21"/>
+          <p:cNvSpPr/>
+          <p:nvPr/>
+        </p:nvSpPr>
+        <p:spPr>
+          <a:xfrm>
+            <a:off x="8459188" y="4177072"/>
+            <a:ext cx="1839235" cy="854027"/>
+          </a:xfrm>
+          <a:prstGeom prst="rect">
+            <a:avLst/>
+          </a:prstGeom>
+          <a:solidFill>
+            <a:schemeClr val="tx2"/>
+          </a:solidFill>
+          <a:ln>
+            <a:noFill/>
+          </a:ln>
+          <a:effectLst/>
+        </p:spPr>
+        <p:style>
+          <a:lnRef idx="1">
+            <a:schemeClr val="accent1"/>
+          </a:lnRef>
+          <a:fillRef idx="3">
+            <a:schemeClr val="accent1"/>
+          </a:fillRef>
+          <a:effectRef idx="2">
+            <a:schemeClr val="accent1"/>
+          </a:effectRef>
+          <a:fontRef idx="minor">
+            <a:schemeClr val="lt1"/>
+          </a:fontRef>
+        </p:style>
+        <p:txBody>
+          <a:bodyPr rtlCol="0" anchor="ctr"/>
+          <a:lstStyle/>
+          <a:p>
+            <a:pPr algn="ctr"/>
+            <a:r>
+              <a:rPr lang="en-US" dirty="0" smtClean="0"/>
+              <a:t>Services</a:t>
+            </a:r>
+          </a:p>
+        </p:txBody>
+      </p:sp>
+      <p:cxnSp>
+        <p:nvCxnSpPr>
+          <p:cNvPr id="25" name="Straight Arrow Connector 24"/>
+          <p:cNvCxnSpPr/>
+          <p:nvPr/>
+        </p:nvCxnSpPr>
+        <p:spPr>
+          <a:xfrm>
+            <a:off x="1729756" y="2277409"/>
+            <a:ext cx="634973" cy="596724"/>
+          </a:xfrm>
+          <a:prstGeom prst="straightConnector1">
+            <a:avLst/>
+          </a:prstGeom>
+          <a:ln w="6350">
+            <a:solidFill>
+              <a:schemeClr val="tx1"/>
+            </a:solidFill>
+            <a:tailEnd type="arrow"/>
+          </a:ln>
+          <a:effectLst/>
+        </p:spPr>
+        <p:style>
+          <a:lnRef idx="2">
+            <a:schemeClr val="accent1"/>
+          </a:lnRef>
+          <a:fillRef idx="0">
+            <a:schemeClr val="accent1"/>
+          </a:fillRef>
+          <a:effectRef idx="1">
+            <a:schemeClr val="accent1"/>
+          </a:effectRef>
+          <a:fontRef idx="minor">
+            <a:schemeClr val="tx1"/>
+          </a:fontRef>
+        </p:style>
+      </p:cxnSp>
+      <p:cxnSp>
+        <p:nvCxnSpPr>
+          <p:cNvPr id="27" name="Straight Arrow Connector 26"/>
+          <p:cNvCxnSpPr>
+            <a:stCxn id="5" idx="3"/>
+          </p:cNvCxnSpPr>
+          <p:nvPr/>
+        </p:nvCxnSpPr>
+        <p:spPr>
+          <a:xfrm>
+            <a:off x="1729756" y="2775592"/>
+            <a:ext cx="634973" cy="224456"/>
+          </a:xfrm>
+          <a:prstGeom prst="straightConnector1">
+            <a:avLst/>
+          </a:prstGeom>
+          <a:ln w="6350">
+            <a:solidFill>
+              <a:schemeClr val="tx1"/>
+            </a:solidFill>
+            <a:tailEnd type="arrow"/>
+          </a:ln>
+          <a:effectLst/>
+        </p:spPr>
+        <p:style>
+          <a:lnRef idx="2">
+            <a:schemeClr val="accent1"/>
+          </a:lnRef>
+          <a:fillRef idx="0">
+            <a:schemeClr val="accent1"/>
+          </a:fillRef>
+          <a:effectRef idx="1">
+            <a:schemeClr val="accent1"/>
+          </a:effectRef>
+          <a:fontRef idx="minor">
+            <a:schemeClr val="tx1"/>
+          </a:fontRef>
+        </p:style>
+      </p:cxnSp>
+      <p:cxnSp>
+        <p:nvCxnSpPr>
+          <p:cNvPr id="29" name="Straight Arrow Connector 28"/>
+          <p:cNvCxnSpPr>
+            <a:stCxn id="6" idx="3"/>
+          </p:cNvCxnSpPr>
+          <p:nvPr/>
+        </p:nvCxnSpPr>
+        <p:spPr>
+          <a:xfrm>
+            <a:off x="1729756" y="3098589"/>
+            <a:ext cx="634973" cy="1"/>
+          </a:xfrm>
+          <a:prstGeom prst="straightConnector1">
+            <a:avLst/>
+          </a:prstGeom>
+          <a:ln w="6350">
+            <a:solidFill>
+              <a:schemeClr val="tx1"/>
+            </a:solidFill>
+            <a:tailEnd type="arrow"/>
+          </a:ln>
+          <a:effectLst/>
+        </p:spPr>
+        <p:style>
+          <a:lnRef idx="2">
+            <a:schemeClr val="accent1"/>
+          </a:lnRef>
+          <a:fillRef idx="0">
+            <a:schemeClr val="accent1"/>
+          </a:fillRef>
+          <a:effectRef idx="1">
+            <a:schemeClr val="accent1"/>
+          </a:effectRef>
+          <a:fontRef idx="minor">
+            <a:schemeClr val="tx1"/>
+          </a:fontRef>
+        </p:style>
+      </p:cxnSp>
+      <p:cxnSp>
+        <p:nvCxnSpPr>
+          <p:cNvPr id="31" name="Straight Arrow Connector 30"/>
+          <p:cNvCxnSpPr>
+            <a:stCxn id="8" idx="3"/>
+            <a:endCxn id="9" idx="1"/>
+          </p:cNvCxnSpPr>
+          <p:nvPr/>
+        </p:nvCxnSpPr>
+        <p:spPr>
+          <a:xfrm flipV="1">
+            <a:off x="1729756" y="3224503"/>
+            <a:ext cx="634973" cy="279201"/>
+          </a:xfrm>
+          <a:prstGeom prst="straightConnector1">
+            <a:avLst/>
+          </a:prstGeom>
+          <a:ln w="6350">
+            <a:solidFill>
+              <a:schemeClr val="tx1"/>
+            </a:solidFill>
+            <a:tailEnd type="arrow"/>
+          </a:ln>
+          <a:effectLst/>
+        </p:spPr>
+        <p:style>
+          <a:lnRef idx="2">
+            <a:schemeClr val="accent1"/>
+          </a:lnRef>
+          <a:fillRef idx="0">
+            <a:schemeClr val="accent1"/>
+          </a:fillRef>
+          <a:effectRef idx="1">
+            <a:schemeClr val="accent1"/>
+          </a:effectRef>
+          <a:fontRef idx="minor">
+            <a:schemeClr val="tx1"/>
+          </a:fontRef>
+        </p:style>
+      </p:cxnSp>
+      <p:cxnSp>
+        <p:nvCxnSpPr>
+          <p:cNvPr id="34" name="Straight Arrow Connector 33"/>
+          <p:cNvCxnSpPr>
+            <a:stCxn id="7" idx="3"/>
+          </p:cNvCxnSpPr>
+          <p:nvPr/>
+        </p:nvCxnSpPr>
+        <p:spPr>
+          <a:xfrm flipV="1">
+            <a:off x="1729756" y="3481804"/>
+            <a:ext cx="634973" cy="470812"/>
+          </a:xfrm>
+          <a:prstGeom prst="straightConnector1">
+            <a:avLst/>
+          </a:prstGeom>
+          <a:ln w="6350">
+            <a:solidFill>
+              <a:schemeClr val="tx1"/>
+            </a:solidFill>
+            <a:tailEnd type="arrow"/>
+          </a:ln>
+          <a:effectLst/>
+        </p:spPr>
+        <p:style>
+          <a:lnRef idx="2">
+            <a:schemeClr val="accent1"/>
+          </a:lnRef>
+          <a:fillRef idx="0">
+            <a:schemeClr val="accent1"/>
+          </a:fillRef>
+          <a:effectRef idx="1">
+            <a:schemeClr val="accent1"/>
+          </a:effectRef>
+          <a:fontRef idx="minor">
+            <a:schemeClr val="tx1"/>
+          </a:fontRef>
+        </p:style>
+      </p:cxnSp>
+      <p:cxnSp>
+        <p:nvCxnSpPr>
+          <p:cNvPr id="36" name="Straight Arrow Connector 35"/>
+          <p:cNvCxnSpPr>
+            <a:stCxn id="9" idx="3"/>
+            <a:endCxn id="11" idx="1"/>
+          </p:cNvCxnSpPr>
+          <p:nvPr/>
+        </p:nvCxnSpPr>
+        <p:spPr>
+          <a:xfrm flipV="1">
+            <a:off x="4203964" y="2222664"/>
+            <a:ext cx="907799" cy="1001839"/>
+          </a:xfrm>
+          <a:prstGeom prst="straightConnector1">
+            <a:avLst/>
+          </a:prstGeom>
+          <a:ln w="6350">
+            <a:solidFill>
+              <a:schemeClr val="tx1"/>
+            </a:solidFill>
+            <a:tailEnd type="arrow"/>
+          </a:ln>
+          <a:effectLst/>
+        </p:spPr>
+        <p:style>
+          <a:lnRef idx="2">
+            <a:schemeClr val="accent1"/>
+          </a:lnRef>
+          <a:fillRef idx="0">
+            <a:schemeClr val="accent1"/>
+          </a:fillRef>
+          <a:effectRef idx="1">
+            <a:schemeClr val="accent1"/>
+          </a:effectRef>
+          <a:fontRef idx="minor">
+            <a:schemeClr val="tx1"/>
+          </a:fontRef>
+        </p:style>
+      </p:cxnSp>
+      <p:cxnSp>
+        <p:nvCxnSpPr>
+          <p:cNvPr id="38" name="Straight Arrow Connector 37"/>
+          <p:cNvCxnSpPr>
+            <a:stCxn id="9" idx="3"/>
+          </p:cNvCxnSpPr>
+          <p:nvPr/>
+        </p:nvCxnSpPr>
+        <p:spPr>
+          <a:xfrm>
+            <a:off x="4203964" y="3224503"/>
+            <a:ext cx="907799" cy="0"/>
+          </a:xfrm>
+          <a:prstGeom prst="straightConnector1">
+            <a:avLst/>
+          </a:prstGeom>
+          <a:ln w="6350">
+            <a:solidFill>
+              <a:schemeClr val="tx1"/>
+            </a:solidFill>
+            <a:tailEnd type="arrow"/>
+          </a:ln>
+          <a:effectLst/>
+        </p:spPr>
+        <p:style>
+          <a:lnRef idx="2">
+            <a:schemeClr val="accent1"/>
+          </a:lnRef>
+          <a:fillRef idx="0">
+            <a:schemeClr val="accent1"/>
+          </a:fillRef>
+          <a:effectRef idx="1">
+            <a:schemeClr val="accent1"/>
+          </a:effectRef>
+          <a:fontRef idx="minor">
+            <a:schemeClr val="tx1"/>
+          </a:fontRef>
+        </p:style>
+      </p:cxnSp>
+      <p:cxnSp>
+        <p:nvCxnSpPr>
+          <p:cNvPr id="40" name="Straight Arrow Connector 39"/>
+          <p:cNvCxnSpPr>
+            <a:stCxn id="9" idx="3"/>
+          </p:cNvCxnSpPr>
+          <p:nvPr/>
+        </p:nvCxnSpPr>
+        <p:spPr>
+          <a:xfrm>
+            <a:off x="4203964" y="3224503"/>
+            <a:ext cx="907799" cy="1027442"/>
+          </a:xfrm>
+          <a:prstGeom prst="straightConnector1">
+            <a:avLst/>
+          </a:prstGeom>
+          <a:ln w="6350">
+            <a:solidFill>
+              <a:schemeClr val="tx1"/>
+            </a:solidFill>
+            <a:tailEnd type="arrow"/>
+          </a:ln>
+          <a:effectLst/>
+        </p:spPr>
+        <p:style>
+          <a:lnRef idx="2">
+            <a:schemeClr val="accent1"/>
+          </a:lnRef>
+          <a:fillRef idx="0">
+            <a:schemeClr val="accent1"/>
+          </a:fillRef>
+          <a:effectRef idx="1">
+            <a:schemeClr val="accent1"/>
+          </a:effectRef>
+          <a:fontRef idx="minor">
+            <a:schemeClr val="tx1"/>
+          </a:fontRef>
+        </p:style>
+      </p:cxnSp>
+      <p:cxnSp>
+        <p:nvCxnSpPr>
+          <p:cNvPr id="42" name="Straight Arrow Connector 41"/>
+          <p:cNvCxnSpPr>
+            <a:stCxn id="11" idx="3"/>
+            <a:endCxn id="20" idx="1"/>
+          </p:cNvCxnSpPr>
+          <p:nvPr/>
+        </p:nvCxnSpPr>
+        <p:spPr>
+          <a:xfrm flipV="1">
+            <a:off x="6950998" y="1650574"/>
+            <a:ext cx="1508190" cy="572090"/>
+          </a:xfrm>
+          <a:prstGeom prst="straightConnector1">
+            <a:avLst/>
+          </a:prstGeom>
+          <a:ln w="6350">
+            <a:solidFill>
+              <a:schemeClr val="tx1"/>
+            </a:solidFill>
+            <a:headEnd type="arrow"/>
+            <a:tailEnd type="arrow"/>
+          </a:ln>
+          <a:effectLst/>
+        </p:spPr>
+        <p:style>
+          <a:lnRef idx="2">
+            <a:schemeClr val="accent1"/>
+          </a:lnRef>
+          <a:fillRef idx="0">
+            <a:schemeClr val="accent1"/>
+          </a:fillRef>
+          <a:effectRef idx="1">
+            <a:schemeClr val="accent1"/>
+          </a:effectRef>
+          <a:fontRef idx="minor">
+            <a:schemeClr val="tx1"/>
+          </a:fontRef>
+        </p:style>
+      </p:cxnSp>
+      <p:cxnSp>
+        <p:nvCxnSpPr>
+          <p:cNvPr id="44" name="Straight Arrow Connector 43"/>
+          <p:cNvCxnSpPr/>
+          <p:nvPr/>
+        </p:nvCxnSpPr>
+        <p:spPr>
+          <a:xfrm flipV="1">
+            <a:off x="6936570" y="2887816"/>
+            <a:ext cx="1508190" cy="572090"/>
+          </a:xfrm>
+          <a:prstGeom prst="straightConnector1">
+            <a:avLst/>
+          </a:prstGeom>
+          <a:ln w="6350">
+            <a:solidFill>
+              <a:schemeClr val="tx1"/>
+            </a:solidFill>
+            <a:headEnd type="arrow"/>
+            <a:tailEnd type="arrow"/>
+          </a:ln>
+          <a:effectLst/>
+        </p:spPr>
+        <p:style>
+          <a:lnRef idx="2">
+            <a:schemeClr val="accent1"/>
+          </a:lnRef>
+          <a:fillRef idx="0">
+            <a:schemeClr val="accent1"/>
+          </a:fillRef>
+          <a:effectRef idx="1">
+            <a:schemeClr val="accent1"/>
+          </a:effectRef>
+          <a:fontRef idx="minor">
+            <a:schemeClr val="tx1"/>
+          </a:fontRef>
+        </p:style>
+      </p:cxnSp>
+      <p:cxnSp>
+        <p:nvCxnSpPr>
+          <p:cNvPr id="45" name="Straight Arrow Connector 44"/>
+          <p:cNvCxnSpPr>
+            <a:stCxn id="11" idx="3"/>
+          </p:cNvCxnSpPr>
+          <p:nvPr/>
+        </p:nvCxnSpPr>
+        <p:spPr>
+          <a:xfrm>
+            <a:off x="6950998" y="2222664"/>
+            <a:ext cx="1493762" cy="665152"/>
+          </a:xfrm>
+          <a:prstGeom prst="straightConnector1">
+            <a:avLst/>
+          </a:prstGeom>
+          <a:ln w="6350">
+            <a:solidFill>
+              <a:schemeClr val="tx1"/>
+            </a:solidFill>
+            <a:headEnd type="arrow"/>
+            <a:tailEnd type="arrow"/>
+          </a:ln>
+          <a:effectLst/>
+        </p:spPr>
+        <p:style>
+          <a:lnRef idx="2">
+            <a:schemeClr val="accent1"/>
+          </a:lnRef>
+          <a:fillRef idx="0">
+            <a:schemeClr val="accent1"/>
+          </a:fillRef>
+          <a:effectRef idx="1">
+            <a:schemeClr val="accent1"/>
+          </a:effectRef>
+          <a:fontRef idx="minor">
+            <a:schemeClr val="tx1"/>
+          </a:fontRef>
+        </p:style>
+      </p:cxnSp>
+      <p:cxnSp>
+        <p:nvCxnSpPr>
+          <p:cNvPr id="48" name="Straight Arrow Connector 47"/>
+          <p:cNvCxnSpPr/>
+          <p:nvPr/>
+        </p:nvCxnSpPr>
+        <p:spPr>
+          <a:xfrm>
+            <a:off x="10298423" y="1522378"/>
+            <a:ext cx="1941245" cy="555209"/>
+          </a:xfrm>
+          <a:prstGeom prst="straightConnector1">
+            <a:avLst/>
+          </a:prstGeom>
+          <a:ln w="6350">
+            <a:solidFill>
+              <a:schemeClr val="tx1"/>
+            </a:solidFill>
+            <a:headEnd type="arrow"/>
+            <a:tailEnd type="arrow"/>
+          </a:ln>
+          <a:effectLst/>
+        </p:spPr>
+        <p:style>
+          <a:lnRef idx="2">
+            <a:schemeClr val="accent1"/>
+          </a:lnRef>
+          <a:fillRef idx="0">
+            <a:schemeClr val="accent1"/>
+          </a:fillRef>
+          <a:effectRef idx="1">
+            <a:schemeClr val="accent1"/>
+          </a:effectRef>
+          <a:fontRef idx="minor">
+            <a:schemeClr val="tx1"/>
+          </a:fontRef>
+        </p:style>
+      </p:cxnSp>
+      <p:cxnSp>
+        <p:nvCxnSpPr>
+          <p:cNvPr id="50" name="Straight Arrow Connector 49"/>
+          <p:cNvCxnSpPr>
+            <a:endCxn id="18" idx="2"/>
+          </p:cNvCxnSpPr>
+          <p:nvPr/>
+        </p:nvCxnSpPr>
+        <p:spPr>
+          <a:xfrm flipV="1">
+            <a:off x="10298423" y="4157024"/>
+            <a:ext cx="1973218" cy="523303"/>
+          </a:xfrm>
+          <a:prstGeom prst="straightConnector1">
+            <a:avLst/>
+          </a:prstGeom>
+          <a:ln w="6350">
+            <a:solidFill>
+              <a:schemeClr val="tx1"/>
+            </a:solidFill>
+            <a:headEnd type="arrow"/>
+            <a:tailEnd type="arrow"/>
+          </a:ln>
+          <a:effectLst/>
+        </p:spPr>
+        <p:style>
+          <a:lnRef idx="2">
+            <a:schemeClr val="accent1"/>
+          </a:lnRef>
+          <a:fillRef idx="0">
+            <a:schemeClr val="accent1"/>
+          </a:fillRef>
+          <a:effectRef idx="1">
+            <a:schemeClr val="accent1"/>
+          </a:effectRef>
+          <a:fontRef idx="minor">
+            <a:schemeClr val="tx1"/>
+          </a:fontRef>
+        </p:style>
+      </p:cxnSp>
+      <p:cxnSp>
+        <p:nvCxnSpPr>
+          <p:cNvPr id="52" name="Straight Arrow Connector 51"/>
+          <p:cNvCxnSpPr/>
+          <p:nvPr/>
+        </p:nvCxnSpPr>
+        <p:spPr>
+          <a:xfrm>
+            <a:off x="10283995" y="1518045"/>
+            <a:ext cx="1987646" cy="1761203"/>
+          </a:xfrm>
+          <a:prstGeom prst="straightConnector1">
+            <a:avLst/>
+          </a:prstGeom>
+          <a:ln w="6350">
+            <a:solidFill>
+              <a:schemeClr val="tx1"/>
+            </a:solidFill>
+            <a:headEnd type="arrow"/>
+            <a:tailEnd type="arrow"/>
+          </a:ln>
+          <a:effectLst/>
+        </p:spPr>
+        <p:style>
+          <a:lnRef idx="2">
+            <a:schemeClr val="accent1"/>
+          </a:lnRef>
+          <a:fillRef idx="0">
+            <a:schemeClr val="accent1"/>
+          </a:fillRef>
+          <a:effectRef idx="1">
+            <a:schemeClr val="accent1"/>
+          </a:effectRef>
+          <a:fontRef idx="minor">
+            <a:schemeClr val="tx1"/>
+          </a:fontRef>
+        </p:style>
+      </p:cxnSp>
+      <p:sp>
+        <p:nvSpPr>
+          <p:cNvPr id="55" name="Multidocument 54"/>
+          <p:cNvSpPr/>
+          <p:nvPr/>
+        </p:nvSpPr>
+        <p:spPr>
+          <a:xfrm>
+            <a:off x="8459188" y="5956299"/>
+            <a:ext cx="1503839" cy="875924"/>
+          </a:xfrm>
+          <a:prstGeom prst="flowChartMultidocument">
+            <a:avLst/>
+          </a:prstGeom>
+          <a:solidFill>
+            <a:schemeClr val="tx2"/>
+          </a:solidFill>
+          <a:ln>
+            <a:noFill/>
+          </a:ln>
+          <a:effectLst/>
+        </p:spPr>
+        <p:style>
+          <a:lnRef idx="1">
+            <a:schemeClr val="accent1"/>
+          </a:lnRef>
+          <a:fillRef idx="3">
+            <a:schemeClr val="accent1"/>
+          </a:fillRef>
+          <a:effectRef idx="2">
+            <a:schemeClr val="accent1"/>
+          </a:effectRef>
+          <a:fontRef idx="minor">
+            <a:schemeClr val="lt1"/>
+          </a:fontRef>
+        </p:style>
+        <p:txBody>
+          <a:bodyPr rtlCol="0" anchor="ctr"/>
+          <a:lstStyle/>
+          <a:p>
+            <a:pPr algn="ctr"/>
+            <a:r>
+              <a:rPr lang="en-US" dirty="0" smtClean="0"/>
+              <a:t>Queue</a:t>
+            </a:r>
+          </a:p>
+        </p:txBody>
+      </p:sp>
+      <p:cxnSp>
+        <p:nvCxnSpPr>
+          <p:cNvPr id="57" name="Straight Arrow Connector 56"/>
+          <p:cNvCxnSpPr/>
+          <p:nvPr/>
+        </p:nvCxnSpPr>
+        <p:spPr>
+          <a:xfrm>
+            <a:off x="7334172" y="5031099"/>
+            <a:ext cx="1325558" cy="925200"/>
+          </a:xfrm>
+          <a:prstGeom prst="straightConnector1">
+            <a:avLst/>
+          </a:prstGeom>
+          <a:ln w="6350">
+            <a:solidFill>
+              <a:schemeClr val="tx1"/>
+            </a:solidFill>
+            <a:tailEnd type="arrow"/>
+          </a:ln>
+          <a:effectLst/>
+        </p:spPr>
+        <p:style>
+          <a:lnRef idx="2">
+            <a:schemeClr val="accent1"/>
+          </a:lnRef>
+          <a:fillRef idx="0">
+            <a:schemeClr val="accent1"/>
+          </a:fillRef>
+          <a:effectRef idx="1">
+            <a:schemeClr val="accent1"/>
+          </a:effectRef>
+          <a:fontRef idx="minor">
+            <a:schemeClr val="tx1"/>
+          </a:fontRef>
+        </p:style>
+      </p:cxnSp>
+      <p:cxnSp>
+        <p:nvCxnSpPr>
+          <p:cNvPr id="59" name="Straight Arrow Connector 58"/>
+          <p:cNvCxnSpPr>
+            <a:stCxn id="22" idx="2"/>
+          </p:cNvCxnSpPr>
+          <p:nvPr/>
+        </p:nvCxnSpPr>
+        <p:spPr>
+          <a:xfrm>
+            <a:off x="9378806" y="5031099"/>
+            <a:ext cx="36324" cy="925200"/>
+          </a:xfrm>
+          <a:prstGeom prst="straightConnector1">
+            <a:avLst/>
+          </a:prstGeom>
+          <a:ln w="6350">
+            <a:solidFill>
+              <a:schemeClr val="tx1"/>
+            </a:solidFill>
+            <a:tailEnd type="arrow"/>
+          </a:ln>
+          <a:effectLst/>
+        </p:spPr>
+        <p:style>
+          <a:lnRef idx="2">
+            <a:schemeClr val="accent1"/>
+          </a:lnRef>
+          <a:fillRef idx="0">
+            <a:schemeClr val="accent1"/>
+          </a:fillRef>
+          <a:effectRef idx="1">
+            <a:schemeClr val="accent1"/>
+          </a:effectRef>
+          <a:fontRef idx="minor">
+            <a:schemeClr val="tx1"/>
+          </a:fontRef>
+        </p:style>
+      </p:cxnSp>
+      <p:cxnSp>
+        <p:nvCxnSpPr>
+          <p:cNvPr id="61" name="Straight Arrow Connector 60"/>
+          <p:cNvCxnSpPr>
+            <a:stCxn id="55" idx="3"/>
+          </p:cNvCxnSpPr>
+          <p:nvPr/>
+        </p:nvCxnSpPr>
+        <p:spPr>
+          <a:xfrm flipV="1">
+            <a:off x="9963027" y="4251945"/>
+            <a:ext cx="2308614" cy="2142316"/>
+          </a:xfrm>
+          <a:prstGeom prst="straightConnector1">
+            <a:avLst/>
+          </a:prstGeom>
+          <a:ln w="6350">
+            <a:solidFill>
+              <a:schemeClr val="tx1"/>
+            </a:solidFill>
+            <a:tailEnd type="arrow"/>
+          </a:ln>
+          <a:effectLst/>
+        </p:spPr>
+        <p:style>
+          <a:lnRef idx="2">
+            <a:schemeClr val="accent1"/>
+          </a:lnRef>
+          <a:fillRef idx="0">
+            <a:schemeClr val="accent1"/>
+          </a:fillRef>
+          <a:effectRef idx="1">
+            <a:schemeClr val="accent1"/>
+          </a:effectRef>
+          <a:fontRef idx="minor">
+            <a:schemeClr val="tx1"/>
+          </a:fontRef>
+        </p:style>
+      </p:cxnSp>
+      <p:cxnSp>
+        <p:nvCxnSpPr>
+          <p:cNvPr id="62" name="Straight Arrow Connector 61"/>
+          <p:cNvCxnSpPr>
+            <a:stCxn id="55" idx="3"/>
+            <a:endCxn id="17" idx="2"/>
+          </p:cNvCxnSpPr>
+          <p:nvPr/>
+        </p:nvCxnSpPr>
+        <p:spPr>
+          <a:xfrm flipV="1">
+            <a:off x="9963027" y="5110483"/>
+            <a:ext cx="2308614" cy="1283778"/>
+          </a:xfrm>
+          <a:prstGeom prst="straightConnector1">
+            <a:avLst/>
+          </a:prstGeom>
+          <a:ln w="6350">
+            <a:solidFill>
+              <a:schemeClr val="tx1"/>
+            </a:solidFill>
+            <a:tailEnd type="arrow"/>
+          </a:ln>
+          <a:effectLst/>
+        </p:spPr>
+        <p:style>
+          <a:lnRef idx="2">
+            <a:schemeClr val="accent1"/>
+          </a:lnRef>
+          <a:fillRef idx="0">
+            <a:schemeClr val="accent1"/>
+          </a:fillRef>
+          <a:effectRef idx="1">
+            <a:schemeClr val="accent1"/>
+          </a:effectRef>
+          <a:fontRef idx="minor">
+            <a:schemeClr val="tx1"/>
+          </a:fontRef>
+        </p:style>
+      </p:cxnSp>
     </p:spTree>
     <p:extLst>
       <p:ext uri="{BB962C8B-B14F-4D97-AF65-F5344CB8AC3E}">
-        <p14:creationId xmlns:p14="http://schemas.microsoft.com/office/powerpoint/2010/main" val="41582812"/>
+        <p14:creationId xmlns:p14="http://schemas.microsoft.com/office/powerpoint/2010/main" val="1112827948"/>
       </p:ext>
     </p:extLst>
   </p:cSld>
@@ -3785,98 +3850,46 @@
           <a:p>
             <a:r>
               <a:rPr lang="en-US" dirty="0" smtClean="0"/>
-              <a:t>Software Engineering</a:t>
+              <a:t>Twitter – Service Oriented Architecture (SOA)</a:t>
             </a:r>
             <a:endParaRPr lang="en-US" dirty="0"/>
           </a:p>
         </p:txBody>
       </p:sp>
-      <p:sp>
-        <p:nvSpPr>
-          <p:cNvPr id="4" name="Text Placeholder 3"/>
-          <p:cNvSpPr>
-            <a:spLocks noGrp="1"/>
-          </p:cNvSpPr>
-          <p:nvPr>
-            <p:ph type="body" sz="quarter" idx="10"/>
-          </p:nvPr>
-        </p:nvSpPr>
-        <p:spPr/>
-        <p:txBody>
-          <a:bodyPr/>
-          <a:lstStyle/>
-          <a:p>
-            <a:pPr marL="342900" indent="-342900">
-              <a:buFont typeface="Arial"/>
-              <a:buChar char="•"/>
-            </a:pPr>
-            <a:r>
-              <a:rPr lang="en-US" dirty="0" smtClean="0"/>
-              <a:t>There are many examples of failed software projects</a:t>
-            </a:r>
-          </a:p>
-          <a:p>
-            <a:pPr marL="852488" lvl="3" indent="-342900"/>
-            <a:r>
-              <a:rPr lang="en-US" dirty="0" smtClean="0"/>
-              <a:t>Affordable care act website</a:t>
-            </a:r>
-          </a:p>
-          <a:p>
-            <a:pPr marL="852488" lvl="3" indent="-342900"/>
-            <a:r>
-              <a:rPr lang="en-US" dirty="0" smtClean="0"/>
-              <a:t>Therac-25 radiation therapy machine killed patients because of a bug</a:t>
-            </a:r>
-          </a:p>
-          <a:p>
-            <a:pPr marL="852488" lvl="3" indent="-342900"/>
-            <a:endParaRPr lang="en-US" dirty="0"/>
-          </a:p>
-          <a:p>
-            <a:pPr marL="342900" lvl="2" indent="-342900"/>
-            <a:r>
-              <a:rPr lang="en-US" dirty="0" smtClean="0"/>
-              <a:t>Software Engineering</a:t>
-            </a:r>
-          </a:p>
-          <a:p>
-            <a:pPr marL="852488" lvl="3" indent="-342900"/>
-            <a:r>
-              <a:rPr lang="en-US" dirty="0" smtClean="0"/>
-              <a:t>Term coined in 1969. Discover more structured methods for building software.</a:t>
-            </a:r>
-          </a:p>
-          <a:p>
-            <a:pPr marL="852488" lvl="3" indent="-342900"/>
-            <a:endParaRPr lang="en-US" dirty="0" smtClean="0"/>
-          </a:p>
-          <a:p>
-            <a:pPr marL="852488" lvl="3" indent="-342900"/>
-            <a:endParaRPr lang="en-US" dirty="0"/>
-          </a:p>
-          <a:p>
-            <a:pPr marL="342900" lvl="2" indent="-342900"/>
-            <a:r>
-              <a:rPr lang="en-US" dirty="0" smtClean="0"/>
-              <a:t>Also see “Engineering Software as a Service: An Agile Approach Using Cloud Computing” by Fox and Patterson</a:t>
-            </a:r>
-            <a:endParaRPr lang="en-US" dirty="0"/>
-          </a:p>
-          <a:p>
-            <a:pPr marL="342900" lvl="2" indent="-342900"/>
-            <a:endParaRPr lang="en-US" dirty="0" smtClean="0"/>
-          </a:p>
-          <a:p>
-            <a:pPr marL="852488" lvl="3" indent="-342900"/>
-            <a:endParaRPr lang="en-US" dirty="0"/>
-          </a:p>
-        </p:txBody>
-      </p:sp>
+      <p:pic>
+        <p:nvPicPr>
+          <p:cNvPr id="4" name="Picture 3" descr="twitter.png"/>
+          <p:cNvPicPr>
+            <a:picLocks noChangeAspect="1"/>
+          </p:cNvPicPr>
+          <p:nvPr/>
+        </p:nvPicPr>
+        <p:blipFill>
+          <a:blip r:embed="rId2">
+            <a:extLst>
+              <a:ext uri="{28A0092B-C50C-407E-A947-70E740481C1C}">
+                <a14:useLocalDpi xmlns:a14="http://schemas.microsoft.com/office/drawing/2010/main" val="0"/>
+              </a:ext>
+            </a:extLst>
+          </a:blip>
+          <a:stretch>
+            <a:fillRect/>
+          </a:stretch>
+        </p:blipFill>
+        <p:spPr>
+          <a:xfrm>
+            <a:off x="3615566" y="1232650"/>
+            <a:ext cx="7399268" cy="6161848"/>
+          </a:xfrm>
+          <a:prstGeom prst="rect">
+            <a:avLst/>
+          </a:prstGeom>
+        </p:spPr>
+      </p:pic>
     </p:spTree>
     <p:extLst>
       <p:ext uri="{BB962C8B-B14F-4D97-AF65-F5344CB8AC3E}">
-        <p14:creationId xmlns:p14="http://schemas.microsoft.com/office/powerpoint/2010/main" val="3641403198"/>
+        <p14:creationId xmlns:p14="http://schemas.microsoft.com/office/powerpoint/2010/main" val="41582812"/>
       </p:ext>
     </p:extLst>
   </p:cSld>
@@ -3920,7 +3933,7 @@
           <a:p>
             <a:r>
               <a:rPr lang="en-US" dirty="0" smtClean="0"/>
-              <a:t>Waterfall – 1970s</a:t>
+              <a:t>Software Engineering</a:t>
             </a:r>
             <a:endParaRPr lang="en-US" dirty="0"/>
           </a:p>
@@ -3928,7 +3941,7 @@
       </p:sp>
       <p:sp>
         <p:nvSpPr>
-          <p:cNvPr id="5" name="Text Placeholder 4"/>
+          <p:cNvPr id="4" name="Text Placeholder 3"/>
           <p:cNvSpPr>
             <a:spLocks noGrp="1"/>
           </p:cNvSpPr>
@@ -3947,35 +3960,21 @@
             </a:pPr>
             <a:r>
               <a:rPr lang="en-US" dirty="0" smtClean="0"/>
-              <a:t>Each phase happens once</a:t>
-            </a:r>
-          </a:p>
-          <a:p>
-            <a:pPr marL="342900" indent="-342900">
-              <a:buFont typeface="Arial"/>
-              <a:buChar char="•"/>
-            </a:pPr>
-            <a:endParaRPr lang="en-US" dirty="0"/>
-          </a:p>
-          <a:p>
-            <a:pPr marL="342900" indent="-342900">
-              <a:buFont typeface="Arial"/>
-              <a:buChar char="•"/>
-            </a:pPr>
-            <a:r>
-              <a:rPr lang="en-US" dirty="0" smtClean="0"/>
-              <a:t>Good for projects that require a lot of planning</a:t>
+              <a:t>There are many examples of failed software projects</a:t>
             </a:r>
           </a:p>
           <a:p>
             <a:pPr marL="852488" lvl="3" indent="-342900"/>
             <a:r>
-              <a:rPr lang="en-US" dirty="0"/>
-              <a:t>NASA </a:t>
-            </a:r>
-            <a:r>
-              <a:rPr lang="en-US" dirty="0" smtClean="0"/>
-              <a:t>applications</a:t>
+              <a:rPr lang="en-US" dirty="0" smtClean="0"/>
+              <a:t>Affordable care act website</a:t>
+            </a:r>
+          </a:p>
+          <a:p>
+            <a:pPr marL="852488" lvl="3" indent="-342900"/>
+            <a:r>
+              <a:rPr lang="en-US" dirty="0" smtClean="0"/>
+              <a:t>Therac-25 radiation therapy machine killed patients because of a bug</a:t>
             </a:r>
           </a:p>
           <a:p>
@@ -3985,78 +3984,47 @@
           <a:p>
             <a:pPr marL="342900" lvl="2" indent="-342900"/>
             <a:r>
-              <a:rPr lang="en-US" dirty="0"/>
-              <a:t>“</a:t>
-            </a:r>
-            <a:r>
-              <a:rPr lang="en-US" i="1" dirty="0"/>
-              <a:t>Plan to throw one [implementation] away; you will, anyhow.”</a:t>
-            </a:r>
-            <a:r>
-              <a:rPr lang="en-US" dirty="0"/>
-              <a:t>  -Fred Brooks, Jr.</a:t>
-            </a:r>
-          </a:p>
-          <a:p>
-            <a:pPr marL="342900" lvl="1" indent="-342900">
-              <a:buFont typeface="Arial"/>
-              <a:buChar char="•"/>
-            </a:pPr>
+              <a:rPr lang="en-US" dirty="0" smtClean="0"/>
+              <a:t>Software Engineering</a:t>
+            </a:r>
+          </a:p>
+          <a:p>
+            <a:pPr marL="852488" lvl="3" indent="-342900"/>
+            <a:r>
+              <a:rPr lang="en-US" dirty="0" smtClean="0"/>
+              <a:t>Term coined in 1969. Discover more structured methods for building software.</a:t>
+            </a:r>
+          </a:p>
+          <a:p>
+            <a:pPr marL="852488" lvl="3" indent="-342900"/>
             <a:endParaRPr lang="en-US" dirty="0" smtClean="0"/>
           </a:p>
           <a:p>
-            <a:pPr marL="342900" indent="-342900">
-              <a:buFont typeface="Arial"/>
-              <a:buChar char="•"/>
-            </a:pPr>
-            <a:r>
-              <a:rPr lang="en-US" dirty="0" smtClean="0"/>
-              <a:t>Need user/client in the loop</a:t>
-            </a:r>
-          </a:p>
-          <a:p>
             <a:pPr marL="852488" lvl="3" indent="-342900"/>
-            <a:r>
-              <a:rPr lang="en-US" dirty="0" smtClean="0"/>
-              <a:t>Early prototypes</a:t>
-            </a:r>
-          </a:p>
-        </p:txBody>
-      </p:sp>
-      <p:pic>
-        <p:nvPicPr>
-          <p:cNvPr id="4" name="Picture 3" descr="350px-Waterfall_model.svg.png"/>
-          <p:cNvPicPr>
-            <a:picLocks noChangeAspect="1"/>
-          </p:cNvPicPr>
-          <p:nvPr/>
-        </p:nvPicPr>
-        <p:blipFill>
-          <a:blip r:embed="rId2">
-            <a:extLst>
-              <a:ext uri="{28A0092B-C50C-407E-A947-70E740481C1C}">
-                <a14:useLocalDpi xmlns:a14="http://schemas.microsoft.com/office/drawing/2010/main" val="0"/>
-              </a:ext>
-            </a:extLst>
-          </a:blip>
-          <a:stretch>
-            <a:fillRect/>
-          </a:stretch>
-        </p:blipFill>
-        <p:spPr>
-          <a:xfrm>
-            <a:off x="8505263" y="2007734"/>
-            <a:ext cx="4445000" cy="3340100"/>
-          </a:xfrm>
-          <a:prstGeom prst="rect">
-            <a:avLst/>
-          </a:prstGeom>
-        </p:spPr>
-      </p:pic>
+            <a:endParaRPr lang="en-US" dirty="0"/>
+          </a:p>
+          <a:p>
+            <a:pPr marL="342900" lvl="2" indent="-342900"/>
+            <a:r>
+              <a:rPr lang="en-US" dirty="0" smtClean="0"/>
+              <a:t>Also see “Engineering Software as a Service: An Agile Approach Using Cloud Computing” by Fox and Patterson</a:t>
+            </a:r>
+            <a:endParaRPr lang="en-US" dirty="0"/>
+          </a:p>
+          <a:p>
+            <a:pPr marL="342900" lvl="2" indent="-342900"/>
+            <a:endParaRPr lang="en-US" dirty="0" smtClean="0"/>
+          </a:p>
+          <a:p>
+            <a:pPr marL="852488" lvl="3" indent="-342900"/>
+            <a:endParaRPr lang="en-US" dirty="0"/>
+          </a:p>
+        </p:txBody>
+      </p:sp>
     </p:spTree>
     <p:extLst>
       <p:ext uri="{BB962C8B-B14F-4D97-AF65-F5344CB8AC3E}">
-        <p14:creationId xmlns:p14="http://schemas.microsoft.com/office/powerpoint/2010/main" val="568789549"/>
+        <p14:creationId xmlns:p14="http://schemas.microsoft.com/office/powerpoint/2010/main" val="3641403198"/>
       </p:ext>
     </p:extLst>
   </p:cSld>
@@ -4100,7 +4068,7 @@
           <a:p>
             <a:r>
               <a:rPr lang="en-US" dirty="0" smtClean="0"/>
-              <a:t>Spiral – 1980s</a:t>
+              <a:t>Waterfall – 1970s</a:t>
             </a:r>
             <a:endParaRPr lang="en-US" dirty="0"/>
           </a:p>
@@ -4127,7 +4095,7 @@
             </a:pPr>
             <a:r>
               <a:rPr lang="en-US" dirty="0" smtClean="0"/>
-              <a:t>Develop prototypes</a:t>
+              <a:t>Each phase happens once</a:t>
             </a:r>
           </a:p>
           <a:p>
@@ -4144,49 +4112,68 @@
             </a:pPr>
             <a:r>
               <a:rPr lang="en-US" dirty="0" smtClean="0"/>
-              <a:t>Consult client</a:t>
-            </a:r>
+              <a:t>Good for projects that require a lot of planning</a:t>
+            </a:r>
+          </a:p>
+          <a:p>
+            <a:pPr marL="852488" lvl="3" indent="-342900"/>
+            <a:r>
+              <a:rPr lang="en-US" dirty="0"/>
+              <a:t>NASA </a:t>
+            </a:r>
+            <a:r>
+              <a:rPr lang="en-US" dirty="0" smtClean="0"/>
+              <a:t>applications</a:t>
+            </a:r>
+          </a:p>
+          <a:p>
+            <a:pPr marL="852488" lvl="3" indent="-342900"/>
+            <a:endParaRPr lang="en-US" dirty="0"/>
+          </a:p>
+          <a:p>
+            <a:pPr marL="342900" lvl="2" indent="-342900"/>
+            <a:r>
+              <a:rPr lang="en-US" dirty="0"/>
+              <a:t>“</a:t>
+            </a:r>
+            <a:r>
+              <a:rPr lang="en-US" i="1" dirty="0"/>
+              <a:t>Plan to throw one [implementation] away; you will, anyhow.”</a:t>
+            </a:r>
+            <a:r>
+              <a:rPr lang="en-US" dirty="0"/>
+              <a:t>  -Fred Brooks, Jr.</a:t>
+            </a:r>
+          </a:p>
+          <a:p>
+            <a:pPr marL="342900" lvl="1" indent="-342900">
+              <a:buFont typeface="Arial"/>
+              <a:buChar char="•"/>
+            </a:pPr>
+            <a:endParaRPr lang="en-US" dirty="0" smtClean="0"/>
           </a:p>
           <a:p>
             <a:pPr marL="342900" indent="-342900">
               <a:buFont typeface="Arial"/>
               <a:buChar char="•"/>
             </a:pPr>
-            <a:endParaRPr lang="en-US" dirty="0"/>
-          </a:p>
-          <a:p>
-            <a:pPr marL="342900" indent="-342900">
-              <a:buFont typeface="Arial"/>
-              <a:buChar char="•"/>
-            </a:pPr>
-            <a:r>
-              <a:rPr lang="en-US" dirty="0" smtClean="0"/>
-              <a:t>Iterate</a:t>
-            </a:r>
-          </a:p>
-          <a:p>
-            <a:pPr marL="342900" indent="-342900">
-              <a:buFont typeface="Arial"/>
-              <a:buChar char="•"/>
-            </a:pPr>
-            <a:endParaRPr lang="en-US" dirty="0"/>
-          </a:p>
-          <a:p>
-            <a:pPr marL="342900" indent="-342900">
-              <a:buFont typeface="Arial"/>
-              <a:buChar char="•"/>
-            </a:pPr>
-            <a:r>
-              <a:rPr lang="en-US" dirty="0" smtClean="0"/>
-              <a:t>Iterations 6-24 months long</a:t>
-            </a:r>
-            <a:endParaRPr lang="en-US" dirty="0"/>
+            <a:r>
+              <a:rPr lang="en-US" dirty="0" smtClean="0"/>
+              <a:t>Need user/client in the loop</a:t>
+            </a:r>
+          </a:p>
+          <a:p>
+            <a:pPr marL="852488" lvl="3" indent="-342900"/>
+            <a:r>
+              <a:rPr lang="en-US" dirty="0" smtClean="0"/>
+              <a:t>Early prototypes</a:t>
+            </a:r>
           </a:p>
         </p:txBody>
       </p:sp>
       <p:pic>
         <p:nvPicPr>
-          <p:cNvPr id="6" name="Picture 5" descr="600px-Spiral_model_(Boehm,_1988).svg.png"/>
+          <p:cNvPr id="4" name="Picture 3" descr="350px-Waterfall_model.svg.png"/>
           <p:cNvPicPr>
             <a:picLocks noChangeAspect="1"/>
           </p:cNvPicPr>
@@ -4206,8 +4193,8 @@
         </p:blipFill>
         <p:spPr>
           <a:xfrm>
-            <a:off x="6718974" y="1345902"/>
-            <a:ext cx="6770005" cy="5641671"/>
+            <a:off x="8505263" y="2007734"/>
+            <a:ext cx="4445000" cy="3340100"/>
           </a:xfrm>
           <a:prstGeom prst="rect">
             <a:avLst/>
@@ -4217,7 +4204,7 @@
     </p:spTree>
     <p:extLst>
       <p:ext uri="{BB962C8B-B14F-4D97-AF65-F5344CB8AC3E}">
-        <p14:creationId xmlns:p14="http://schemas.microsoft.com/office/powerpoint/2010/main" val="1450698089"/>
+        <p14:creationId xmlns:p14="http://schemas.microsoft.com/office/powerpoint/2010/main" val="568789549"/>
       </p:ext>
     </p:extLst>
   </p:cSld>
@@ -4261,7 +4248,7 @@
           <a:p>
             <a:r>
               <a:rPr lang="en-US" dirty="0" smtClean="0"/>
-              <a:t>Rational Unified Process – 2003 </a:t>
+              <a:t>Spiral – 1980s</a:t>
             </a:r>
             <a:endParaRPr lang="en-US" dirty="0"/>
           </a:p>
@@ -4269,7 +4256,7 @@
       </p:sp>
       <p:sp>
         <p:nvSpPr>
-          <p:cNvPr id="4" name="Text Placeholder 3"/>
+          <p:cNvPr id="5" name="Text Placeholder 4"/>
           <p:cNvSpPr>
             <a:spLocks noGrp="1"/>
           </p:cNvSpPr>
@@ -4288,57 +4275,97 @@
             </a:pPr>
             <a:r>
               <a:rPr lang="en-US" dirty="0" smtClean="0"/>
-              <a:t>Four phases</a:t>
-            </a:r>
-          </a:p>
-          <a:p>
-            <a:pPr marL="852488" lvl="3" indent="-342900"/>
-            <a:r>
-              <a:rPr lang="en-US" dirty="0" smtClean="0"/>
-              <a:t>Inception</a:t>
-            </a:r>
-          </a:p>
-          <a:p>
-            <a:pPr marL="852488" lvl="3" indent="-342900"/>
-            <a:r>
-              <a:rPr lang="en-US" dirty="0" smtClean="0"/>
-              <a:t>Elaboration</a:t>
-            </a:r>
-          </a:p>
-          <a:p>
-            <a:pPr marL="852488" lvl="3" indent="-342900"/>
-            <a:r>
-              <a:rPr lang="en-US" dirty="0" smtClean="0"/>
-              <a:t>Construction</a:t>
-            </a:r>
-          </a:p>
-          <a:p>
-            <a:pPr marL="852488" lvl="3" indent="-342900"/>
-            <a:r>
-              <a:rPr lang="en-US" dirty="0" smtClean="0"/>
-              <a:t>Transition</a:t>
-            </a:r>
-          </a:p>
-          <a:p>
-            <a:pPr lvl="3" indent="0">
-              <a:buNone/>
+              <a:t>Develop prototypes</a:t>
+            </a:r>
+          </a:p>
+          <a:p>
+            <a:pPr marL="342900" indent="-342900">
+              <a:buFont typeface="Arial"/>
+              <a:buChar char="•"/>
             </a:pPr>
-            <a:endParaRPr lang="en-US" dirty="0" smtClean="0"/>
-          </a:p>
-          <a:p>
-            <a:pPr marL="342900" lvl="2" indent="-342900"/>
-            <a:r>
-              <a:rPr lang="en-US" dirty="0" smtClean="0"/>
-              <a:t>Each phase may have multiple iterations</a:t>
-            </a:r>
             <a:endParaRPr lang="en-US" dirty="0"/>
           </a:p>
-        </p:txBody>
-      </p:sp>
+          <a:p>
+            <a:pPr marL="342900" indent="-342900">
+              <a:buFont typeface="Arial"/>
+              <a:buChar char="•"/>
+            </a:pPr>
+            <a:r>
+              <a:rPr lang="en-US" dirty="0" smtClean="0"/>
+              <a:t>Consult client</a:t>
+            </a:r>
+          </a:p>
+          <a:p>
+            <a:pPr marL="342900" indent="-342900">
+              <a:buFont typeface="Arial"/>
+              <a:buChar char="•"/>
+            </a:pPr>
+            <a:endParaRPr lang="en-US" dirty="0"/>
+          </a:p>
+          <a:p>
+            <a:pPr marL="342900" indent="-342900">
+              <a:buFont typeface="Arial"/>
+              <a:buChar char="•"/>
+            </a:pPr>
+            <a:r>
+              <a:rPr lang="en-US" dirty="0" smtClean="0"/>
+              <a:t>Iterate</a:t>
+            </a:r>
+          </a:p>
+          <a:p>
+            <a:pPr marL="342900" indent="-342900">
+              <a:buFont typeface="Arial"/>
+              <a:buChar char="•"/>
+            </a:pPr>
+            <a:endParaRPr lang="en-US" dirty="0"/>
+          </a:p>
+          <a:p>
+            <a:pPr marL="342900" indent="-342900">
+              <a:buFont typeface="Arial"/>
+              <a:buChar char="•"/>
+            </a:pPr>
+            <a:r>
+              <a:rPr lang="en-US" dirty="0" smtClean="0"/>
+              <a:t>Iterations 6-24 months long</a:t>
+            </a:r>
+            <a:endParaRPr lang="en-US" dirty="0"/>
+          </a:p>
+        </p:txBody>
+      </p:sp>
+      <p:pic>
+        <p:nvPicPr>
+          <p:cNvPr id="6" name="Picture 5" descr="600px-Spiral_model_(Boehm,_1988).svg.png"/>
+          <p:cNvPicPr>
+            <a:picLocks noChangeAspect="1"/>
+          </p:cNvPicPr>
+          <p:nvPr/>
+        </p:nvPicPr>
+        <p:blipFill>
+          <a:blip r:embed="rId2">
+            <a:extLst>
+              <a:ext uri="{28A0092B-C50C-407E-A947-70E740481C1C}">
+                <a14:useLocalDpi xmlns:a14="http://schemas.microsoft.com/office/drawing/2010/main" val="0"/>
+              </a:ext>
+            </a:extLst>
+          </a:blip>
+          <a:stretch>
+            <a:fillRect/>
+          </a:stretch>
+        </p:blipFill>
+        <p:spPr>
+          <a:xfrm>
+            <a:off x="6718974" y="1345902"/>
+            <a:ext cx="6770005" cy="5641671"/>
+          </a:xfrm>
+          <a:prstGeom prst="rect">
+            <a:avLst/>
+          </a:prstGeom>
+        </p:spPr>
+      </p:pic>
     </p:spTree>
     <p:extLst>
       <p:ext uri="{BB962C8B-B14F-4D97-AF65-F5344CB8AC3E}">
-        <p14:creationId xmlns:p14="http://schemas.microsoft.com/office/powerpoint/2010/main" val="3949172482"/>
+        <p14:creationId xmlns:p14="http://schemas.microsoft.com/office/powerpoint/2010/main" val="1450698089"/>
       </p:ext>
     </p:extLst>
   </p:cSld>
@@ -4382,6 +4409,127 @@
           <a:p>
             <a:r>
               <a:rPr lang="en-US" dirty="0" smtClean="0"/>
+              <a:t>Rational Unified Process – 2003 </a:t>
+            </a:r>
+            <a:endParaRPr lang="en-US" dirty="0"/>
+          </a:p>
+        </p:txBody>
+      </p:sp>
+      <p:sp>
+        <p:nvSpPr>
+          <p:cNvPr id="4" name="Text Placeholder 3"/>
+          <p:cNvSpPr>
+            <a:spLocks noGrp="1"/>
+          </p:cNvSpPr>
+          <p:nvPr>
+            <p:ph type="body" sz="quarter" idx="10"/>
+          </p:nvPr>
+        </p:nvSpPr>
+        <p:spPr/>
+        <p:txBody>
+          <a:bodyPr/>
+          <a:lstStyle/>
+          <a:p>
+            <a:pPr marL="342900" indent="-342900">
+              <a:buFont typeface="Arial"/>
+              <a:buChar char="•"/>
+            </a:pPr>
+            <a:r>
+              <a:rPr lang="en-US" dirty="0" smtClean="0"/>
+              <a:t>Four phases</a:t>
+            </a:r>
+          </a:p>
+          <a:p>
+            <a:pPr marL="852488" lvl="3" indent="-342900"/>
+            <a:r>
+              <a:rPr lang="en-US" dirty="0" smtClean="0"/>
+              <a:t>Inception</a:t>
+            </a:r>
+          </a:p>
+          <a:p>
+            <a:pPr marL="852488" lvl="3" indent="-342900"/>
+            <a:r>
+              <a:rPr lang="en-US" dirty="0" smtClean="0"/>
+              <a:t>Elaboration</a:t>
+            </a:r>
+          </a:p>
+          <a:p>
+            <a:pPr marL="852488" lvl="3" indent="-342900"/>
+            <a:r>
+              <a:rPr lang="en-US" dirty="0" smtClean="0"/>
+              <a:t>Construction</a:t>
+            </a:r>
+          </a:p>
+          <a:p>
+            <a:pPr marL="852488" lvl="3" indent="-342900"/>
+            <a:r>
+              <a:rPr lang="en-US" dirty="0" smtClean="0"/>
+              <a:t>Transition</a:t>
+            </a:r>
+          </a:p>
+          <a:p>
+            <a:pPr lvl="3" indent="0">
+              <a:buNone/>
+            </a:pPr>
+            <a:endParaRPr lang="en-US" dirty="0" smtClean="0"/>
+          </a:p>
+          <a:p>
+            <a:pPr marL="342900" lvl="2" indent="-342900"/>
+            <a:r>
+              <a:rPr lang="en-US" dirty="0" smtClean="0"/>
+              <a:t>Each phase may have multiple iterations</a:t>
+            </a:r>
+            <a:endParaRPr lang="en-US" dirty="0"/>
+          </a:p>
+        </p:txBody>
+      </p:sp>
+    </p:spTree>
+    <p:extLst>
+      <p:ext uri="{BB962C8B-B14F-4D97-AF65-F5344CB8AC3E}">
+        <p14:creationId xmlns:p14="http://schemas.microsoft.com/office/powerpoint/2010/main" val="3949172482"/>
+      </p:ext>
+    </p:extLst>
+  </p:cSld>
+  <p:clrMapOvr>
+    <a:masterClrMapping/>
+  </p:clrMapOvr>
+</p:sld>
+</file>
+
+<file path=ppt/slides/slide18.xml><?xml version="1.0" encoding="utf-8"?>
+<p:sld xmlns:a="http://schemas.openxmlformats.org/drawingml/2006/main" xmlns:r="http://schemas.openxmlformats.org/officeDocument/2006/relationships" xmlns:p="http://schemas.openxmlformats.org/presentationml/2006/main">
+  <p:cSld>
+    <p:spTree>
+      <p:nvGrpSpPr>
+        <p:cNvPr id="1" name=""/>
+        <p:cNvGrpSpPr/>
+        <p:nvPr/>
+      </p:nvGrpSpPr>
+      <p:grpSpPr>
+        <a:xfrm>
+          <a:off x="0" y="0"/>
+          <a:ext cx="0" cy="0"/>
+          <a:chOff x="0" y="0"/>
+          <a:chExt cx="0" cy="0"/>
+        </a:xfrm>
+      </p:grpSpPr>
+      <p:sp>
+        <p:nvSpPr>
+          <p:cNvPr id="2" name="Title 1"/>
+          <p:cNvSpPr>
+            <a:spLocks noGrp="1"/>
+          </p:cNvSpPr>
+          <p:nvPr>
+            <p:ph type="title"/>
+          </p:nvPr>
+        </p:nvSpPr>
+        <p:spPr/>
+        <p:txBody>
+          <a:bodyPr/>
+          <a:lstStyle/>
+          <a:p>
+            <a:r>
+              <a:rPr lang="en-US" dirty="0" smtClean="0"/>
               <a:t>The Agile Manifesto – 2001 </a:t>
             </a:r>
             <a:endParaRPr lang="en-US" dirty="0"/>
@@ -4488,7 +4636,7 @@
 </p:sld>
 </file>
 
-<file path=ppt/slides/slide18.xml><?xml version="1.0" encoding="utf-8"?>
+<file path=ppt/slides/slide19.xml><?xml version="1.0" encoding="utf-8"?>
 <p:sld xmlns:a="http://schemas.openxmlformats.org/drawingml/2006/main" xmlns:r="http://schemas.openxmlformats.org/officeDocument/2006/relationships" xmlns:p="http://schemas.openxmlformats.org/presentationml/2006/main">
   <p:cSld>
     <p:spTree>
@@ -4682,8 +4830,9 @@
             <a:pPr marL="342900" lvl="2" indent="-342900"/>
             <a:r>
               <a:rPr lang="en-US" dirty="0" smtClean="0"/>
-              <a:t>Mechanics</a:t>
-            </a:r>
+              <a:t>Foundations</a:t>
+            </a:r>
+            <a:endParaRPr lang="en-US" dirty="0" smtClean="0"/>
           </a:p>
           <a:p>
             <a:pPr marL="852488" lvl="3" indent="-342900"/>
@@ -4715,10 +4864,12 @@
           </a:p>
           <a:p>
             <a:pPr marL="852488" lvl="3" indent="-342900"/>
-            <a:endParaRPr lang="en-US" dirty="0"/>
-          </a:p>
-          <a:p>
-            <a:pPr marL="342900" lvl="2" indent="-342900"/>
+            <a:endParaRPr lang="en-US" dirty="0" smtClean="0"/>
+          </a:p>
+          <a:p>
+            <a:pPr lvl="2" indent="0">
+              <a:buNone/>
+            </a:pPr>
             <a:endParaRPr lang="en-US" dirty="0" smtClean="0"/>
           </a:p>
           <a:p>
@@ -4949,7 +5100,7 @@
           <a:p>
             <a:r>
               <a:rPr lang="en-US" dirty="0" smtClean="0"/>
-              <a:t>Lab 1</a:t>
+              <a:t>Today</a:t>
             </a:r>
             <a:endParaRPr lang="en-US" dirty="0"/>
           </a:p>
@@ -4976,182 +5127,86 @@
             </a:pPr>
             <a:r>
               <a:rPr lang="en-US" dirty="0" smtClean="0"/>
-              <a:t>Practice with data structures</a:t>
-            </a:r>
+              <a:t>Introductions</a:t>
+            </a:r>
+          </a:p>
+          <a:p>
+            <a:pPr marL="342900" indent="-342900">
+              <a:buFont typeface="Arial"/>
+              <a:buChar char="•"/>
+            </a:pPr>
             <a:endParaRPr lang="en-US" dirty="0"/>
           </a:p>
-        </p:txBody>
-      </p:sp>
-      <p:sp>
-        <p:nvSpPr>
-          <p:cNvPr id="5" name="Rectangle 4"/>
-          <p:cNvSpPr/>
-          <p:nvPr/>
-        </p:nvSpPr>
-        <p:spPr>
-          <a:xfrm>
-            <a:off x="7432542" y="3423249"/>
-            <a:ext cx="2639491" cy="1225744"/>
-          </a:xfrm>
-          <a:prstGeom prst="rect">
-            <a:avLst/>
-          </a:prstGeom>
-          <a:solidFill>
-            <a:schemeClr val="tx2"/>
-          </a:solidFill>
-          <a:ln>
-            <a:noFill/>
-          </a:ln>
-          <a:effectLst/>
-        </p:spPr>
-        <p:style>
-          <a:lnRef idx="1">
-            <a:schemeClr val="accent1"/>
-          </a:lnRef>
-          <a:fillRef idx="3">
-            <a:schemeClr val="accent1"/>
-          </a:fillRef>
-          <a:effectRef idx="2">
-            <a:schemeClr val="accent1"/>
-          </a:effectRef>
-          <a:fontRef idx="minor">
-            <a:schemeClr val="lt1"/>
-          </a:fontRef>
-        </p:style>
-        <p:txBody>
-          <a:bodyPr rtlCol="0" anchor="ctr"/>
-          <a:lstStyle/>
-          <a:p>
-            <a:pPr algn="ctr"/>
-            <a:r>
-              <a:rPr lang="en-US" dirty="0" err="1" smtClean="0"/>
-              <a:t>YelpStore</a:t>
-            </a:r>
+          <a:p>
+            <a:pPr marL="342900" indent="-342900">
+              <a:buFont typeface="Arial"/>
+              <a:buChar char="•"/>
+            </a:pPr>
+            <a:r>
+              <a:rPr lang="en-US" dirty="0" smtClean="0"/>
+              <a:t>Expectations</a:t>
+            </a:r>
+          </a:p>
+          <a:p>
+            <a:pPr marL="342900" indent="-342900">
+              <a:buFont typeface="Arial"/>
+              <a:buChar char="•"/>
+            </a:pPr>
             <a:endParaRPr lang="en-US" dirty="0"/>
           </a:p>
-        </p:txBody>
-      </p:sp>
-      <p:sp>
-        <p:nvSpPr>
-          <p:cNvPr id="7" name="TextBox 6"/>
-          <p:cNvSpPr txBox="1"/>
-          <p:nvPr/>
-        </p:nvSpPr>
-        <p:spPr>
-          <a:xfrm>
-            <a:off x="3666573" y="4615864"/>
-            <a:ext cx="2512254" cy="1692771"/>
-          </a:xfrm>
-          <a:prstGeom prst="rect">
-            <a:avLst/>
-          </a:prstGeom>
-          <a:noFill/>
-        </p:spPr>
-        <p:txBody>
-          <a:bodyPr wrap="none" rtlCol="0">
-            <a:spAutoFit/>
-          </a:bodyPr>
-          <a:lstStyle/>
-          <a:p>
-            <a:r>
-              <a:rPr lang="en-US" dirty="0" smtClean="0"/>
-              <a:t>Real Yelp data</a:t>
-            </a:r>
-          </a:p>
-          <a:p>
-            <a:r>
-              <a:rPr lang="en-US" dirty="0" smtClean="0"/>
-              <a:t>	users</a:t>
-            </a:r>
-          </a:p>
-          <a:p>
-            <a:r>
-              <a:rPr lang="en-US" dirty="0"/>
-              <a:t>	</a:t>
-            </a:r>
-            <a:r>
-              <a:rPr lang="en-US" dirty="0" smtClean="0"/>
-              <a:t>businesses</a:t>
-            </a:r>
-          </a:p>
-          <a:p>
-            <a:r>
-              <a:rPr lang="en-US" dirty="0"/>
-              <a:t>	</a:t>
-            </a:r>
-            <a:r>
-              <a:rPr lang="en-US" dirty="0" smtClean="0"/>
-              <a:t>reviews</a:t>
-            </a:r>
+          <a:p>
+            <a:pPr marL="342900" indent="-342900">
+              <a:buFont typeface="Arial"/>
+              <a:buChar char="•"/>
+            </a:pPr>
+            <a:r>
+              <a:rPr lang="en-US" dirty="0" smtClean="0"/>
+              <a:t>A bit of history</a:t>
+            </a:r>
+          </a:p>
+          <a:p>
+            <a:pPr marL="342900" indent="-342900">
+              <a:buFont typeface="Arial"/>
+              <a:buChar char="•"/>
+            </a:pPr>
             <a:endParaRPr lang="en-US" dirty="0"/>
           </a:p>
-        </p:txBody>
-      </p:sp>
-      <p:cxnSp>
-        <p:nvCxnSpPr>
-          <p:cNvPr id="9" name="Curved Connector 8"/>
-          <p:cNvCxnSpPr>
-            <a:stCxn id="7" idx="0"/>
-          </p:cNvCxnSpPr>
-          <p:nvPr/>
-        </p:nvCxnSpPr>
-        <p:spPr>
-          <a:xfrm rot="5400000" flipH="1" flipV="1">
-            <a:off x="5791127" y="2974447"/>
-            <a:ext cx="772991" cy="2509844"/>
-          </a:xfrm>
-          <a:prstGeom prst="curvedConnector2">
-            <a:avLst/>
-          </a:prstGeom>
-          <a:ln w="6350">
-            <a:solidFill>
-              <a:schemeClr val="tx1"/>
-            </a:solidFill>
-            <a:tailEnd type="arrow"/>
-          </a:ln>
-          <a:effectLst/>
-        </p:spPr>
-        <p:style>
-          <a:lnRef idx="2">
-            <a:schemeClr val="accent1"/>
-          </a:lnRef>
-          <a:fillRef idx="0">
-            <a:schemeClr val="accent1"/>
-          </a:fillRef>
-          <a:effectRef idx="1">
-            <a:schemeClr val="accent1"/>
-          </a:effectRef>
-          <a:fontRef idx="minor">
-            <a:schemeClr val="tx1"/>
-          </a:fontRef>
-        </p:style>
-      </p:cxnSp>
-      <p:sp>
-        <p:nvSpPr>
-          <p:cNvPr id="12" name="TextBox 11"/>
-          <p:cNvSpPr txBox="1"/>
-          <p:nvPr/>
-        </p:nvSpPr>
-        <p:spPr>
-          <a:xfrm>
-            <a:off x="5599255" y="3500548"/>
-            <a:ext cx="901459" cy="492443"/>
-          </a:xfrm>
-          <a:prstGeom prst="rect">
-            <a:avLst/>
-          </a:prstGeom>
-          <a:noFill/>
-        </p:spPr>
-        <p:txBody>
-          <a:bodyPr wrap="none" rtlCol="0">
-            <a:spAutoFit/>
-          </a:bodyPr>
-          <a:lstStyle/>
-          <a:p>
-            <a:r>
-              <a:rPr lang="en-US" dirty="0" smtClean="0"/>
-              <a:t>write</a:t>
-            </a:r>
+          <a:p>
+            <a:pPr marL="342900" indent="-342900">
+              <a:buFont typeface="Arial"/>
+              <a:buChar char="•"/>
+            </a:pPr>
+            <a:r>
+              <a:rPr lang="en-US" dirty="0" smtClean="0"/>
+              <a:t>Java</a:t>
+            </a:r>
+          </a:p>
+          <a:p>
+            <a:pPr marL="342900" indent="-342900">
+              <a:buFont typeface="Arial"/>
+              <a:buChar char="•"/>
+            </a:pPr>
+            <a:endParaRPr lang="en-US" dirty="0"/>
+          </a:p>
+          <a:p>
+            <a:pPr marL="342900" indent="-342900">
+              <a:buFont typeface="Arial"/>
+              <a:buChar char="•"/>
+            </a:pPr>
+            <a:endParaRPr lang="en-US" dirty="0" smtClean="0"/>
+          </a:p>
+          <a:p>
+            <a:pPr marL="342900" indent="-342900">
+              <a:buFont typeface="Arial"/>
+              <a:buChar char="•"/>
+            </a:pPr>
+            <a:endParaRPr lang="en-US" dirty="0" smtClean="0"/>
+          </a:p>
+          <a:p>
+            <a:pPr marL="342900" indent="-342900">
+              <a:buFont typeface="Arial"/>
+              <a:buChar char="•"/>
+            </a:pPr>
             <a:endParaRPr lang="en-US" dirty="0"/>
           </a:p>
         </p:txBody>
@@ -5159,7 +5214,7 @@
     </p:spTree>
     <p:extLst>
       <p:ext uri="{BB962C8B-B14F-4D97-AF65-F5344CB8AC3E}">
-        <p14:creationId xmlns:p14="http://schemas.microsoft.com/office/powerpoint/2010/main" val="3878193421"/>
+        <p14:creationId xmlns:p14="http://schemas.microsoft.com/office/powerpoint/2010/main" val="1179368625"/>
       </p:ext>
     </p:extLst>
   </p:cSld>
@@ -5203,7 +5258,7 @@
           <a:p>
             <a:r>
               <a:rPr lang="en-US" dirty="0" smtClean="0"/>
-              <a:t>Lab 2</a:t>
+              <a:t>Lab 1</a:t>
             </a:r>
             <a:endParaRPr lang="en-US" dirty="0"/>
           </a:p>
@@ -5230,7 +5285,7 @@
             </a:pPr>
             <a:r>
               <a:rPr lang="en-US" dirty="0" smtClean="0"/>
-              <a:t>More practice with data structures</a:t>
+              <a:t>Practice with data structures</a:t>
             </a:r>
             <a:endParaRPr lang="en-US" dirty="0"/>
           </a:p>
@@ -5285,28 +5340,83 @@
           </a:p>
         </p:txBody>
       </p:sp>
+      <p:sp>
+        <p:nvSpPr>
+          <p:cNvPr id="7" name="TextBox 6"/>
+          <p:cNvSpPr txBox="1"/>
+          <p:nvPr/>
+        </p:nvSpPr>
+        <p:spPr>
+          <a:xfrm>
+            <a:off x="3666573" y="4615864"/>
+            <a:ext cx="2512254" cy="1692771"/>
+          </a:xfrm>
+          <a:prstGeom prst="rect">
+            <a:avLst/>
+          </a:prstGeom>
+          <a:noFill/>
+        </p:spPr>
+        <p:txBody>
+          <a:bodyPr wrap="none" rtlCol="0">
+            <a:spAutoFit/>
+          </a:bodyPr>
+          <a:lstStyle/>
+          <a:p>
+            <a:r>
+              <a:rPr lang="en-US" dirty="0" smtClean="0"/>
+              <a:t>Real Yelp data</a:t>
+            </a:r>
+          </a:p>
+          <a:p>
+            <a:r>
+              <a:rPr lang="en-US" dirty="0" smtClean="0"/>
+              <a:t>	users</a:t>
+            </a:r>
+          </a:p>
+          <a:p>
+            <a:r>
+              <a:rPr lang="en-US" dirty="0"/>
+              <a:t>	</a:t>
+            </a:r>
+            <a:r>
+              <a:rPr lang="en-US" dirty="0" smtClean="0"/>
+              <a:t>businesses</a:t>
+            </a:r>
+          </a:p>
+          <a:p>
+            <a:r>
+              <a:rPr lang="en-US" dirty="0"/>
+              <a:t>	</a:t>
+            </a:r>
+            <a:r>
+              <a:rPr lang="en-US" dirty="0" smtClean="0"/>
+              <a:t>reviews</a:t>
+            </a:r>
+            <a:endParaRPr lang="en-US" dirty="0"/>
+          </a:p>
+        </p:txBody>
+      </p:sp>
       <p:cxnSp>
         <p:nvCxnSpPr>
           <p:cNvPr id="9" name="Curved Connector 8"/>
-          <p:cNvCxnSpPr/>
+          <p:cNvCxnSpPr>
+            <a:stCxn id="7" idx="0"/>
+          </p:cNvCxnSpPr>
           <p:nvPr/>
         </p:nvCxnSpPr>
         <p:spPr>
-          <a:xfrm>
-            <a:off x="4704702" y="3842873"/>
-            <a:ext cx="2727843" cy="1"/>
-          </a:xfrm>
-          <a:prstGeom prst="curvedConnector3">
-            <a:avLst>
-              <a:gd name="adj1" fmla="val 50000"/>
-            </a:avLst>
+          <a:xfrm rot="5400000" flipH="1" flipV="1">
+            <a:off x="5791127" y="2974447"/>
+            <a:ext cx="772991" cy="2509844"/>
+          </a:xfrm>
+          <a:prstGeom prst="curvedConnector2">
+            <a:avLst/>
           </a:prstGeom>
           <a:ln w="6350">
             <a:solidFill>
               <a:schemeClr val="tx1"/>
             </a:solidFill>
-            <a:headEnd type="arrow"/>
-            <a:tailEnd type="none"/>
+            <a:tailEnd type="arrow"/>
           </a:ln>
           <a:effectLst/>
         </p:spPr>
@@ -5333,8 +5443,8 @@
         </p:nvSpPr>
         <p:spPr>
           <a:xfrm>
-            <a:off x="5775958" y="3254326"/>
-            <a:ext cx="852004" cy="492443"/>
+            <a:off x="5599255" y="3500548"/>
+            <a:ext cx="901459" cy="492443"/>
           </a:xfrm>
           <a:prstGeom prst="rect">
             <a:avLst/>
@@ -5349,7 +5459,7 @@
           <a:p>
             <a:r>
               <a:rPr lang="en-US" dirty="0" smtClean="0"/>
-              <a:t>read</a:t>
+              <a:t>write</a:t>
             </a:r>
             <a:endParaRPr lang="en-US" dirty="0"/>
           </a:p>
@@ -5358,7 +5468,7 @@
     </p:spTree>
     <p:extLst>
       <p:ext uri="{BB962C8B-B14F-4D97-AF65-F5344CB8AC3E}">
-        <p14:creationId xmlns:p14="http://schemas.microsoft.com/office/powerpoint/2010/main" val="932587121"/>
+        <p14:creationId xmlns:p14="http://schemas.microsoft.com/office/powerpoint/2010/main" val="3878193421"/>
       </p:ext>
     </p:extLst>
   </p:cSld>
@@ -5402,7 +5512,7 @@
           <a:p>
             <a:r>
               <a:rPr lang="en-US" dirty="0" smtClean="0"/>
-              <a:t>Lab 3</a:t>
+              <a:t>Lab 2</a:t>
             </a:r>
             <a:endParaRPr lang="en-US" dirty="0"/>
           </a:p>
@@ -5429,7 +5539,7 @@
             </a:pPr>
             <a:r>
               <a:rPr lang="en-US" dirty="0" smtClean="0"/>
-              <a:t>Concurrency and multithreaded programming</a:t>
+              <a:t>More practice with data structures</a:t>
             </a:r>
             <a:endParaRPr lang="en-US" dirty="0"/>
           </a:p>
@@ -5484,45 +5594,15 @@
           </a:p>
         </p:txBody>
       </p:sp>
-      <p:sp>
-        <p:nvSpPr>
-          <p:cNvPr id="12" name="TextBox 11"/>
-          <p:cNvSpPr txBox="1"/>
-          <p:nvPr/>
-        </p:nvSpPr>
-        <p:spPr>
-          <a:xfrm>
-            <a:off x="5775958" y="3254326"/>
-            <a:ext cx="852004" cy="492443"/>
-          </a:xfrm>
-          <a:prstGeom prst="rect">
-            <a:avLst/>
-          </a:prstGeom>
-          <a:noFill/>
-        </p:spPr>
-        <p:txBody>
-          <a:bodyPr wrap="none" rtlCol="0">
-            <a:spAutoFit/>
-          </a:bodyPr>
-          <a:lstStyle/>
-          <a:p>
-            <a:r>
-              <a:rPr lang="en-US" dirty="0" smtClean="0"/>
-              <a:t>read</a:t>
-            </a:r>
-            <a:endParaRPr lang="en-US" dirty="0"/>
-          </a:p>
-        </p:txBody>
-      </p:sp>
       <p:cxnSp>
         <p:nvCxnSpPr>
-          <p:cNvPr id="10" name="Curved Connector 9"/>
+          <p:cNvPr id="9" name="Curved Connector 8"/>
           <p:cNvCxnSpPr/>
           <p:nvPr/>
         </p:nvCxnSpPr>
         <p:spPr>
           <a:xfrm>
-            <a:off x="10072033" y="3894766"/>
+            <a:off x="4704702" y="3842873"/>
             <a:ext cx="2727843" cy="1"/>
           </a:xfrm>
           <a:prstGeom prst="curvedConnector3">
@@ -5556,14 +5636,14 @@
       </p:cxnSp>
       <p:sp>
         <p:nvSpPr>
-          <p:cNvPr id="11" name="TextBox 10"/>
+          <p:cNvPr id="12" name="TextBox 11"/>
           <p:cNvSpPr txBox="1"/>
           <p:nvPr/>
         </p:nvSpPr>
         <p:spPr>
           <a:xfrm>
-            <a:off x="10509365" y="3260965"/>
-            <a:ext cx="901459" cy="492443"/>
+            <a:off x="5775958" y="3254326"/>
+            <a:ext cx="852004" cy="492443"/>
           </a:xfrm>
           <a:prstGeom prst="rect">
             <a:avLst/>
@@ -5578,216 +5658,16 @@
           <a:p>
             <a:r>
               <a:rPr lang="en-US" dirty="0" smtClean="0"/>
-              <a:t>write</a:t>
+              <a:t>read</a:t>
             </a:r>
             <a:endParaRPr lang="en-US" dirty="0"/>
           </a:p>
         </p:txBody>
       </p:sp>
-      <p:cxnSp>
-        <p:nvCxnSpPr>
-          <p:cNvPr id="13" name="Curved Connector 12"/>
-          <p:cNvCxnSpPr/>
-          <p:nvPr/>
-        </p:nvCxnSpPr>
-        <p:spPr>
-          <a:xfrm>
-            <a:off x="10069817" y="4047166"/>
-            <a:ext cx="2727843" cy="1"/>
-          </a:xfrm>
-          <a:prstGeom prst="curvedConnector3">
-            <a:avLst>
-              <a:gd name="adj1" fmla="val 50000"/>
-            </a:avLst>
-          </a:prstGeom>
-          <a:ln w="6350">
-            <a:solidFill>
-              <a:schemeClr val="tx1"/>
-            </a:solidFill>
-            <a:headEnd type="arrow"/>
-            <a:tailEnd type="none"/>
-          </a:ln>
-          <a:effectLst/>
-        </p:spPr>
-        <p:style>
-          <a:lnRef idx="2">
-            <a:schemeClr val="accent1"/>
-          </a:lnRef>
-          <a:fillRef idx="0">
-            <a:schemeClr val="accent1"/>
-          </a:fillRef>
-          <a:effectRef idx="1">
-            <a:schemeClr val="accent1"/>
-          </a:effectRef>
-          <a:fontRef idx="minor">
-            <a:schemeClr val="tx1"/>
-          </a:fontRef>
-        </p:style>
-      </p:cxnSp>
-      <p:cxnSp>
-        <p:nvCxnSpPr>
-          <p:cNvPr id="14" name="Curved Connector 13"/>
-          <p:cNvCxnSpPr/>
-          <p:nvPr/>
-        </p:nvCxnSpPr>
-        <p:spPr>
-          <a:xfrm>
-            <a:off x="10069817" y="4201768"/>
-            <a:ext cx="2727843" cy="1"/>
-          </a:xfrm>
-          <a:prstGeom prst="curvedConnector3">
-            <a:avLst>
-              <a:gd name="adj1" fmla="val 50000"/>
-            </a:avLst>
-          </a:prstGeom>
-          <a:ln w="6350">
-            <a:solidFill>
-              <a:schemeClr val="tx1"/>
-            </a:solidFill>
-            <a:headEnd type="arrow"/>
-            <a:tailEnd type="none"/>
-          </a:ln>
-          <a:effectLst/>
-        </p:spPr>
-        <p:style>
-          <a:lnRef idx="2">
-            <a:schemeClr val="accent1"/>
-          </a:lnRef>
-          <a:fillRef idx="0">
-            <a:schemeClr val="accent1"/>
-          </a:fillRef>
-          <a:effectRef idx="1">
-            <a:schemeClr val="accent1"/>
-          </a:effectRef>
-          <a:fontRef idx="minor">
-            <a:schemeClr val="tx1"/>
-          </a:fontRef>
-        </p:style>
-      </p:cxnSp>
-      <p:cxnSp>
-        <p:nvCxnSpPr>
-          <p:cNvPr id="15" name="Curved Connector 14"/>
-          <p:cNvCxnSpPr/>
-          <p:nvPr/>
-        </p:nvCxnSpPr>
-        <p:spPr>
-          <a:xfrm>
-            <a:off x="4704702" y="3881520"/>
-            <a:ext cx="2727843" cy="1"/>
-          </a:xfrm>
-          <a:prstGeom prst="curvedConnector3">
-            <a:avLst>
-              <a:gd name="adj1" fmla="val 50000"/>
-            </a:avLst>
-          </a:prstGeom>
-          <a:ln w="6350">
-            <a:solidFill>
-              <a:schemeClr val="tx1"/>
-            </a:solidFill>
-            <a:headEnd type="arrow"/>
-            <a:tailEnd type="none"/>
-          </a:ln>
-          <a:effectLst/>
-        </p:spPr>
-        <p:style>
-          <a:lnRef idx="2">
-            <a:schemeClr val="accent1"/>
-          </a:lnRef>
-          <a:fillRef idx="0">
-            <a:schemeClr val="accent1"/>
-          </a:fillRef>
-          <a:effectRef idx="1">
-            <a:schemeClr val="accent1"/>
-          </a:effectRef>
-          <a:fontRef idx="minor">
-            <a:schemeClr val="tx1"/>
-          </a:fontRef>
-        </p:style>
-      </p:cxnSp>
-      <p:cxnSp>
-        <p:nvCxnSpPr>
-          <p:cNvPr id="16" name="Curved Connector 15"/>
-          <p:cNvCxnSpPr/>
-          <p:nvPr/>
-        </p:nvCxnSpPr>
-        <p:spPr>
-          <a:xfrm>
-            <a:off x="4702486" y="4033920"/>
-            <a:ext cx="2727843" cy="1"/>
-          </a:xfrm>
-          <a:prstGeom prst="curvedConnector3">
-            <a:avLst>
-              <a:gd name="adj1" fmla="val 50000"/>
-            </a:avLst>
-          </a:prstGeom>
-          <a:ln w="6350">
-            <a:solidFill>
-              <a:schemeClr val="tx1"/>
-            </a:solidFill>
-            <a:headEnd type="arrow"/>
-            <a:tailEnd type="none"/>
-          </a:ln>
-          <a:effectLst/>
-        </p:spPr>
-        <p:style>
-          <a:lnRef idx="2">
-            <a:schemeClr val="accent1"/>
-          </a:lnRef>
-          <a:fillRef idx="0">
-            <a:schemeClr val="accent1"/>
-          </a:fillRef>
-          <a:effectRef idx="1">
-            <a:schemeClr val="accent1"/>
-          </a:effectRef>
-          <a:fontRef idx="minor">
-            <a:schemeClr val="tx1"/>
-          </a:fontRef>
-        </p:style>
-      </p:cxnSp>
-      <p:cxnSp>
-        <p:nvCxnSpPr>
-          <p:cNvPr id="17" name="Curved Connector 16"/>
-          <p:cNvCxnSpPr/>
-          <p:nvPr/>
-        </p:nvCxnSpPr>
-        <p:spPr>
-          <a:xfrm>
-            <a:off x="4702486" y="4188522"/>
-            <a:ext cx="2727843" cy="1"/>
-          </a:xfrm>
-          <a:prstGeom prst="curvedConnector3">
-            <a:avLst>
-              <a:gd name="adj1" fmla="val 50000"/>
-            </a:avLst>
-          </a:prstGeom>
-          <a:ln w="6350">
-            <a:solidFill>
-              <a:schemeClr val="tx1"/>
-            </a:solidFill>
-            <a:headEnd type="arrow"/>
-            <a:tailEnd type="none"/>
-          </a:ln>
-          <a:effectLst/>
-        </p:spPr>
-        <p:style>
-          <a:lnRef idx="2">
-            <a:schemeClr val="accent1"/>
-          </a:lnRef>
-          <a:fillRef idx="0">
-            <a:schemeClr val="accent1"/>
-          </a:fillRef>
-          <a:effectRef idx="1">
-            <a:schemeClr val="accent1"/>
-          </a:effectRef>
-          <a:fontRef idx="minor">
-            <a:schemeClr val="tx1"/>
-          </a:fontRef>
-        </p:style>
-      </p:cxnSp>
     </p:spTree>
     <p:extLst>
       <p:ext uri="{BB962C8B-B14F-4D97-AF65-F5344CB8AC3E}">
-        <p14:creationId xmlns:p14="http://schemas.microsoft.com/office/powerpoint/2010/main" val="1499408311"/>
+        <p14:creationId xmlns:p14="http://schemas.microsoft.com/office/powerpoint/2010/main" val="932587121"/>
       </p:ext>
     </p:extLst>
   </p:cSld>
@@ -5831,7 +5711,7 @@
           <a:p>
             <a:r>
               <a:rPr lang="en-US" dirty="0" smtClean="0"/>
-              <a:t>Lab 4</a:t>
+              <a:t>Lab 3</a:t>
             </a:r>
             <a:endParaRPr lang="en-US" dirty="0"/>
           </a:p>
@@ -5858,33 +5738,9 @@
             </a:pPr>
             <a:r>
               <a:rPr lang="en-US" dirty="0" smtClean="0"/>
-              <a:t>Web clients</a:t>
-            </a:r>
-          </a:p>
-          <a:p>
-            <a:pPr marL="342900" indent="-342900">
-              <a:buFont typeface="Arial"/>
-              <a:buChar char="•"/>
-            </a:pPr>
-            <a:endParaRPr lang="en-US" dirty="0" smtClean="0"/>
-          </a:p>
-          <a:p>
-            <a:pPr marL="852488" lvl="3" indent="-342900"/>
-            <a:r>
-              <a:rPr lang="en-US" dirty="0"/>
-              <a:t>Screen scraper</a:t>
-            </a:r>
-          </a:p>
-          <a:p>
-            <a:pPr marL="852488" lvl="3" indent="-342900"/>
-            <a:endParaRPr lang="en-US" dirty="0" smtClean="0"/>
-          </a:p>
-          <a:p>
-            <a:pPr marL="852488" lvl="3" indent="-342900"/>
-            <a:r>
-              <a:rPr lang="en-US" dirty="0" smtClean="0"/>
-              <a:t>Web service client</a:t>
-            </a:r>
+              <a:t>Concurrency and multithreaded programming</a:t>
+            </a:r>
+            <a:endParaRPr lang="en-US" dirty="0"/>
           </a:p>
         </p:txBody>
       </p:sp>
@@ -5896,7 +5752,7 @@
         </p:nvSpPr>
         <p:spPr>
           <a:xfrm>
-            <a:off x="6283977" y="1533810"/>
+            <a:off x="7432542" y="3423249"/>
             <a:ext cx="2639491" cy="1225744"/>
           </a:xfrm>
           <a:prstGeom prst="rect">
@@ -5930,8 +5786,8 @@
           <a:p>
             <a:pPr algn="ctr"/>
             <a:r>
-              <a:rPr lang="en-US" dirty="0" smtClean="0"/>
-              <a:t>Yelp Site</a:t>
+              <a:rPr lang="en-US" dirty="0" err="1" smtClean="0"/>
+              <a:t>YelpStore</a:t>
             </a:r>
             <a:endParaRPr lang="en-US" dirty="0"/>
           </a:p>
@@ -5939,48 +5795,29 @@
       </p:sp>
       <p:sp>
         <p:nvSpPr>
-          <p:cNvPr id="3" name="Cloud 2"/>
-          <p:cNvSpPr/>
+          <p:cNvPr id="12" name="TextBox 11"/>
+          <p:cNvSpPr txBox="1"/>
           <p:nvPr/>
         </p:nvSpPr>
         <p:spPr>
           <a:xfrm>
-            <a:off x="8404404" y="3388991"/>
-            <a:ext cx="2451745" cy="1060102"/>
-          </a:xfrm>
-          <a:prstGeom prst="cloud">
-            <a:avLst/>
-          </a:prstGeom>
-          <a:solidFill>
-            <a:schemeClr val="tx2"/>
-          </a:solidFill>
-          <a:ln>
-            <a:noFill/>
-          </a:ln>
-          <a:effectLst/>
-        </p:spPr>
-        <p:style>
-          <a:lnRef idx="1">
-            <a:schemeClr val="accent1"/>
-          </a:lnRef>
-          <a:fillRef idx="3">
-            <a:schemeClr val="accent1"/>
-          </a:fillRef>
-          <a:effectRef idx="2">
-            <a:schemeClr val="accent1"/>
-          </a:effectRef>
-          <a:fontRef idx="minor">
-            <a:schemeClr val="lt1"/>
-          </a:fontRef>
-        </p:style>
-        <p:txBody>
-          <a:bodyPr rtlCol="0" anchor="ctr"/>
+            <a:off x="5775958" y="3254326"/>
+            <a:ext cx="852004" cy="492443"/>
+          </a:xfrm>
+          <a:prstGeom prst="rect">
+            <a:avLst/>
+          </a:prstGeom>
+          <a:noFill/>
+        </p:spPr>
+        <p:txBody>
+          <a:bodyPr wrap="none" rtlCol="0">
+            <a:spAutoFit/>
+          </a:bodyPr>
           <a:lstStyle/>
           <a:p>
-            <a:pPr algn="ctr"/>
-            <a:r>
-              <a:rPr lang="en-US" dirty="0" smtClean="0"/>
-              <a:t>Internet</a:t>
+            <a:r>
+              <a:rPr lang="en-US" dirty="0" smtClean="0"/>
+              <a:t>read</a:t>
             </a:r>
             <a:endParaRPr lang="en-US" dirty="0"/>
           </a:p>
@@ -5988,22 +5825,26 @@
       </p:sp>
       <p:cxnSp>
         <p:nvCxnSpPr>
-          <p:cNvPr id="7" name="Straight Connector 6"/>
+          <p:cNvPr id="10" name="Curved Connector 9"/>
           <p:cNvCxnSpPr/>
           <p:nvPr/>
         </p:nvCxnSpPr>
         <p:spPr>
-          <a:xfrm flipH="1" flipV="1">
-            <a:off x="7612005" y="2759555"/>
-            <a:ext cx="1775306" cy="629436"/>
-          </a:xfrm>
-          <a:prstGeom prst="line">
-            <a:avLst/>
+          <a:xfrm>
+            <a:off x="10072033" y="3894766"/>
+            <a:ext cx="2727843" cy="1"/>
+          </a:xfrm>
+          <a:prstGeom prst="curvedConnector3">
+            <a:avLst>
+              <a:gd name="adj1" fmla="val 50000"/>
+            </a:avLst>
           </a:prstGeom>
           <a:ln w="6350">
             <a:solidFill>
               <a:schemeClr val="tx1"/>
             </a:solidFill>
+            <a:headEnd type="arrow"/>
+            <a:tailEnd type="none"/>
           </a:ln>
           <a:effectLst/>
         </p:spPr>
@@ -6024,48 +5865,29 @@
       </p:cxnSp>
       <p:sp>
         <p:nvSpPr>
-          <p:cNvPr id="8" name="Rectangle 7"/>
-          <p:cNvSpPr/>
+          <p:cNvPr id="11" name="TextBox 10"/>
+          <p:cNvSpPr txBox="1"/>
           <p:nvPr/>
         </p:nvSpPr>
         <p:spPr>
           <a:xfrm>
-            <a:off x="7255839" y="5355728"/>
-            <a:ext cx="1811199" cy="960718"/>
+            <a:off x="10509365" y="3260965"/>
+            <a:ext cx="901459" cy="492443"/>
           </a:xfrm>
           <a:prstGeom prst="rect">
             <a:avLst/>
           </a:prstGeom>
-          <a:solidFill>
-            <a:schemeClr val="tx2"/>
-          </a:solidFill>
-          <a:ln>
-            <a:noFill/>
-          </a:ln>
-          <a:effectLst/>
-        </p:spPr>
-        <p:style>
-          <a:lnRef idx="1">
-            <a:schemeClr val="accent1"/>
-          </a:lnRef>
-          <a:fillRef idx="3">
-            <a:schemeClr val="accent1"/>
-          </a:fillRef>
-          <a:effectRef idx="2">
-            <a:schemeClr val="accent1"/>
-          </a:effectRef>
-          <a:fontRef idx="minor">
-            <a:schemeClr val="lt1"/>
-          </a:fontRef>
-        </p:style>
-        <p:txBody>
-          <a:bodyPr rtlCol="0" anchor="ctr"/>
+          <a:noFill/>
+        </p:spPr>
+        <p:txBody>
+          <a:bodyPr wrap="none" rtlCol="0">
+            <a:spAutoFit/>
+          </a:bodyPr>
           <a:lstStyle/>
           <a:p>
-            <a:pPr algn="ctr"/>
-            <a:r>
-              <a:rPr lang="en-US" dirty="0" smtClean="0"/>
-              <a:t>Screen Scraper</a:t>
+            <a:r>
+              <a:rPr lang="en-US" dirty="0" smtClean="0"/>
+              <a:t>write</a:t>
             </a:r>
             <a:endParaRPr lang="en-US" dirty="0"/>
           </a:p>
@@ -6073,27 +5895,26 @@
       </p:sp>
       <p:cxnSp>
         <p:nvCxnSpPr>
-          <p:cNvPr id="18" name="Straight Arrow Connector 17"/>
-          <p:cNvCxnSpPr>
-            <a:stCxn id="8" idx="0"/>
-            <a:endCxn id="3" idx="1"/>
-          </p:cNvCxnSpPr>
+          <p:cNvPr id="13" name="Curved Connector 12"/>
+          <p:cNvCxnSpPr/>
           <p:nvPr/>
         </p:nvCxnSpPr>
         <p:spPr>
-          <a:xfrm flipV="1">
-            <a:off x="8161439" y="4447964"/>
-            <a:ext cx="1468838" cy="907764"/>
-          </a:xfrm>
-          <a:prstGeom prst="straightConnector1">
-            <a:avLst/>
+          <a:xfrm>
+            <a:off x="10069817" y="4047166"/>
+            <a:ext cx="2727843" cy="1"/>
+          </a:xfrm>
+          <a:prstGeom prst="curvedConnector3">
+            <a:avLst>
+              <a:gd name="adj1" fmla="val 50000"/>
+            </a:avLst>
           </a:prstGeom>
           <a:ln w="6350">
             <a:solidFill>
               <a:schemeClr val="tx1"/>
             </a:solidFill>
             <a:headEnd type="arrow"/>
-            <a:tailEnd type="arrow"/>
+            <a:tailEnd type="none"/>
           </a:ln>
           <a:effectLst/>
         </p:spPr>
@@ -6112,75 +5933,28 @@
           </a:fontRef>
         </p:style>
       </p:cxnSp>
-      <p:sp>
-        <p:nvSpPr>
-          <p:cNvPr id="20" name="Rectangle 19"/>
-          <p:cNvSpPr/>
-          <p:nvPr/>
-        </p:nvSpPr>
-        <p:spPr>
-          <a:xfrm>
-            <a:off x="9815809" y="1533810"/>
-            <a:ext cx="2639491" cy="1225744"/>
-          </a:xfrm>
-          <a:prstGeom prst="rect">
-            <a:avLst/>
-          </a:prstGeom>
-          <a:solidFill>
-            <a:schemeClr val="tx2"/>
-          </a:solidFill>
-          <a:ln>
-            <a:noFill/>
-          </a:ln>
-          <a:effectLst/>
-        </p:spPr>
-        <p:style>
-          <a:lnRef idx="1">
-            <a:schemeClr val="accent1"/>
-          </a:lnRef>
-          <a:fillRef idx="3">
-            <a:schemeClr val="accent1"/>
-          </a:fillRef>
-          <a:effectRef idx="2">
-            <a:schemeClr val="accent1"/>
-          </a:effectRef>
-          <a:fontRef idx="minor">
-            <a:schemeClr val="lt1"/>
-          </a:fontRef>
-        </p:style>
-        <p:txBody>
-          <a:bodyPr rtlCol="0" anchor="ctr"/>
-          <a:lstStyle/>
-          <a:p>
-            <a:pPr algn="ctr"/>
-            <a:r>
-              <a:rPr lang="en-US" dirty="0" smtClean="0"/>
-              <a:t>Yelp Web Service</a:t>
-            </a:r>
-            <a:endParaRPr lang="en-US" dirty="0"/>
-          </a:p>
-        </p:txBody>
-      </p:sp>
       <p:cxnSp>
         <p:nvCxnSpPr>
-          <p:cNvPr id="23" name="Straight Connector 22"/>
-          <p:cNvCxnSpPr>
-            <a:stCxn id="20" idx="2"/>
-          </p:cNvCxnSpPr>
+          <p:cNvPr id="14" name="Curved Connector 13"/>
+          <p:cNvCxnSpPr/>
           <p:nvPr/>
         </p:nvCxnSpPr>
         <p:spPr>
-          <a:xfrm flipH="1">
-            <a:off x="9815809" y="2759554"/>
-            <a:ext cx="1319746" cy="629437"/>
-          </a:xfrm>
-          <a:prstGeom prst="line">
-            <a:avLst/>
+          <a:xfrm>
+            <a:off x="10069817" y="4201768"/>
+            <a:ext cx="2727843" cy="1"/>
+          </a:xfrm>
+          <a:prstGeom prst="curvedConnector3">
+            <a:avLst>
+              <a:gd name="adj1" fmla="val 50000"/>
+            </a:avLst>
           </a:prstGeom>
           <a:ln w="6350">
             <a:solidFill>
               <a:schemeClr val="tx1"/>
             </a:solidFill>
+            <a:headEnd type="arrow"/>
+            <a:tailEnd type="none"/>
           </a:ln>
           <a:effectLst/>
         </p:spPr>
@@ -6199,77 +5973,108 @@
           </a:fontRef>
         </p:style>
       </p:cxnSp>
-      <p:sp>
-        <p:nvSpPr>
-          <p:cNvPr id="25" name="Rectangle 24"/>
-          <p:cNvSpPr/>
-          <p:nvPr/>
-        </p:nvSpPr>
-        <p:spPr>
-          <a:xfrm>
-            <a:off x="9950549" y="5355728"/>
-            <a:ext cx="2308175" cy="872376"/>
-          </a:xfrm>
-          <a:prstGeom prst="rect">
-            <a:avLst/>
-          </a:prstGeom>
-          <a:solidFill>
-            <a:schemeClr val="tx2"/>
-          </a:solidFill>
-          <a:ln>
-            <a:noFill/>
-          </a:ln>
-          <a:effectLst/>
-        </p:spPr>
-        <p:style>
-          <a:lnRef idx="1">
-            <a:schemeClr val="accent1"/>
-          </a:lnRef>
-          <a:fillRef idx="3">
-            <a:schemeClr val="accent1"/>
-          </a:fillRef>
-          <a:effectRef idx="2">
-            <a:schemeClr val="accent1"/>
-          </a:effectRef>
-          <a:fontRef idx="minor">
-            <a:schemeClr val="lt1"/>
-          </a:fontRef>
-        </p:style>
-        <p:txBody>
-          <a:bodyPr rtlCol="0" anchor="ctr"/>
-          <a:lstStyle/>
-          <a:p>
-            <a:pPr algn="ctr"/>
-            <a:r>
-              <a:rPr lang="en-US" dirty="0" smtClean="0"/>
-              <a:t>Web Service Client</a:t>
-            </a:r>
-            <a:endParaRPr lang="en-US" dirty="0"/>
-          </a:p>
-        </p:txBody>
-      </p:sp>
       <p:cxnSp>
         <p:nvCxnSpPr>
-          <p:cNvPr id="26" name="Straight Arrow Connector 25"/>
-          <p:cNvCxnSpPr>
-            <a:stCxn id="25" idx="0"/>
-          </p:cNvCxnSpPr>
+          <p:cNvPr id="15" name="Curved Connector 14"/>
+          <p:cNvCxnSpPr/>
           <p:nvPr/>
         </p:nvCxnSpPr>
         <p:spPr>
-          <a:xfrm flipH="1" flipV="1">
-            <a:off x="9630277" y="4449094"/>
-            <a:ext cx="1474360" cy="906634"/>
-          </a:xfrm>
-          <a:prstGeom prst="straightConnector1">
-            <a:avLst/>
+          <a:xfrm>
+            <a:off x="4704702" y="3881520"/>
+            <a:ext cx="2727843" cy="1"/>
+          </a:xfrm>
+          <a:prstGeom prst="curvedConnector3">
+            <a:avLst>
+              <a:gd name="adj1" fmla="val 50000"/>
+            </a:avLst>
           </a:prstGeom>
           <a:ln w="6350">
             <a:solidFill>
               <a:schemeClr val="tx1"/>
             </a:solidFill>
             <a:headEnd type="arrow"/>
-            <a:tailEnd type="arrow"/>
+            <a:tailEnd type="none"/>
+          </a:ln>
+          <a:effectLst/>
+        </p:spPr>
+        <p:style>
+          <a:lnRef idx="2">
+            <a:schemeClr val="accent1"/>
+          </a:lnRef>
+          <a:fillRef idx="0">
+            <a:schemeClr val="accent1"/>
+          </a:fillRef>
+          <a:effectRef idx="1">
+            <a:schemeClr val="accent1"/>
+          </a:effectRef>
+          <a:fontRef idx="minor">
+            <a:schemeClr val="tx1"/>
+          </a:fontRef>
+        </p:style>
+      </p:cxnSp>
+      <p:cxnSp>
+        <p:nvCxnSpPr>
+          <p:cNvPr id="16" name="Curved Connector 15"/>
+          <p:cNvCxnSpPr/>
+          <p:nvPr/>
+        </p:nvCxnSpPr>
+        <p:spPr>
+          <a:xfrm>
+            <a:off x="4702486" y="4033920"/>
+            <a:ext cx="2727843" cy="1"/>
+          </a:xfrm>
+          <a:prstGeom prst="curvedConnector3">
+            <a:avLst>
+              <a:gd name="adj1" fmla="val 50000"/>
+            </a:avLst>
+          </a:prstGeom>
+          <a:ln w="6350">
+            <a:solidFill>
+              <a:schemeClr val="tx1"/>
+            </a:solidFill>
+            <a:headEnd type="arrow"/>
+            <a:tailEnd type="none"/>
+          </a:ln>
+          <a:effectLst/>
+        </p:spPr>
+        <p:style>
+          <a:lnRef idx="2">
+            <a:schemeClr val="accent1"/>
+          </a:lnRef>
+          <a:fillRef idx="0">
+            <a:schemeClr val="accent1"/>
+          </a:fillRef>
+          <a:effectRef idx="1">
+            <a:schemeClr val="accent1"/>
+          </a:effectRef>
+          <a:fontRef idx="minor">
+            <a:schemeClr val="tx1"/>
+          </a:fontRef>
+        </p:style>
+      </p:cxnSp>
+      <p:cxnSp>
+        <p:nvCxnSpPr>
+          <p:cNvPr id="17" name="Curved Connector 16"/>
+          <p:cNvCxnSpPr/>
+          <p:nvPr/>
+        </p:nvCxnSpPr>
+        <p:spPr>
+          <a:xfrm>
+            <a:off x="4702486" y="4188522"/>
+            <a:ext cx="2727843" cy="1"/>
+          </a:xfrm>
+          <a:prstGeom prst="curvedConnector3">
+            <a:avLst>
+              <a:gd name="adj1" fmla="val 50000"/>
+            </a:avLst>
+          </a:prstGeom>
+          <a:ln w="6350">
+            <a:solidFill>
+              <a:schemeClr val="tx1"/>
+            </a:solidFill>
+            <a:headEnd type="arrow"/>
+            <a:tailEnd type="none"/>
           </a:ln>
           <a:effectLst/>
         </p:spPr>
@@ -6291,7 +6096,7 @@
     </p:spTree>
     <p:extLst>
       <p:ext uri="{BB962C8B-B14F-4D97-AF65-F5344CB8AC3E}">
-        <p14:creationId xmlns:p14="http://schemas.microsoft.com/office/powerpoint/2010/main" val="2961370610"/>
+        <p14:creationId xmlns:p14="http://schemas.microsoft.com/office/powerpoint/2010/main" val="1499408311"/>
       </p:ext>
     </p:extLst>
   </p:cSld>
@@ -6335,7 +6140,7 @@
           <a:p>
             <a:r>
               <a:rPr lang="en-US" dirty="0" smtClean="0"/>
-              <a:t>Lab 5</a:t>
+              <a:t>Lab 4</a:t>
             </a:r>
             <a:endParaRPr lang="en-US" dirty="0"/>
           </a:p>
@@ -6362,21 +6167,7 @@
             </a:pPr>
             <a:r>
               <a:rPr lang="en-US" dirty="0" smtClean="0"/>
-              <a:t>HTTP Server</a:t>
-            </a:r>
-          </a:p>
-          <a:p>
-            <a:pPr marL="342900" indent="-342900">
-              <a:buFont typeface="Arial"/>
-              <a:buChar char="•"/>
-            </a:pPr>
-            <a:endParaRPr lang="en-US" dirty="0"/>
-          </a:p>
-          <a:p>
-            <a:pPr marL="852488" lvl="3" indent="-342900"/>
-            <a:r>
-              <a:rPr lang="en-US" dirty="0" smtClean="0"/>
-              <a:t>Using raw sockets!</a:t>
+              <a:t>Web clients</a:t>
             </a:r>
           </a:p>
           <a:p>
@@ -6386,20 +6177,38 @@
             </a:pPr>
             <a:endParaRPr lang="en-US" dirty="0" smtClean="0"/>
           </a:p>
-        </p:txBody>
-      </p:sp>
-      <p:sp>
-        <p:nvSpPr>
-          <p:cNvPr id="3" name="Cloud 2"/>
+          <a:p>
+            <a:pPr marL="852488" lvl="3" indent="-342900"/>
+            <a:r>
+              <a:rPr lang="en-US" dirty="0"/>
+              <a:t>Screen scraper</a:t>
+            </a:r>
+          </a:p>
+          <a:p>
+            <a:pPr marL="852488" lvl="3" indent="-342900"/>
+            <a:endParaRPr lang="en-US" dirty="0" smtClean="0"/>
+          </a:p>
+          <a:p>
+            <a:pPr marL="852488" lvl="3" indent="-342900"/>
+            <a:r>
+              <a:rPr lang="en-US" dirty="0" smtClean="0"/>
+              <a:t>Web service client</a:t>
+            </a:r>
+          </a:p>
+        </p:txBody>
+      </p:sp>
+      <p:sp>
+        <p:nvSpPr>
+          <p:cNvPr id="5" name="Rectangle 4"/>
           <p:cNvSpPr/>
           <p:nvPr/>
         </p:nvSpPr>
         <p:spPr>
           <a:xfrm>
-            <a:off x="7432541" y="3749499"/>
-            <a:ext cx="2451745" cy="1060102"/>
-          </a:xfrm>
-          <a:prstGeom prst="cloud">
+            <a:off x="6283977" y="1533810"/>
+            <a:ext cx="2639491" cy="1225744"/>
+          </a:xfrm>
+          <a:prstGeom prst="rect">
             <a:avLst/>
           </a:prstGeom>
           <a:solidFill>
@@ -6431,7 +6240,7 @@
             <a:pPr algn="ctr"/>
             <a:r>
               <a:rPr lang="en-US" dirty="0" smtClean="0"/>
-              <a:t>Internet</a:t>
+              <a:t>Yelp Site</a:t>
             </a:r>
             <a:endParaRPr lang="en-US" dirty="0"/>
           </a:p>
@@ -6439,16 +6248,16 @@
       </p:sp>
       <p:sp>
         <p:nvSpPr>
-          <p:cNvPr id="20" name="Rectangle 19"/>
+          <p:cNvPr id="3" name="Cloud 2"/>
           <p:cNvSpPr/>
           <p:nvPr/>
         </p:nvSpPr>
         <p:spPr>
           <a:xfrm>
-            <a:off x="7338668" y="1673463"/>
-            <a:ext cx="2639491" cy="1225744"/>
-          </a:xfrm>
-          <a:prstGeom prst="rect">
+            <a:off x="8404404" y="3388991"/>
+            <a:ext cx="2451745" cy="1060102"/>
+          </a:xfrm>
+          <a:prstGeom prst="cloud">
             <a:avLst/>
           </a:prstGeom>
           <a:solidFill>
@@ -6480,7 +6289,7 @@
             <a:pPr algn="ctr"/>
             <a:r>
               <a:rPr lang="en-US" dirty="0" smtClean="0"/>
-              <a:t>HTTP Server</a:t>
+              <a:t>Internet</a:t>
             </a:r>
             <a:endParaRPr lang="en-US" dirty="0"/>
           </a:p>
@@ -6488,16 +6297,14 @@
       </p:sp>
       <p:cxnSp>
         <p:nvCxnSpPr>
-          <p:cNvPr id="23" name="Straight Connector 22"/>
-          <p:cNvCxnSpPr>
-            <a:endCxn id="3" idx="3"/>
-          </p:cNvCxnSpPr>
+          <p:cNvPr id="7" name="Straight Connector 6"/>
+          <p:cNvCxnSpPr/>
           <p:nvPr/>
         </p:nvCxnSpPr>
         <p:spPr>
-          <a:xfrm>
-            <a:off x="8658414" y="2899207"/>
-            <a:ext cx="0" cy="910904"/>
+          <a:xfrm flipH="1" flipV="1">
+            <a:off x="7612005" y="2759555"/>
+            <a:ext cx="1775306" cy="629436"/>
           </a:xfrm>
           <a:prstGeom prst="line">
             <a:avLst/>
@@ -6526,14 +6333,14 @@
       </p:cxnSp>
       <p:sp>
         <p:nvSpPr>
-          <p:cNvPr id="25" name="Rectangle 24"/>
+          <p:cNvPr id="8" name="Rectangle 7"/>
           <p:cNvSpPr/>
           <p:nvPr/>
         </p:nvSpPr>
         <p:spPr>
           <a:xfrm>
-            <a:off x="7504326" y="5881877"/>
-            <a:ext cx="2308175" cy="872376"/>
+            <a:off x="7255839" y="5355728"/>
+            <a:ext cx="1811199" cy="960718"/>
           </a:xfrm>
           <a:prstGeom prst="rect">
             <a:avLst/>
@@ -6567,7 +6374,184 @@
             <a:pPr algn="ctr"/>
             <a:r>
               <a:rPr lang="en-US" dirty="0" smtClean="0"/>
-              <a:t>Browser</a:t>
+              <a:t>Screen Scraper</a:t>
+            </a:r>
+            <a:endParaRPr lang="en-US" dirty="0"/>
+          </a:p>
+        </p:txBody>
+      </p:sp>
+      <p:cxnSp>
+        <p:nvCxnSpPr>
+          <p:cNvPr id="18" name="Straight Arrow Connector 17"/>
+          <p:cNvCxnSpPr>
+            <a:stCxn id="8" idx="0"/>
+            <a:endCxn id="3" idx="1"/>
+          </p:cNvCxnSpPr>
+          <p:nvPr/>
+        </p:nvCxnSpPr>
+        <p:spPr>
+          <a:xfrm flipV="1">
+            <a:off x="8161439" y="4447964"/>
+            <a:ext cx="1468838" cy="907764"/>
+          </a:xfrm>
+          <a:prstGeom prst="straightConnector1">
+            <a:avLst/>
+          </a:prstGeom>
+          <a:ln w="6350">
+            <a:solidFill>
+              <a:schemeClr val="tx1"/>
+            </a:solidFill>
+            <a:headEnd type="arrow"/>
+            <a:tailEnd type="arrow"/>
+          </a:ln>
+          <a:effectLst/>
+        </p:spPr>
+        <p:style>
+          <a:lnRef idx="2">
+            <a:schemeClr val="accent1"/>
+          </a:lnRef>
+          <a:fillRef idx="0">
+            <a:schemeClr val="accent1"/>
+          </a:fillRef>
+          <a:effectRef idx="1">
+            <a:schemeClr val="accent1"/>
+          </a:effectRef>
+          <a:fontRef idx="minor">
+            <a:schemeClr val="tx1"/>
+          </a:fontRef>
+        </p:style>
+      </p:cxnSp>
+      <p:sp>
+        <p:nvSpPr>
+          <p:cNvPr id="20" name="Rectangle 19"/>
+          <p:cNvSpPr/>
+          <p:nvPr/>
+        </p:nvSpPr>
+        <p:spPr>
+          <a:xfrm>
+            <a:off x="9815809" y="1533810"/>
+            <a:ext cx="2639491" cy="1225744"/>
+          </a:xfrm>
+          <a:prstGeom prst="rect">
+            <a:avLst/>
+          </a:prstGeom>
+          <a:solidFill>
+            <a:schemeClr val="tx2"/>
+          </a:solidFill>
+          <a:ln>
+            <a:noFill/>
+          </a:ln>
+          <a:effectLst/>
+        </p:spPr>
+        <p:style>
+          <a:lnRef idx="1">
+            <a:schemeClr val="accent1"/>
+          </a:lnRef>
+          <a:fillRef idx="3">
+            <a:schemeClr val="accent1"/>
+          </a:fillRef>
+          <a:effectRef idx="2">
+            <a:schemeClr val="accent1"/>
+          </a:effectRef>
+          <a:fontRef idx="minor">
+            <a:schemeClr val="lt1"/>
+          </a:fontRef>
+        </p:style>
+        <p:txBody>
+          <a:bodyPr rtlCol="0" anchor="ctr"/>
+          <a:lstStyle/>
+          <a:p>
+            <a:pPr algn="ctr"/>
+            <a:r>
+              <a:rPr lang="en-US" dirty="0" smtClean="0"/>
+              <a:t>Yelp Web Service</a:t>
+            </a:r>
+            <a:endParaRPr lang="en-US" dirty="0"/>
+          </a:p>
+        </p:txBody>
+      </p:sp>
+      <p:cxnSp>
+        <p:nvCxnSpPr>
+          <p:cNvPr id="23" name="Straight Connector 22"/>
+          <p:cNvCxnSpPr>
+            <a:stCxn id="20" idx="2"/>
+          </p:cNvCxnSpPr>
+          <p:nvPr/>
+        </p:nvCxnSpPr>
+        <p:spPr>
+          <a:xfrm flipH="1">
+            <a:off x="9815809" y="2759554"/>
+            <a:ext cx="1319746" cy="629437"/>
+          </a:xfrm>
+          <a:prstGeom prst="line">
+            <a:avLst/>
+          </a:prstGeom>
+          <a:ln w="6350">
+            <a:solidFill>
+              <a:schemeClr val="tx1"/>
+            </a:solidFill>
+          </a:ln>
+          <a:effectLst/>
+        </p:spPr>
+        <p:style>
+          <a:lnRef idx="2">
+            <a:schemeClr val="accent1"/>
+          </a:lnRef>
+          <a:fillRef idx="0">
+            <a:schemeClr val="accent1"/>
+          </a:fillRef>
+          <a:effectRef idx="1">
+            <a:schemeClr val="accent1"/>
+          </a:effectRef>
+          <a:fontRef idx="minor">
+            <a:schemeClr val="tx1"/>
+          </a:fontRef>
+        </p:style>
+      </p:cxnSp>
+      <p:sp>
+        <p:nvSpPr>
+          <p:cNvPr id="25" name="Rectangle 24"/>
+          <p:cNvSpPr/>
+          <p:nvPr/>
+        </p:nvSpPr>
+        <p:spPr>
+          <a:xfrm>
+            <a:off x="9950549" y="5355728"/>
+            <a:ext cx="2308175" cy="872376"/>
+          </a:xfrm>
+          <a:prstGeom prst="rect">
+            <a:avLst/>
+          </a:prstGeom>
+          <a:solidFill>
+            <a:schemeClr val="tx2"/>
+          </a:solidFill>
+          <a:ln>
+            <a:noFill/>
+          </a:ln>
+          <a:effectLst/>
+        </p:spPr>
+        <p:style>
+          <a:lnRef idx="1">
+            <a:schemeClr val="accent1"/>
+          </a:lnRef>
+          <a:fillRef idx="3">
+            <a:schemeClr val="accent1"/>
+          </a:fillRef>
+          <a:effectRef idx="2">
+            <a:schemeClr val="accent1"/>
+          </a:effectRef>
+          <a:fontRef idx="minor">
+            <a:schemeClr val="lt1"/>
+          </a:fontRef>
+        </p:style>
+        <p:txBody>
+          <a:bodyPr rtlCol="0" anchor="ctr"/>
+          <a:lstStyle/>
+          <a:p>
+            <a:pPr algn="ctr"/>
+            <a:r>
+              <a:rPr lang="en-US" dirty="0" smtClean="0"/>
+              <a:t>Web Service Client</a:t>
             </a:r>
             <a:endParaRPr lang="en-US" dirty="0"/>
           </a:p>
@@ -6578,14 +6562,13 @@
           <p:cNvPr id="26" name="Straight Arrow Connector 25"/>
           <p:cNvCxnSpPr>
             <a:stCxn id="25" idx="0"/>
-            <a:endCxn id="3" idx="1"/>
           </p:cNvCxnSpPr>
           <p:nvPr/>
         </p:nvCxnSpPr>
         <p:spPr>
-          <a:xfrm flipV="1">
-            <a:off x="8658414" y="4808472"/>
-            <a:ext cx="0" cy="1073405"/>
+          <a:xfrm flipH="1" flipV="1">
+            <a:off x="9630277" y="4449094"/>
+            <a:ext cx="1474360" cy="906634"/>
           </a:xfrm>
           <a:prstGeom prst="straightConnector1">
             <a:avLst/>
@@ -6617,7 +6600,7 @@
     </p:spTree>
     <p:extLst>
       <p:ext uri="{BB962C8B-B14F-4D97-AF65-F5344CB8AC3E}">
-        <p14:creationId xmlns:p14="http://schemas.microsoft.com/office/powerpoint/2010/main" val="3133165965"/>
+        <p14:creationId xmlns:p14="http://schemas.microsoft.com/office/powerpoint/2010/main" val="2961370610"/>
       </p:ext>
     </p:extLst>
   </p:cSld>
@@ -6661,7 +6644,7 @@
           <a:p>
             <a:r>
               <a:rPr lang="en-US" dirty="0" smtClean="0"/>
-              <a:t>Project</a:t>
+              <a:t>Lab 5</a:t>
             </a:r>
             <a:endParaRPr lang="en-US" dirty="0"/>
           </a:p>
@@ -6688,7 +6671,21 @@
             </a:pPr>
             <a:r>
               <a:rPr lang="en-US" dirty="0" smtClean="0"/>
-              <a:t>Fully functional website</a:t>
+              <a:t>HTTP Server</a:t>
+            </a:r>
+          </a:p>
+          <a:p>
+            <a:pPr marL="342900" indent="-342900">
+              <a:buFont typeface="Arial"/>
+              <a:buChar char="•"/>
+            </a:pPr>
+            <a:endParaRPr lang="en-US" dirty="0"/>
+          </a:p>
+          <a:p>
+            <a:pPr marL="852488" lvl="3" indent="-342900"/>
+            <a:r>
+              <a:rPr lang="en-US" dirty="0" smtClean="0"/>
+              <a:t>Using raw sockets!</a:t>
             </a:r>
           </a:p>
           <a:p>
@@ -6700,70 +6697,236 @@
           </a:p>
         </p:txBody>
       </p:sp>
-      <p:pic>
-        <p:nvPicPr>
-          <p:cNvPr id="6" name="Picture 5" descr="Screen Shot 2015-08-10 at 5.46.22 PM.png"/>
-          <p:cNvPicPr>
-            <a:picLocks noChangeAspect="1"/>
-          </p:cNvPicPr>
+      <p:sp>
+        <p:nvSpPr>
+          <p:cNvPr id="3" name="Cloud 2"/>
+          <p:cNvSpPr/>
           <p:nvPr/>
-        </p:nvPicPr>
-        <p:blipFill>
-          <a:blip r:embed="rId2">
-            <a:extLst>
-              <a:ext uri="{28A0092B-C50C-407E-A947-70E740481C1C}">
-                <a14:useLocalDpi xmlns:a14="http://schemas.microsoft.com/office/drawing/2010/main" val="0"/>
-              </a:ext>
-            </a:extLst>
-          </a:blip>
-          <a:stretch>
-            <a:fillRect/>
-          </a:stretch>
-        </p:blipFill>
+        </p:nvSpPr>
         <p:spPr>
           <a:xfrm>
-            <a:off x="6541279" y="311182"/>
-            <a:ext cx="7651450" cy="5318920"/>
+            <a:off x="7432541" y="3749499"/>
+            <a:ext cx="2451745" cy="1060102"/>
+          </a:xfrm>
+          <a:prstGeom prst="cloud">
+            <a:avLst/>
+          </a:prstGeom>
+          <a:solidFill>
+            <a:schemeClr val="tx2"/>
+          </a:solidFill>
+          <a:ln>
+            <a:noFill/>
+          </a:ln>
+          <a:effectLst/>
+        </p:spPr>
+        <p:style>
+          <a:lnRef idx="1">
+            <a:schemeClr val="accent1"/>
+          </a:lnRef>
+          <a:fillRef idx="3">
+            <a:schemeClr val="accent1"/>
+          </a:fillRef>
+          <a:effectRef idx="2">
+            <a:schemeClr val="accent1"/>
+          </a:effectRef>
+          <a:fontRef idx="minor">
+            <a:schemeClr val="lt1"/>
+          </a:fontRef>
+        </p:style>
+        <p:txBody>
+          <a:bodyPr rtlCol="0" anchor="ctr"/>
+          <a:lstStyle/>
+          <a:p>
+            <a:pPr algn="ctr"/>
+            <a:r>
+              <a:rPr lang="en-US" dirty="0" smtClean="0"/>
+              <a:t>Internet</a:t>
+            </a:r>
+            <a:endParaRPr lang="en-US" dirty="0"/>
+          </a:p>
+        </p:txBody>
+      </p:sp>
+      <p:sp>
+        <p:nvSpPr>
+          <p:cNvPr id="20" name="Rectangle 19"/>
+          <p:cNvSpPr/>
+          <p:nvPr/>
+        </p:nvSpPr>
+        <p:spPr>
+          <a:xfrm>
+            <a:off x="7338668" y="1673463"/>
+            <a:ext cx="2639491" cy="1225744"/>
           </a:xfrm>
           <a:prstGeom prst="rect">
             <a:avLst/>
           </a:prstGeom>
-        </p:spPr>
-      </p:pic>
-      <p:pic>
-        <p:nvPicPr>
-          <p:cNvPr id="5" name="Picture 4" descr="n-tier-architecture-2.png"/>
-          <p:cNvPicPr>
-            <a:picLocks noChangeAspect="1"/>
-          </p:cNvPicPr>
+          <a:solidFill>
+            <a:schemeClr val="tx2"/>
+          </a:solidFill>
+          <a:ln>
+            <a:noFill/>
+          </a:ln>
+          <a:effectLst/>
+        </p:spPr>
+        <p:style>
+          <a:lnRef idx="1">
+            <a:schemeClr val="accent1"/>
+          </a:lnRef>
+          <a:fillRef idx="3">
+            <a:schemeClr val="accent1"/>
+          </a:fillRef>
+          <a:effectRef idx="2">
+            <a:schemeClr val="accent1"/>
+          </a:effectRef>
+          <a:fontRef idx="minor">
+            <a:schemeClr val="lt1"/>
+          </a:fontRef>
+        </p:style>
+        <p:txBody>
+          <a:bodyPr rtlCol="0" anchor="ctr"/>
+          <a:lstStyle/>
+          <a:p>
+            <a:pPr algn="ctr"/>
+            <a:r>
+              <a:rPr lang="en-US" dirty="0" smtClean="0"/>
+              <a:t>HTTP Server</a:t>
+            </a:r>
+            <a:endParaRPr lang="en-US" dirty="0"/>
+          </a:p>
+        </p:txBody>
+      </p:sp>
+      <p:cxnSp>
+        <p:nvCxnSpPr>
+          <p:cNvPr id="23" name="Straight Connector 22"/>
+          <p:cNvCxnSpPr>
+            <a:endCxn id="3" idx="3"/>
+          </p:cNvCxnSpPr>
           <p:nvPr/>
-        </p:nvPicPr>
-        <p:blipFill>
-          <a:blip r:embed="rId3">
-            <a:extLst>
-              <a:ext uri="{28A0092B-C50C-407E-A947-70E740481C1C}">
-                <a14:useLocalDpi xmlns:a14="http://schemas.microsoft.com/office/drawing/2010/main" val="0"/>
-              </a:ext>
-            </a:extLst>
-          </a:blip>
-          <a:stretch>
-            <a:fillRect/>
-          </a:stretch>
-        </p:blipFill>
+        </p:nvCxnSpPr>
         <p:spPr>
           <a:xfrm>
-            <a:off x="1568021" y="2705617"/>
-            <a:ext cx="6327843" cy="3817843"/>
+            <a:off x="8658414" y="2899207"/>
+            <a:ext cx="0" cy="910904"/>
+          </a:xfrm>
+          <a:prstGeom prst="line">
+            <a:avLst/>
+          </a:prstGeom>
+          <a:ln w="6350">
+            <a:solidFill>
+              <a:schemeClr val="tx1"/>
+            </a:solidFill>
+          </a:ln>
+          <a:effectLst/>
+        </p:spPr>
+        <p:style>
+          <a:lnRef idx="2">
+            <a:schemeClr val="accent1"/>
+          </a:lnRef>
+          <a:fillRef idx="0">
+            <a:schemeClr val="accent1"/>
+          </a:fillRef>
+          <a:effectRef idx="1">
+            <a:schemeClr val="accent1"/>
+          </a:effectRef>
+          <a:fontRef idx="minor">
+            <a:schemeClr val="tx1"/>
+          </a:fontRef>
+        </p:style>
+      </p:cxnSp>
+      <p:sp>
+        <p:nvSpPr>
+          <p:cNvPr id="25" name="Rectangle 24"/>
+          <p:cNvSpPr/>
+          <p:nvPr/>
+        </p:nvSpPr>
+        <p:spPr>
+          <a:xfrm>
+            <a:off x="7504326" y="5881877"/>
+            <a:ext cx="2308175" cy="872376"/>
           </a:xfrm>
           <a:prstGeom prst="rect">
             <a:avLst/>
           </a:prstGeom>
-        </p:spPr>
-      </p:pic>
+          <a:solidFill>
+            <a:schemeClr val="tx2"/>
+          </a:solidFill>
+          <a:ln>
+            <a:noFill/>
+          </a:ln>
+          <a:effectLst/>
+        </p:spPr>
+        <p:style>
+          <a:lnRef idx="1">
+            <a:schemeClr val="accent1"/>
+          </a:lnRef>
+          <a:fillRef idx="3">
+            <a:schemeClr val="accent1"/>
+          </a:fillRef>
+          <a:effectRef idx="2">
+            <a:schemeClr val="accent1"/>
+          </a:effectRef>
+          <a:fontRef idx="minor">
+            <a:schemeClr val="lt1"/>
+          </a:fontRef>
+        </p:style>
+        <p:txBody>
+          <a:bodyPr rtlCol="0" anchor="ctr"/>
+          <a:lstStyle/>
+          <a:p>
+            <a:pPr algn="ctr"/>
+            <a:r>
+              <a:rPr lang="en-US" dirty="0" smtClean="0"/>
+              <a:t>Browser</a:t>
+            </a:r>
+            <a:endParaRPr lang="en-US" dirty="0"/>
+          </a:p>
+        </p:txBody>
+      </p:sp>
+      <p:cxnSp>
+        <p:nvCxnSpPr>
+          <p:cNvPr id="26" name="Straight Arrow Connector 25"/>
+          <p:cNvCxnSpPr>
+            <a:stCxn id="25" idx="0"/>
+            <a:endCxn id="3" idx="1"/>
+          </p:cNvCxnSpPr>
+          <p:nvPr/>
+        </p:nvCxnSpPr>
+        <p:spPr>
+          <a:xfrm flipV="1">
+            <a:off x="8658414" y="4808472"/>
+            <a:ext cx="0" cy="1073405"/>
+          </a:xfrm>
+          <a:prstGeom prst="straightConnector1">
+            <a:avLst/>
+          </a:prstGeom>
+          <a:ln w="6350">
+            <a:solidFill>
+              <a:schemeClr val="tx1"/>
+            </a:solidFill>
+            <a:headEnd type="arrow"/>
+            <a:tailEnd type="arrow"/>
+          </a:ln>
+          <a:effectLst/>
+        </p:spPr>
+        <p:style>
+          <a:lnRef idx="2">
+            <a:schemeClr val="accent1"/>
+          </a:lnRef>
+          <a:fillRef idx="0">
+            <a:schemeClr val="accent1"/>
+          </a:fillRef>
+          <a:effectRef idx="1">
+            <a:schemeClr val="accent1"/>
+          </a:effectRef>
+          <a:fontRef idx="minor">
+            <a:schemeClr val="tx1"/>
+          </a:fontRef>
+        </p:style>
+      </p:cxnSp>
     </p:spTree>
     <p:extLst>
       <p:ext uri="{BB962C8B-B14F-4D97-AF65-F5344CB8AC3E}">
-        <p14:creationId xmlns:p14="http://schemas.microsoft.com/office/powerpoint/2010/main" val="3671872903"/>
+        <p14:creationId xmlns:p14="http://schemas.microsoft.com/office/powerpoint/2010/main" val="3133165965"/>
       </p:ext>
     </p:extLst>
   </p:cSld>
